--- a/course_docs/week1-1.pptx
+++ b/course_docs/week1-1.pptx
@@ -5,7 +5,7 @@
     <p:sldMasterId id="2147483648" r:id="rId1"/>
   </p:sldMasterIdLst>
   <p:notesMasterIdLst>
-    <p:notesMasterId r:id="rId38"/>
+    <p:notesMasterId r:id="rId39"/>
   </p:notesMasterIdLst>
   <p:sldIdLst>
     <p:sldId id="256" r:id="rId2"/>
@@ -16,34 +16,35 @@
     <p:sldId id="272" r:id="rId7"/>
     <p:sldId id="273" r:id="rId8"/>
     <p:sldId id="274" r:id="rId9"/>
-    <p:sldId id="275" r:id="rId10"/>
-    <p:sldId id="276" r:id="rId11"/>
-    <p:sldId id="277" r:id="rId12"/>
-    <p:sldId id="278" r:id="rId13"/>
-    <p:sldId id="260" r:id="rId14"/>
-    <p:sldId id="279" r:id="rId15"/>
-    <p:sldId id="261" r:id="rId16"/>
-    <p:sldId id="262" r:id="rId17"/>
-    <p:sldId id="263" r:id="rId18"/>
-    <p:sldId id="264" r:id="rId19"/>
-    <p:sldId id="265" r:id="rId20"/>
-    <p:sldId id="266" r:id="rId21"/>
-    <p:sldId id="267" r:id="rId22"/>
-    <p:sldId id="280" r:id="rId23"/>
-    <p:sldId id="268" r:id="rId24"/>
-    <p:sldId id="281" r:id="rId25"/>
-    <p:sldId id="282" r:id="rId26"/>
-    <p:sldId id="283" r:id="rId27"/>
-    <p:sldId id="269" r:id="rId28"/>
-    <p:sldId id="284" r:id="rId29"/>
-    <p:sldId id="286" r:id="rId30"/>
-    <p:sldId id="292" r:id="rId31"/>
-    <p:sldId id="285" r:id="rId32"/>
-    <p:sldId id="287" r:id="rId33"/>
-    <p:sldId id="288" r:id="rId34"/>
-    <p:sldId id="289" r:id="rId35"/>
-    <p:sldId id="290" r:id="rId36"/>
-    <p:sldId id="291" r:id="rId37"/>
+    <p:sldId id="293" r:id="rId10"/>
+    <p:sldId id="275" r:id="rId11"/>
+    <p:sldId id="276" r:id="rId12"/>
+    <p:sldId id="277" r:id="rId13"/>
+    <p:sldId id="278" r:id="rId14"/>
+    <p:sldId id="260" r:id="rId15"/>
+    <p:sldId id="279" r:id="rId16"/>
+    <p:sldId id="261" r:id="rId17"/>
+    <p:sldId id="262" r:id="rId18"/>
+    <p:sldId id="263" r:id="rId19"/>
+    <p:sldId id="264" r:id="rId20"/>
+    <p:sldId id="265" r:id="rId21"/>
+    <p:sldId id="266" r:id="rId22"/>
+    <p:sldId id="267" r:id="rId23"/>
+    <p:sldId id="280" r:id="rId24"/>
+    <p:sldId id="268" r:id="rId25"/>
+    <p:sldId id="281" r:id="rId26"/>
+    <p:sldId id="282" r:id="rId27"/>
+    <p:sldId id="283" r:id="rId28"/>
+    <p:sldId id="269" r:id="rId29"/>
+    <p:sldId id="284" r:id="rId30"/>
+    <p:sldId id="286" r:id="rId31"/>
+    <p:sldId id="292" r:id="rId32"/>
+    <p:sldId id="285" r:id="rId33"/>
+    <p:sldId id="287" r:id="rId34"/>
+    <p:sldId id="288" r:id="rId35"/>
+    <p:sldId id="289" r:id="rId36"/>
+    <p:sldId id="290" r:id="rId37"/>
+    <p:sldId id="291" r:id="rId38"/>
   </p:sldIdLst>
   <p:sldSz cx="9144000" cy="6858000" type="screen4x3"/>
   <p:notesSz cx="6858000" cy="9144000"/>
@@ -575,7 +576,7 @@
           <a:p>
             <a:fld id="{BF25FF4D-D286-9945-84D1-EE6F4129429D}" type="slidenum">
               <a:rPr lang="en-US" smtClean="0"/>
-              <a:t>12</a:t>
+              <a:t>13</a:t>
             </a:fld>
             <a:endParaRPr lang="en-US"/>
           </a:p>
@@ -659,7 +660,7 @@
           <a:p>
             <a:fld id="{BF25FF4D-D286-9945-84D1-EE6F4129429D}" type="slidenum">
               <a:rPr lang="en-US" smtClean="0"/>
-              <a:t>15</a:t>
+              <a:t>16</a:t>
             </a:fld>
             <a:endParaRPr lang="en-US"/>
           </a:p>
@@ -747,7 +748,7 @@
           <a:p>
             <a:fld id="{BF25FF4D-D286-9945-84D1-EE6F4129429D}" type="slidenum">
               <a:rPr lang="en-US" smtClean="0"/>
-              <a:t>31</a:t>
+              <a:t>32</a:t>
             </a:fld>
             <a:endParaRPr lang="en-US"/>
           </a:p>
@@ -835,7 +836,7 @@
           <a:p>
             <a:fld id="{BF25FF4D-D286-9945-84D1-EE6F4129429D}" type="slidenum">
               <a:rPr lang="en-US" smtClean="0"/>
-              <a:t>32</a:t>
+              <a:t>33</a:t>
             </a:fld>
             <a:endParaRPr lang="en-US"/>
           </a:p>
@@ -923,7 +924,7 @@
           <a:p>
             <a:fld id="{BF25FF4D-D286-9945-84D1-EE6F4129429D}" type="slidenum">
               <a:rPr lang="en-US" smtClean="0"/>
-              <a:t>33</a:t>
+              <a:t>34</a:t>
             </a:fld>
             <a:endParaRPr lang="en-US"/>
           </a:p>
@@ -1011,7 +1012,7 @@
           <a:p>
             <a:fld id="{BF25FF4D-D286-9945-84D1-EE6F4129429D}" type="slidenum">
               <a:rPr lang="en-US" smtClean="0"/>
-              <a:t>34</a:t>
+              <a:t>35</a:t>
             </a:fld>
             <a:endParaRPr lang="en-US"/>
           </a:p>
@@ -1099,7 +1100,7 @@
           <a:p>
             <a:fld id="{BF25FF4D-D286-9945-84D1-EE6F4129429D}" type="slidenum">
               <a:rPr lang="en-US" smtClean="0"/>
-              <a:t>35</a:t>
+              <a:t>36</a:t>
             </a:fld>
             <a:endParaRPr lang="en-US"/>
           </a:p>
@@ -1187,7 +1188,7 @@
           <a:p>
             <a:fld id="{BF25FF4D-D286-9945-84D1-EE6F4129429D}" type="slidenum">
               <a:rPr lang="en-US" smtClean="0"/>
-              <a:t>36</a:t>
+              <a:t>37</a:t>
             </a:fld>
             <a:endParaRPr lang="en-US"/>
           </a:p>
@@ -4382,7 +4383,7 @@
             <a:pPr algn="ctr" fontAlgn="base"/>
             <a:r>
               <a:rPr lang="en-GB" dirty="0"/>
-              <a:t>Co-design</a:t>
+              <a:t>teams</a:t>
             </a:r>
             <a:endParaRPr lang="en-GB" b="0" dirty="0"/>
           </a:p>
@@ -4402,8 +4403,8 @@
         </p:nvSpPr>
         <p:spPr>
           <a:xfrm>
-            <a:off x="926706" y="974781"/>
-            <a:ext cx="7679412" cy="4154984"/>
+            <a:off x="969736" y="760057"/>
+            <a:ext cx="7679412" cy="4893647"/>
           </a:xfrm>
           <a:prstGeom prst="rect">
             <a:avLst/>
@@ -4473,7 +4474,7 @@
                 </a:solidFill>
                 <a:latin typeface="Century Gothic" panose="020B0502020202020204" pitchFamily="34" charset="0"/>
               </a:rPr>
-              <a:t>period of focused, intensive collaboration between experts and stakeholders</a:t>
+              <a:t>We will assign you to teams next week — these will stay the same till the end of the course</a:t>
             </a:r>
           </a:p>
           <a:p>
@@ -4500,7 +4501,7 @@
                 </a:solidFill>
                 <a:latin typeface="Century Gothic" panose="020B0502020202020204" pitchFamily="34" charset="0"/>
               </a:rPr>
-              <a:t>should be creative, interactive, fun</a:t>
+              <a:t>4-5 people to a team</a:t>
             </a:r>
           </a:p>
           <a:p>
@@ -4527,7 +4528,34 @@
                 </a:solidFill>
                 <a:latin typeface="Century Gothic" panose="020B0502020202020204" pitchFamily="34" charset="0"/>
               </a:rPr>
-              <a:t>“studio” approach — show and share your ideas right from the start</a:t>
+              <a:t>Some will probably have an easier time than others</a:t>
+            </a:r>
+          </a:p>
+          <a:p>
+            <a:pPr marL="285750" lvl="0" indent="-285750">
+              <a:buFont typeface="Arial" panose="020B0604020202020204" pitchFamily="34" charset="0"/>
+              <a:buChar char="•"/>
+            </a:pPr>
+            <a:endParaRPr lang="en-GB" sz="2400" b="1" dirty="0">
+              <a:solidFill>
+                <a:schemeClr val="bg1"/>
+              </a:solidFill>
+              <a:latin typeface="Century Gothic" panose="020B0502020202020204" pitchFamily="34" charset="0"/>
+            </a:endParaRPr>
+          </a:p>
+          <a:p>
+            <a:pPr marL="285750" lvl="0" indent="-285750">
+              <a:buFont typeface="Arial" panose="020B0604020202020204" pitchFamily="34" charset="0"/>
+              <a:buChar char="•"/>
+            </a:pPr>
+            <a:r>
+              <a:rPr lang="en-GB" sz="2400" b="1" dirty="0">
+                <a:solidFill>
+                  <a:schemeClr val="bg1"/>
+                </a:solidFill>
+                <a:latin typeface="Century Gothic" panose="020B0502020202020204" pitchFamily="34" charset="0"/>
+              </a:rPr>
+              <a:t>Each team will get a mentor / facilitator</a:t>
             </a:r>
           </a:p>
         </p:txBody>
@@ -4535,7 +4563,7 @@
     </p:spTree>
     <p:extLst>
       <p:ext uri="{BB962C8B-B14F-4D97-AF65-F5344CB8AC3E}">
-        <p14:creationId xmlns:p14="http://schemas.microsoft.com/office/powerpoint/2010/main" val="4126588178"/>
+        <p14:creationId xmlns:p14="http://schemas.microsoft.com/office/powerpoint/2010/main" val="3325180432"/>
       </p:ext>
     </p:extLst>
   </p:cSld>
@@ -4574,7 +4602,7 @@
         </p:nvSpPr>
         <p:spPr>
           <a:xfrm>
-            <a:off x="571706" y="606144"/>
+            <a:off x="582464" y="1082787"/>
             <a:ext cx="7772400" cy="1362075"/>
           </a:xfrm>
         </p:spPr>
@@ -4587,7 +4615,7 @@
             <a:pPr algn="ctr" fontAlgn="base"/>
             <a:r>
               <a:rPr lang="en-GB" dirty="0"/>
-              <a:t>4 rules for DDC</a:t>
+              <a:t>Co-design</a:t>
             </a:r>
             <a:endParaRPr lang="en-GB" b="0" dirty="0"/>
           </a:p>
@@ -4607,8 +4635,8 @@
         </p:nvSpPr>
         <p:spPr>
           <a:xfrm>
-            <a:off x="894434" y="1462610"/>
-            <a:ext cx="7772400" cy="4862870"/>
+            <a:off x="926706" y="974781"/>
+            <a:ext cx="7679412" cy="4154984"/>
           </a:xfrm>
           <a:prstGeom prst="rect">
             <a:avLst/>
@@ -4622,7 +4650,7 @@
           <a:lstStyle/>
           <a:p>
             <a:r>
-              <a:rPr lang="en-GB" sz="2300" b="1" dirty="0">
+              <a:rPr lang="en-GB" sz="2400" b="1" dirty="0">
                 <a:solidFill>
                   <a:schemeClr val="bg1"/>
                 </a:solidFill>
@@ -4631,40 +4659,13 @@
               <a:t> </a:t>
             </a:r>
             <a:br>
-              <a:rPr lang="en-GB" sz="2300" b="1" dirty="0">
+              <a:rPr lang="en-GB" sz="2400" b="1" dirty="0">
                 <a:solidFill>
                   <a:schemeClr val="bg1"/>
                 </a:solidFill>
                 <a:latin typeface="Century Gothic" panose="020B0502020202020204" pitchFamily="34" charset="0"/>
               </a:rPr>
             </a:br>
-            <a:endParaRPr lang="en-GB" sz="2300" b="1" dirty="0">
-              <a:solidFill>
-                <a:schemeClr val="bg1"/>
-              </a:solidFill>
-              <a:latin typeface="Century Gothic" panose="020B0502020202020204" pitchFamily="34" charset="0"/>
-            </a:endParaRPr>
-          </a:p>
-          <a:p>
-            <a:pPr marL="342900" indent="-342900" fontAlgn="base">
-              <a:buFont typeface="Arial" panose="020B0604020202020204" pitchFamily="34" charset="0"/>
-              <a:buChar char="•"/>
-            </a:pPr>
-            <a:r>
-              <a:rPr lang="en-GB" sz="2400" b="1" dirty="0">
-                <a:solidFill>
-                  <a:schemeClr val="bg1"/>
-                </a:solidFill>
-                <a:latin typeface="Century Gothic" panose="020B0502020202020204" pitchFamily="34" charset="0"/>
-              </a:rPr>
-              <a:t>Turn up and be fully present — class time is essential</a:t>
-            </a:r>
-          </a:p>
-          <a:p>
-            <a:pPr marL="342900" indent="-342900" fontAlgn="base">
-              <a:buFont typeface="Arial" panose="020B0604020202020204" pitchFamily="34" charset="0"/>
-              <a:buChar char="•"/>
-            </a:pPr>
             <a:endParaRPr lang="en-GB" sz="2400" b="1" dirty="0">
               <a:solidFill>
                 <a:schemeClr val="bg1"/>
@@ -4673,10 +4674,7 @@
             </a:endParaRPr>
           </a:p>
           <a:p>
-            <a:pPr marL="342900" indent="-342900" fontAlgn="base">
-              <a:buFont typeface="Arial" panose="020B0604020202020204" pitchFamily="34" charset="0"/>
-              <a:buChar char="•"/>
-            </a:pPr>
+            <a:pPr fontAlgn="base"/>
             <a:r>
               <a:rPr lang="en-GB" sz="2400" b="1" dirty="0">
                 <a:solidFill>
@@ -4684,14 +4682,11 @@
                 </a:solidFill>
                 <a:latin typeface="Century Gothic" panose="020B0502020202020204" pitchFamily="34" charset="0"/>
               </a:rPr>
-              <a:t>Do every exercise and piece of work when it comes up — you can’t cram the material in during last week of semester</a:t>
-            </a:r>
-          </a:p>
-          <a:p>
-            <a:pPr marL="342900" indent="-342900" fontAlgn="base">
-              <a:buFont typeface="Arial" panose="020B0604020202020204" pitchFamily="34" charset="0"/>
-              <a:buChar char="•"/>
-            </a:pPr>
+              <a:t> </a:t>
+            </a:r>
+          </a:p>
+          <a:p>
+            <a:pPr fontAlgn="base"/>
             <a:endParaRPr lang="en-GB" sz="2400" b="1" dirty="0">
               <a:solidFill>
                 <a:schemeClr val="bg1"/>
@@ -4700,7 +4695,7 @@
             </a:endParaRPr>
           </a:p>
           <a:p>
-            <a:pPr marL="342900" indent="-342900" fontAlgn="base">
+            <a:pPr marL="285750" lvl="0" indent="-285750">
               <a:buFont typeface="Arial" panose="020B0604020202020204" pitchFamily="34" charset="0"/>
               <a:buChar char="•"/>
             </a:pPr>
@@ -4711,11 +4706,11 @@
                 </a:solidFill>
                 <a:latin typeface="Century Gothic" panose="020B0502020202020204" pitchFamily="34" charset="0"/>
               </a:rPr>
-              <a:t>Be reliable — your team members will depend on you</a:t>
-            </a:r>
-          </a:p>
-          <a:p>
-            <a:pPr marL="342900" indent="-342900" fontAlgn="base">
+              <a:t>period of focused, intensive collaboration between experts and stakeholders</a:t>
+            </a:r>
+          </a:p>
+          <a:p>
+            <a:pPr marL="285750" lvl="0" indent="-285750">
               <a:buFont typeface="Arial" panose="020B0604020202020204" pitchFamily="34" charset="0"/>
               <a:buChar char="•"/>
             </a:pPr>
@@ -4727,7 +4722,7 @@
             </a:endParaRPr>
           </a:p>
           <a:p>
-            <a:pPr marL="342900" indent="-342900" fontAlgn="base">
+            <a:pPr marL="285750" lvl="0" indent="-285750">
               <a:buFont typeface="Arial" panose="020B0604020202020204" pitchFamily="34" charset="0"/>
               <a:buChar char="•"/>
             </a:pPr>
@@ -4738,21 +4733,42 @@
                 </a:solidFill>
                 <a:latin typeface="Century Gothic" panose="020B0502020202020204" pitchFamily="34" charset="0"/>
               </a:rPr>
-              <a:t>If in doubt, ask in class or see instructors</a:t>
-            </a:r>
-            <a:endParaRPr lang="en-GB" sz="2300" b="1" dirty="0">
+              <a:t>should be creative, interactive, fun</a:t>
+            </a:r>
+          </a:p>
+          <a:p>
+            <a:pPr marL="285750" lvl="0" indent="-285750">
+              <a:buFont typeface="Arial" panose="020B0604020202020204" pitchFamily="34" charset="0"/>
+              <a:buChar char="•"/>
+            </a:pPr>
+            <a:endParaRPr lang="en-GB" sz="2400" b="1" dirty="0">
               <a:solidFill>
                 <a:schemeClr val="bg1"/>
               </a:solidFill>
               <a:latin typeface="Century Gothic" panose="020B0502020202020204" pitchFamily="34" charset="0"/>
             </a:endParaRPr>
           </a:p>
+          <a:p>
+            <a:pPr marL="285750" lvl="0" indent="-285750">
+              <a:buFont typeface="Arial" panose="020B0604020202020204" pitchFamily="34" charset="0"/>
+              <a:buChar char="•"/>
+            </a:pPr>
+            <a:r>
+              <a:rPr lang="en-GB" sz="2400" b="1" dirty="0">
+                <a:solidFill>
+                  <a:schemeClr val="bg1"/>
+                </a:solidFill>
+                <a:latin typeface="Century Gothic" panose="020B0502020202020204" pitchFamily="34" charset="0"/>
+              </a:rPr>
+              <a:t>“studio” approach — show and share your ideas right from the start</a:t>
+            </a:r>
+          </a:p>
         </p:txBody>
       </p:sp>
     </p:spTree>
     <p:extLst>
       <p:ext uri="{BB962C8B-B14F-4D97-AF65-F5344CB8AC3E}">
-        <p14:creationId xmlns:p14="http://schemas.microsoft.com/office/powerpoint/2010/main" val="804537154"/>
+        <p14:creationId xmlns:p14="http://schemas.microsoft.com/office/powerpoint/2010/main" val="4126588178"/>
       </p:ext>
     </p:extLst>
   </p:cSld>
@@ -4804,14 +4820,7 @@
             <a:pPr algn="ctr" fontAlgn="base"/>
             <a:r>
               <a:rPr lang="en-GB" dirty="0"/>
-              <a:t>Example projects: </a:t>
-            </a:r>
-            <a:br>
-              <a:rPr lang="en-GB" dirty="0"/>
-            </a:br>
-            <a:r>
-              <a:rPr lang="en-GB" dirty="0"/>
-              <a:t>DATA, DESIGN &amp; SOCIETY</a:t>
+              <a:t>4 rules for DDC</a:t>
             </a:r>
             <a:endParaRPr lang="en-GB" b="0" dirty="0"/>
           </a:p>
@@ -4831,8 +4840,8 @@
         </p:nvSpPr>
         <p:spPr>
           <a:xfrm>
-            <a:off x="894434" y="1968219"/>
-            <a:ext cx="7772400" cy="3046988"/>
+            <a:off x="894434" y="1462610"/>
+            <a:ext cx="7772400" cy="4862870"/>
           </a:xfrm>
           <a:prstGeom prst="rect">
             <a:avLst/>
@@ -4846,22 +4855,49 @@
           <a:lstStyle/>
           <a:p>
             <a:r>
+              <a:rPr lang="en-GB" sz="2300" b="1" dirty="0">
+                <a:solidFill>
+                  <a:schemeClr val="bg1"/>
+                </a:solidFill>
+                <a:latin typeface="Century Gothic" panose="020B0502020202020204" pitchFamily="34" charset="0"/>
+              </a:rPr>
+              <a:t> </a:t>
+            </a:r>
+            <a:br>
+              <a:rPr lang="en-GB" sz="2300" b="1" dirty="0">
+                <a:solidFill>
+                  <a:schemeClr val="bg1"/>
+                </a:solidFill>
+                <a:latin typeface="Century Gothic" panose="020B0502020202020204" pitchFamily="34" charset="0"/>
+              </a:rPr>
+            </a:br>
+            <a:endParaRPr lang="en-GB" sz="2300" b="1" dirty="0">
+              <a:solidFill>
+                <a:schemeClr val="bg1"/>
+              </a:solidFill>
+              <a:latin typeface="Century Gothic" panose="020B0502020202020204" pitchFamily="34" charset="0"/>
+            </a:endParaRPr>
+          </a:p>
+          <a:p>
+            <a:pPr marL="342900" indent="-342900" fontAlgn="base">
+              <a:buFont typeface="Arial" panose="020B0604020202020204" pitchFamily="34" charset="0"/>
+              <a:buChar char="•"/>
+            </a:pPr>
+            <a:r>
               <a:rPr lang="en-GB" sz="2400" b="1" dirty="0">
                 <a:solidFill>
                   <a:schemeClr val="bg1"/>
                 </a:solidFill>
                 <a:latin typeface="Century Gothic" panose="020B0502020202020204" pitchFamily="34" charset="0"/>
               </a:rPr>
-              <a:t> </a:t>
-            </a:r>
-            <a:br>
-              <a:rPr lang="en-GB" sz="2400" b="1" dirty="0">
-                <a:solidFill>
-                  <a:schemeClr val="bg1"/>
-                </a:solidFill>
-                <a:latin typeface="Century Gothic" panose="020B0502020202020204" pitchFamily="34" charset="0"/>
-              </a:rPr>
-            </a:br>
+              <a:t>Turn up and be fully present — class time is essential</a:t>
+            </a:r>
+          </a:p>
+          <a:p>
+            <a:pPr marL="342900" indent="-342900" fontAlgn="base">
+              <a:buFont typeface="Arial" panose="020B0604020202020204" pitchFamily="34" charset="0"/>
+              <a:buChar char="•"/>
+            </a:pPr>
             <a:endParaRPr lang="en-GB" sz="2400" b="1" dirty="0">
               <a:solidFill>
                 <a:schemeClr val="bg1"/>
@@ -4881,7 +4917,7 @@
                 </a:solidFill>
                 <a:latin typeface="Century Gothic" panose="020B0502020202020204" pitchFamily="34" charset="0"/>
               </a:rPr>
-              <a:t>DDS was a Masters course organised on similar principles to DDC</a:t>
+              <a:t>Do every exercise and piece of work when it comes up — you can’t cram the material in during last week of semester</a:t>
             </a:r>
           </a:p>
           <a:p>
@@ -4908,7 +4944,7 @@
                 </a:solidFill>
                 <a:latin typeface="Century Gothic" panose="020B0502020202020204" pitchFamily="34" charset="0"/>
               </a:rPr>
-              <a:t>Projects can illustrate what’s possible</a:t>
+              <a:t>Be reliable — your team members will depend on you</a:t>
             </a:r>
           </a:p>
           <a:p>
@@ -4935,18 +4971,9 @@
                 </a:solidFill>
                 <a:latin typeface="Century Gothic" panose="020B0502020202020204" pitchFamily="34" charset="0"/>
               </a:rPr>
-              <a:t>DDS Theme: sustainability  &amp; food at the </a:t>
-            </a:r>
-            <a:r>
-              <a:rPr lang="en-GB" sz="2400" b="1" dirty="0" err="1">
-                <a:solidFill>
-                  <a:schemeClr val="bg1"/>
-                </a:solidFill>
-                <a:latin typeface="Century Gothic" panose="020B0502020202020204" pitchFamily="34" charset="0"/>
-              </a:rPr>
-              <a:t>UofE</a:t>
-            </a:r>
-            <a:endParaRPr lang="en-GB" sz="2400" b="1" dirty="0">
+              <a:t>If in doubt, ask in class or see instructors</a:t>
+            </a:r>
+            <a:endParaRPr lang="en-GB" sz="2300" b="1" dirty="0">
               <a:solidFill>
                 <a:schemeClr val="bg1"/>
               </a:solidFill>
@@ -4958,7 +4985,7 @@
     </p:spTree>
     <p:extLst>
       <p:ext uri="{BB962C8B-B14F-4D97-AF65-F5344CB8AC3E}">
-        <p14:creationId xmlns:p14="http://schemas.microsoft.com/office/powerpoint/2010/main" val="2721752923"/>
+        <p14:creationId xmlns:p14="http://schemas.microsoft.com/office/powerpoint/2010/main" val="804537154"/>
       </p:ext>
     </p:extLst>
   </p:cSld>
@@ -4997,42 +5024,176 @@
         </p:nvSpPr>
         <p:spPr>
           <a:xfrm>
-            <a:off x="564776" y="2374750"/>
-            <a:ext cx="8229600" cy="1143000"/>
+            <a:off x="571706" y="606144"/>
+            <a:ext cx="7772400" cy="1362075"/>
           </a:xfrm>
         </p:spPr>
         <p:txBody>
           <a:bodyPr>
-            <a:normAutofit fontScale="90000"/>
+            <a:normAutofit/>
           </a:bodyPr>
           <a:lstStyle/>
           <a:p>
-            <a:pPr marL="0" lvl="0" indent="0">
-              <a:buNone/>
-            </a:pPr>
+            <a:pPr algn="ctr" fontAlgn="base"/>
             <a:r>
               <a:rPr lang="en-GB" dirty="0"/>
-              <a:t>EXAMPLE PROJECTS FROM</a:t>
+              <a:t>Example projects: </a:t>
             </a:r>
             <a:br>
               <a:rPr lang="en-GB" dirty="0"/>
             </a:br>
             <a:r>
               <a:rPr lang="en-GB" dirty="0"/>
-              <a:t>DATA, DESIGN, &amp; SOCIETY</a:t>
+              <a:t>DATA, DESIGN &amp; SOCIETY</a:t>
+            </a:r>
+            <a:endParaRPr lang="en-GB" b="0" dirty="0"/>
+          </a:p>
+        </p:txBody>
+      </p:sp>
+      <p:sp>
+        <p:nvSpPr>
+          <p:cNvPr id="3" name="TextBox 2">
+            <a:extLst>
+              <a:ext uri="{FF2B5EF4-FFF2-40B4-BE49-F238E27FC236}">
+                <a16:creationId xmlns:a16="http://schemas.microsoft.com/office/drawing/2014/main" id="{587A53EE-69F7-6F45-9414-AF62B07CE656}"/>
+              </a:ext>
+            </a:extLst>
+          </p:cNvPr>
+          <p:cNvSpPr txBox="1"/>
+          <p:nvPr/>
+        </p:nvSpPr>
+        <p:spPr>
+          <a:xfrm>
+            <a:off x="894434" y="1968219"/>
+            <a:ext cx="7772400" cy="3046988"/>
+          </a:xfrm>
+          <a:prstGeom prst="rect">
+            <a:avLst/>
+          </a:prstGeom>
+          <a:noFill/>
+        </p:spPr>
+        <p:txBody>
+          <a:bodyPr wrap="square" rtlCol="0">
+            <a:spAutoFit/>
+          </a:bodyPr>
+          <a:lstStyle/>
+          <a:p>
+            <a:r>
+              <a:rPr lang="en-GB" sz="2400" b="1" dirty="0">
+                <a:solidFill>
+                  <a:schemeClr val="bg1"/>
+                </a:solidFill>
+                <a:latin typeface="Century Gothic" panose="020B0502020202020204" pitchFamily="34" charset="0"/>
+              </a:rPr>
+              <a:t> </a:t>
             </a:r>
             <a:br>
-              <a:rPr lang="en-GB" dirty="0"/>
+              <a:rPr lang="en-GB" sz="2400" b="1" dirty="0">
+                <a:solidFill>
+                  <a:schemeClr val="bg1"/>
+                </a:solidFill>
+                <a:latin typeface="Century Gothic" panose="020B0502020202020204" pitchFamily="34" charset="0"/>
+              </a:rPr>
             </a:br>
-            <a:r>
-              <a:rPr lang="en-GB" dirty="0"/>
-              <a:t>2016 </a:t>
-            </a:r>
-            <a:endParaRPr dirty="0"/>
+            <a:endParaRPr lang="en-GB" sz="2400" b="1" dirty="0">
+              <a:solidFill>
+                <a:schemeClr val="bg1"/>
+              </a:solidFill>
+              <a:latin typeface="Century Gothic" panose="020B0502020202020204" pitchFamily="34" charset="0"/>
+            </a:endParaRPr>
+          </a:p>
+          <a:p>
+            <a:pPr marL="342900" indent="-342900" fontAlgn="base">
+              <a:buFont typeface="Arial" panose="020B0604020202020204" pitchFamily="34" charset="0"/>
+              <a:buChar char="•"/>
+            </a:pPr>
+            <a:r>
+              <a:rPr lang="en-GB" sz="2400" b="1" dirty="0">
+                <a:solidFill>
+                  <a:schemeClr val="bg1"/>
+                </a:solidFill>
+                <a:latin typeface="Century Gothic" panose="020B0502020202020204" pitchFamily="34" charset="0"/>
+              </a:rPr>
+              <a:t>DDS was a Masters course organised on similar principles to DDC</a:t>
+            </a:r>
+          </a:p>
+          <a:p>
+            <a:pPr marL="342900" indent="-342900" fontAlgn="base">
+              <a:buFont typeface="Arial" panose="020B0604020202020204" pitchFamily="34" charset="0"/>
+              <a:buChar char="•"/>
+            </a:pPr>
+            <a:endParaRPr lang="en-GB" sz="2400" b="1" dirty="0">
+              <a:solidFill>
+                <a:schemeClr val="bg1"/>
+              </a:solidFill>
+              <a:latin typeface="Century Gothic" panose="020B0502020202020204" pitchFamily="34" charset="0"/>
+            </a:endParaRPr>
+          </a:p>
+          <a:p>
+            <a:pPr marL="342900" indent="-342900" fontAlgn="base">
+              <a:buFont typeface="Arial" panose="020B0604020202020204" pitchFamily="34" charset="0"/>
+              <a:buChar char="•"/>
+            </a:pPr>
+            <a:r>
+              <a:rPr lang="en-GB" sz="2400" b="1" dirty="0">
+                <a:solidFill>
+                  <a:schemeClr val="bg1"/>
+                </a:solidFill>
+                <a:latin typeface="Century Gothic" panose="020B0502020202020204" pitchFamily="34" charset="0"/>
+              </a:rPr>
+              <a:t>Projects can illustrate what’s possible</a:t>
+            </a:r>
+          </a:p>
+          <a:p>
+            <a:pPr marL="342900" indent="-342900" fontAlgn="base">
+              <a:buFont typeface="Arial" panose="020B0604020202020204" pitchFamily="34" charset="0"/>
+              <a:buChar char="•"/>
+            </a:pPr>
+            <a:endParaRPr lang="en-GB" sz="2400" b="1" dirty="0">
+              <a:solidFill>
+                <a:schemeClr val="bg1"/>
+              </a:solidFill>
+              <a:latin typeface="Century Gothic" panose="020B0502020202020204" pitchFamily="34" charset="0"/>
+            </a:endParaRPr>
+          </a:p>
+          <a:p>
+            <a:pPr marL="342900" indent="-342900" fontAlgn="base">
+              <a:buFont typeface="Arial" panose="020B0604020202020204" pitchFamily="34" charset="0"/>
+              <a:buChar char="•"/>
+            </a:pPr>
+            <a:r>
+              <a:rPr lang="en-GB" sz="2400" b="1" dirty="0">
+                <a:solidFill>
+                  <a:schemeClr val="bg1"/>
+                </a:solidFill>
+                <a:latin typeface="Century Gothic" panose="020B0502020202020204" pitchFamily="34" charset="0"/>
+              </a:rPr>
+              <a:t>DDS Theme: sustainability  &amp; food at the </a:t>
+            </a:r>
+            <a:r>
+              <a:rPr lang="en-GB" sz="2400" b="1" dirty="0" err="1">
+                <a:solidFill>
+                  <a:schemeClr val="bg1"/>
+                </a:solidFill>
+                <a:latin typeface="Century Gothic" panose="020B0502020202020204" pitchFamily="34" charset="0"/>
+              </a:rPr>
+              <a:t>UofE</a:t>
+            </a:r>
+            <a:endParaRPr lang="en-GB" sz="2400" b="1" dirty="0">
+              <a:solidFill>
+                <a:schemeClr val="bg1"/>
+              </a:solidFill>
+              <a:latin typeface="Century Gothic" panose="020B0502020202020204" pitchFamily="34" charset="0"/>
+            </a:endParaRPr>
           </a:p>
         </p:txBody>
       </p:sp>
     </p:spTree>
+    <p:extLst>
+      <p:ext uri="{BB962C8B-B14F-4D97-AF65-F5344CB8AC3E}">
+        <p14:creationId xmlns:p14="http://schemas.microsoft.com/office/powerpoint/2010/main" val="2721752923"/>
+      </p:ext>
+    </p:extLst>
   </p:cSld>
   <p:clrMapOvr>
     <a:masterClrMapping/>
@@ -5069,139 +5230,42 @@
         </p:nvSpPr>
         <p:spPr>
           <a:xfrm>
-            <a:off x="571706" y="606144"/>
-            <a:ext cx="7772400" cy="1362075"/>
+            <a:off x="564776" y="2374750"/>
+            <a:ext cx="8229600" cy="1143000"/>
           </a:xfrm>
         </p:spPr>
         <p:txBody>
           <a:bodyPr>
-            <a:normAutofit/>
+            <a:normAutofit fontScale="90000"/>
           </a:bodyPr>
           <a:lstStyle/>
           <a:p>
-            <a:pPr algn="ctr" fontAlgn="base"/>
+            <a:pPr marL="0" lvl="0" indent="0">
+              <a:buNone/>
+            </a:pPr>
             <a:r>
               <a:rPr lang="en-GB" dirty="0"/>
-              <a:t>PROOF OF CONCEPT</a:t>
-            </a:r>
-            <a:endParaRPr lang="en-GB" b="0" dirty="0"/>
-          </a:p>
-        </p:txBody>
-      </p:sp>
-      <p:sp>
-        <p:nvSpPr>
-          <p:cNvPr id="3" name="TextBox 2">
-            <a:extLst>
-              <a:ext uri="{FF2B5EF4-FFF2-40B4-BE49-F238E27FC236}">
-                <a16:creationId xmlns:a16="http://schemas.microsoft.com/office/drawing/2014/main" id="{587A53EE-69F7-6F45-9414-AF62B07CE656}"/>
-              </a:ext>
-            </a:extLst>
-          </p:cNvPr>
-          <p:cNvSpPr txBox="1"/>
-          <p:nvPr/>
-        </p:nvSpPr>
-        <p:spPr>
-          <a:xfrm>
-            <a:off x="820248" y="2360105"/>
-            <a:ext cx="7772400" cy="2492990"/>
-          </a:xfrm>
-          <a:prstGeom prst="rect">
-            <a:avLst/>
-          </a:prstGeom>
-          <a:noFill/>
-        </p:spPr>
-        <p:txBody>
-          <a:bodyPr wrap="square" rtlCol="0">
-            <a:spAutoFit/>
-          </a:bodyPr>
-          <a:lstStyle/>
-          <a:p>
-            <a:r>
-              <a:rPr lang="en-GB" sz="2400" b="1" dirty="0">
-                <a:solidFill>
-                  <a:schemeClr val="bg1"/>
-                </a:solidFill>
-                <a:latin typeface="Century Gothic" panose="020B0502020202020204" pitchFamily="34" charset="0"/>
-              </a:rPr>
-              <a:t> </a:t>
+              <a:t>EXAMPLE PROJECTS FROM</a:t>
             </a:r>
             <a:br>
-              <a:rPr lang="en-GB" sz="2400" b="1" dirty="0">
-                <a:solidFill>
-                  <a:schemeClr val="bg1"/>
-                </a:solidFill>
-                <a:latin typeface="Century Gothic" panose="020B0502020202020204" pitchFamily="34" charset="0"/>
-              </a:rPr>
+              <a:rPr lang="en-GB" dirty="0"/>
             </a:br>
-            <a:endParaRPr lang="en-GB" sz="2200" b="1" dirty="0">
-              <a:solidFill>
-                <a:schemeClr val="bg1"/>
-              </a:solidFill>
-              <a:latin typeface="Century Gothic" panose="020B0502020202020204" pitchFamily="34" charset="0"/>
-            </a:endParaRPr>
-          </a:p>
-          <a:p>
-            <a:pPr marL="342900" indent="-342900" fontAlgn="base">
-              <a:buFont typeface="Arial" panose="020B0604020202020204" pitchFamily="34" charset="0"/>
-              <a:buChar char="•"/>
-            </a:pPr>
-            <a:r>
-              <a:rPr lang="en-GB" sz="2200" b="1" dirty="0">
-                <a:solidFill>
-                  <a:schemeClr val="bg1"/>
-                </a:solidFill>
-                <a:latin typeface="Century Gothic" panose="020B0502020202020204" pitchFamily="34" charset="0"/>
-              </a:rPr>
-              <a:t>Projects are mock-up</a:t>
-            </a:r>
-          </a:p>
-          <a:p>
-            <a:pPr marL="342900" indent="-342900" fontAlgn="base">
-              <a:buFont typeface="Arial" panose="020B0604020202020204" pitchFamily="34" charset="0"/>
-              <a:buChar char="•"/>
-            </a:pPr>
-            <a:endParaRPr lang="en-GB" sz="2200" b="1" dirty="0">
-              <a:solidFill>
-                <a:schemeClr val="bg1"/>
-              </a:solidFill>
-              <a:latin typeface="Century Gothic" panose="020B0502020202020204" pitchFamily="34" charset="0"/>
-            </a:endParaRPr>
-          </a:p>
-          <a:p>
-            <a:pPr marL="342900" indent="-342900" fontAlgn="base">
-              <a:buFont typeface="Arial" panose="020B0604020202020204" pitchFamily="34" charset="0"/>
-              <a:buChar char="•"/>
-            </a:pPr>
-            <a:r>
-              <a:rPr lang="en-GB" sz="2200" b="1" dirty="0">
-                <a:solidFill>
-                  <a:schemeClr val="bg1"/>
-                </a:solidFill>
-                <a:latin typeface="Century Gothic" panose="020B0502020202020204" pitchFamily="34" charset="0"/>
-              </a:rPr>
-              <a:t>Projects to not need to build complete apps or fancy equipment in order to show “proof of concept”.</a:t>
-            </a:r>
-          </a:p>
-          <a:p>
-            <a:pPr marL="342900" indent="-342900" fontAlgn="base">
-              <a:buFont typeface="Arial" panose="020B0604020202020204" pitchFamily="34" charset="0"/>
-              <a:buChar char="•"/>
-            </a:pPr>
-            <a:endParaRPr lang="en-GB" sz="2200" b="1" dirty="0">
-              <a:solidFill>
-                <a:schemeClr val="bg1"/>
-              </a:solidFill>
-              <a:latin typeface="Century Gothic" panose="020B0502020202020204" pitchFamily="34" charset="0"/>
-            </a:endParaRPr>
+            <a:r>
+              <a:rPr lang="en-GB" dirty="0"/>
+              <a:t>DATA, DESIGN, &amp; SOCIETY</a:t>
+            </a:r>
+            <a:br>
+              <a:rPr lang="en-GB" dirty="0"/>
+            </a:br>
+            <a:r>
+              <a:rPr lang="en-GB" dirty="0"/>
+              <a:t>2016 </a:t>
+            </a:r>
+            <a:endParaRPr dirty="0"/>
           </a:p>
         </p:txBody>
       </p:sp>
     </p:spTree>
-    <p:extLst>
-      <p:ext uri="{BB962C8B-B14F-4D97-AF65-F5344CB8AC3E}">
-        <p14:creationId xmlns:p14="http://schemas.microsoft.com/office/powerpoint/2010/main" val="3980930091"/>
-      </p:ext>
-    </p:extLst>
   </p:cSld>
   <p:clrMapOvr>
     <a:masterClrMapping/>
@@ -5238,31 +5302,31 @@
         </p:nvSpPr>
         <p:spPr>
           <a:xfrm>
-            <a:off x="408788" y="485987"/>
-            <a:ext cx="8229600" cy="1143000"/>
-          </a:xfrm>
-        </p:spPr>
-        <p:txBody>
-          <a:bodyPr/>
-          <a:lstStyle/>
-          <a:p>
-            <a:pPr marL="0" lvl="0" indent="0">
-              <a:buNone/>
-            </a:pPr>
+            <a:off x="571706" y="606144"/>
+            <a:ext cx="7772400" cy="1362075"/>
+          </a:xfrm>
+        </p:spPr>
+        <p:txBody>
+          <a:bodyPr>
+            <a:normAutofit/>
+          </a:bodyPr>
+          <a:lstStyle/>
+          <a:p>
+            <a:pPr algn="ctr" fontAlgn="base"/>
             <a:r>
               <a:rPr lang="en-GB" dirty="0"/>
-              <a:t>SMALL GROUP DISCUSSION</a:t>
-            </a:r>
-            <a:endParaRPr dirty="0"/>
-          </a:p>
-        </p:txBody>
-      </p:sp>
-      <p:sp>
-        <p:nvSpPr>
-          <p:cNvPr id="6" name="TextBox 5">
+              <a:t>PROOF OF CONCEPT</a:t>
+            </a:r>
+            <a:endParaRPr lang="en-GB" b="0" dirty="0"/>
+          </a:p>
+        </p:txBody>
+      </p:sp>
+      <p:sp>
+        <p:nvSpPr>
+          <p:cNvPr id="3" name="TextBox 2">
             <a:extLst>
               <a:ext uri="{FF2B5EF4-FFF2-40B4-BE49-F238E27FC236}">
-                <a16:creationId xmlns:a16="http://schemas.microsoft.com/office/drawing/2014/main" id="{C975AA96-79FF-B445-980A-618FCBB3C199}"/>
+                <a16:creationId xmlns:a16="http://schemas.microsoft.com/office/drawing/2014/main" id="{587A53EE-69F7-6F45-9414-AF62B07CE656}"/>
               </a:ext>
             </a:extLst>
           </p:cNvPr>
@@ -5271,8 +5335,8 @@
         </p:nvSpPr>
         <p:spPr>
           <a:xfrm>
-            <a:off x="968185" y="1858448"/>
-            <a:ext cx="7110805" cy="4154984"/>
+            <a:off x="820248" y="2360105"/>
+            <a:ext cx="7772400" cy="2492990"/>
           </a:xfrm>
           <a:prstGeom prst="rect">
             <a:avLst/>
@@ -5285,25 +5349,23 @@
           </a:bodyPr>
           <a:lstStyle/>
           <a:p>
-            <a:pPr marL="285750" indent="-285750">
-              <a:buFont typeface="Arial" panose="020B0604020202020204" pitchFamily="34" charset="0"/>
-              <a:buChar char="•"/>
-            </a:pPr>
-            <a:r>
-              <a:rPr lang="en-GB" sz="2200" b="1" dirty="0">
-                <a:solidFill>
-                  <a:schemeClr val="bg1"/>
-                </a:solidFill>
-                <a:latin typeface="Century Gothic" panose="020B0502020202020204" pitchFamily="34" charset="0"/>
-              </a:rPr>
-              <a:t>Each person at each table gets 2 minutes to talk</a:t>
-            </a:r>
-          </a:p>
-          <a:p>
-            <a:pPr marL="285750" indent="-285750">
-              <a:buFont typeface="Arial" panose="020B0604020202020204" pitchFamily="34" charset="0"/>
-              <a:buChar char="•"/>
-            </a:pPr>
+            <a:r>
+              <a:rPr lang="en-GB" sz="2400" b="1" dirty="0">
+                <a:solidFill>
+                  <a:schemeClr val="bg1"/>
+                </a:solidFill>
+                <a:latin typeface="Century Gothic" panose="020B0502020202020204" pitchFamily="34" charset="0"/>
+              </a:rPr>
+              <a:t> </a:t>
+            </a:r>
+            <a:br>
+              <a:rPr lang="en-GB" sz="2400" b="1" dirty="0">
+                <a:solidFill>
+                  <a:schemeClr val="bg1"/>
+                </a:solidFill>
+                <a:latin typeface="Century Gothic" panose="020B0502020202020204" pitchFamily="34" charset="0"/>
+              </a:rPr>
+            </a:br>
             <a:endParaRPr lang="en-GB" sz="2200" b="1" dirty="0">
               <a:solidFill>
                 <a:schemeClr val="bg1"/>
@@ -5312,7 +5374,7 @@
             </a:endParaRPr>
           </a:p>
           <a:p>
-            <a:pPr marL="285750" indent="-285750">
+            <a:pPr marL="342900" indent="-342900" fontAlgn="base">
               <a:buFont typeface="Arial" panose="020B0604020202020204" pitchFamily="34" charset="0"/>
               <a:buChar char="•"/>
             </a:pPr>
@@ -5323,11 +5385,11 @@
                 </a:solidFill>
                 <a:latin typeface="Century Gothic" panose="020B0502020202020204" pitchFamily="34" charset="0"/>
               </a:rPr>
-              <a:t>While one person is talking, everyone else in group just listens</a:t>
-            </a:r>
-          </a:p>
-          <a:p>
-            <a:pPr marL="285750" indent="-285750">
+              <a:t>Projects are mock-up</a:t>
+            </a:r>
+          </a:p>
+          <a:p>
+            <a:pPr marL="342900" indent="-342900" fontAlgn="base">
               <a:buFont typeface="Arial" panose="020B0604020202020204" pitchFamily="34" charset="0"/>
               <a:buChar char="•"/>
             </a:pPr>
@@ -5339,7 +5401,7 @@
             </a:endParaRPr>
           </a:p>
           <a:p>
-            <a:pPr marL="285750" indent="-285750">
+            <a:pPr marL="342900" indent="-342900" fontAlgn="base">
               <a:buFont typeface="Arial" panose="020B0604020202020204" pitchFamily="34" charset="0"/>
               <a:buChar char="•"/>
             </a:pPr>
@@ -5350,11 +5412,11 @@
                 </a:solidFill>
                 <a:latin typeface="Century Gothic" panose="020B0502020202020204" pitchFamily="34" charset="0"/>
               </a:rPr>
-              <a:t>Introduce yourself, say where you’re from and whether/what you usually recycle at home</a:t>
-            </a:r>
-          </a:p>
-          <a:p>
-            <a:pPr marL="285750" indent="-285750">
+              <a:t>Projects to not need to build complete apps or fancy equipment in order to show “proof of concept”.</a:t>
+            </a:r>
+          </a:p>
+          <a:p>
+            <a:pPr marL="342900" indent="-342900" fontAlgn="base">
               <a:buFont typeface="Arial" panose="020B0604020202020204" pitchFamily="34" charset="0"/>
               <a:buChar char="•"/>
             </a:pPr>
@@ -5365,57 +5427,14 @@
               <a:latin typeface="Century Gothic" panose="020B0502020202020204" pitchFamily="34" charset="0"/>
             </a:endParaRPr>
           </a:p>
-          <a:p>
-            <a:pPr marL="285750" indent="-285750">
-              <a:buFont typeface="Arial" panose="020B0604020202020204" pitchFamily="34" charset="0"/>
-              <a:buChar char="•"/>
-            </a:pPr>
-            <a:r>
-              <a:rPr lang="en-GB" sz="2200" b="1" dirty="0">
-                <a:solidFill>
-                  <a:schemeClr val="bg1"/>
-                </a:solidFill>
-                <a:latin typeface="Century Gothic" panose="020B0502020202020204" pitchFamily="34" charset="0"/>
-              </a:rPr>
-              <a:t>And say why you signed up for this course.</a:t>
-            </a:r>
-          </a:p>
-          <a:p>
-            <a:pPr marL="285750" indent="-285750">
-              <a:buFont typeface="Arial" panose="020B0604020202020204" pitchFamily="34" charset="0"/>
-              <a:buChar char="•"/>
-            </a:pPr>
-            <a:endParaRPr lang="en-GB" sz="2200" b="1" dirty="0">
-              <a:solidFill>
-                <a:schemeClr val="bg1"/>
-              </a:solidFill>
-              <a:latin typeface="Century Gothic" panose="020B0502020202020204" pitchFamily="34" charset="0"/>
-            </a:endParaRPr>
-          </a:p>
-          <a:p>
-            <a:pPr marL="285750" indent="-285750">
-              <a:buFont typeface="Arial" panose="020B0604020202020204" pitchFamily="34" charset="0"/>
-              <a:buChar char="•"/>
-            </a:pPr>
-            <a:r>
-              <a:rPr lang="en-GB" sz="2200" b="1" dirty="0">
-                <a:solidFill>
-                  <a:schemeClr val="bg1"/>
-                </a:solidFill>
-                <a:latin typeface="Century Gothic" panose="020B0502020202020204" pitchFamily="34" charset="0"/>
-              </a:rPr>
-              <a:t>Whole class: each table gets to share one interesting thing that came up in their discussion</a:t>
-            </a:r>
-            <a:endParaRPr lang="en-US" sz="2200" b="1" dirty="0">
-              <a:solidFill>
-                <a:schemeClr val="bg1"/>
-              </a:solidFill>
-              <a:latin typeface="Century Gothic" panose="020B0502020202020204" pitchFamily="34" charset="0"/>
-            </a:endParaRPr>
-          </a:p>
         </p:txBody>
       </p:sp>
     </p:spTree>
+    <p:extLst>
+      <p:ext uri="{BB962C8B-B14F-4D97-AF65-F5344CB8AC3E}">
+        <p14:creationId xmlns:p14="http://schemas.microsoft.com/office/powerpoint/2010/main" val="3980930091"/>
+      </p:ext>
+    </p:extLst>
   </p:cSld>
   <p:clrMapOvr>
     <a:masterClrMapping/>
@@ -5452,7 +5471,7 @@
         </p:nvSpPr>
         <p:spPr>
           <a:xfrm>
-            <a:off x="479503" y="1858111"/>
+            <a:off x="408788" y="485987"/>
             <a:ext cx="8229600" cy="1143000"/>
           </a:xfrm>
         </p:spPr>
@@ -5465,9 +5484,167 @@
             </a:pPr>
             <a:r>
               <a:rPr lang="en-GB" dirty="0"/>
-              <a:t>MOTIVATION FOR DDC</a:t>
+              <a:t>SMALL GROUP DISCUSSION</a:t>
             </a:r>
             <a:endParaRPr dirty="0"/>
+          </a:p>
+        </p:txBody>
+      </p:sp>
+      <p:sp>
+        <p:nvSpPr>
+          <p:cNvPr id="6" name="TextBox 5">
+            <a:extLst>
+              <a:ext uri="{FF2B5EF4-FFF2-40B4-BE49-F238E27FC236}">
+                <a16:creationId xmlns:a16="http://schemas.microsoft.com/office/drawing/2014/main" id="{C975AA96-79FF-B445-980A-618FCBB3C199}"/>
+              </a:ext>
+            </a:extLst>
+          </p:cNvPr>
+          <p:cNvSpPr txBox="1"/>
+          <p:nvPr/>
+        </p:nvSpPr>
+        <p:spPr>
+          <a:xfrm>
+            <a:off x="968185" y="1858448"/>
+            <a:ext cx="7110805" cy="4154984"/>
+          </a:xfrm>
+          <a:prstGeom prst="rect">
+            <a:avLst/>
+          </a:prstGeom>
+          <a:noFill/>
+        </p:spPr>
+        <p:txBody>
+          <a:bodyPr wrap="square" rtlCol="0">
+            <a:spAutoFit/>
+          </a:bodyPr>
+          <a:lstStyle/>
+          <a:p>
+            <a:pPr marL="285750" indent="-285750">
+              <a:buFont typeface="Arial" panose="020B0604020202020204" pitchFamily="34" charset="0"/>
+              <a:buChar char="•"/>
+            </a:pPr>
+            <a:r>
+              <a:rPr lang="en-GB" sz="2200" b="1" dirty="0">
+                <a:solidFill>
+                  <a:schemeClr val="bg1"/>
+                </a:solidFill>
+                <a:latin typeface="Century Gothic" panose="020B0502020202020204" pitchFamily="34" charset="0"/>
+              </a:rPr>
+              <a:t>Each person at each table gets 2 minutes to talk</a:t>
+            </a:r>
+          </a:p>
+          <a:p>
+            <a:pPr marL="285750" indent="-285750">
+              <a:buFont typeface="Arial" panose="020B0604020202020204" pitchFamily="34" charset="0"/>
+              <a:buChar char="•"/>
+            </a:pPr>
+            <a:endParaRPr lang="en-GB" sz="2200" b="1" dirty="0">
+              <a:solidFill>
+                <a:schemeClr val="bg1"/>
+              </a:solidFill>
+              <a:latin typeface="Century Gothic" panose="020B0502020202020204" pitchFamily="34" charset="0"/>
+            </a:endParaRPr>
+          </a:p>
+          <a:p>
+            <a:pPr marL="285750" indent="-285750">
+              <a:buFont typeface="Arial" panose="020B0604020202020204" pitchFamily="34" charset="0"/>
+              <a:buChar char="•"/>
+            </a:pPr>
+            <a:r>
+              <a:rPr lang="en-GB" sz="2200" b="1" dirty="0">
+                <a:solidFill>
+                  <a:schemeClr val="bg1"/>
+                </a:solidFill>
+                <a:latin typeface="Century Gothic" panose="020B0502020202020204" pitchFamily="34" charset="0"/>
+              </a:rPr>
+              <a:t>While one person is talking, everyone else in group just listens</a:t>
+            </a:r>
+          </a:p>
+          <a:p>
+            <a:pPr marL="285750" indent="-285750">
+              <a:buFont typeface="Arial" panose="020B0604020202020204" pitchFamily="34" charset="0"/>
+              <a:buChar char="•"/>
+            </a:pPr>
+            <a:endParaRPr lang="en-GB" sz="2200" b="1" dirty="0">
+              <a:solidFill>
+                <a:schemeClr val="bg1"/>
+              </a:solidFill>
+              <a:latin typeface="Century Gothic" panose="020B0502020202020204" pitchFamily="34" charset="0"/>
+            </a:endParaRPr>
+          </a:p>
+          <a:p>
+            <a:pPr marL="285750" indent="-285750">
+              <a:buFont typeface="Arial" panose="020B0604020202020204" pitchFamily="34" charset="0"/>
+              <a:buChar char="•"/>
+            </a:pPr>
+            <a:r>
+              <a:rPr lang="en-GB" sz="2200" b="1" dirty="0">
+                <a:solidFill>
+                  <a:schemeClr val="bg1"/>
+                </a:solidFill>
+                <a:latin typeface="Century Gothic" panose="020B0502020202020204" pitchFamily="34" charset="0"/>
+              </a:rPr>
+              <a:t>Introduce yourself, say where you’re from and whether/what you usually recycle at home</a:t>
+            </a:r>
+          </a:p>
+          <a:p>
+            <a:pPr marL="285750" indent="-285750">
+              <a:buFont typeface="Arial" panose="020B0604020202020204" pitchFamily="34" charset="0"/>
+              <a:buChar char="•"/>
+            </a:pPr>
+            <a:endParaRPr lang="en-GB" sz="2200" b="1" dirty="0">
+              <a:solidFill>
+                <a:schemeClr val="bg1"/>
+              </a:solidFill>
+              <a:latin typeface="Century Gothic" panose="020B0502020202020204" pitchFamily="34" charset="0"/>
+            </a:endParaRPr>
+          </a:p>
+          <a:p>
+            <a:pPr marL="285750" indent="-285750">
+              <a:buFont typeface="Arial" panose="020B0604020202020204" pitchFamily="34" charset="0"/>
+              <a:buChar char="•"/>
+            </a:pPr>
+            <a:r>
+              <a:rPr lang="en-GB" sz="2200" b="1" dirty="0">
+                <a:solidFill>
+                  <a:schemeClr val="bg1"/>
+                </a:solidFill>
+                <a:latin typeface="Century Gothic" panose="020B0502020202020204" pitchFamily="34" charset="0"/>
+              </a:rPr>
+              <a:t>And say why you signed up for this course.</a:t>
+            </a:r>
+          </a:p>
+          <a:p>
+            <a:pPr marL="285750" indent="-285750">
+              <a:buFont typeface="Arial" panose="020B0604020202020204" pitchFamily="34" charset="0"/>
+              <a:buChar char="•"/>
+            </a:pPr>
+            <a:endParaRPr lang="en-GB" sz="2200" b="1" dirty="0">
+              <a:solidFill>
+                <a:schemeClr val="bg1"/>
+              </a:solidFill>
+              <a:latin typeface="Century Gothic" panose="020B0502020202020204" pitchFamily="34" charset="0"/>
+            </a:endParaRPr>
+          </a:p>
+          <a:p>
+            <a:pPr marL="285750" indent="-285750">
+              <a:buFont typeface="Arial" panose="020B0604020202020204" pitchFamily="34" charset="0"/>
+              <a:buChar char="•"/>
+            </a:pPr>
+            <a:r>
+              <a:rPr lang="en-GB" sz="2200" b="1" dirty="0">
+                <a:solidFill>
+                  <a:schemeClr val="bg1"/>
+                </a:solidFill>
+                <a:latin typeface="Century Gothic" panose="020B0502020202020204" pitchFamily="34" charset="0"/>
+              </a:rPr>
+              <a:t>Whole class: each table gets to share one interesting thing that came up in their discussion</a:t>
+            </a:r>
+            <a:endParaRPr lang="en-US" sz="2200" b="1" dirty="0">
+              <a:solidFill>
+                <a:schemeClr val="bg1"/>
+              </a:solidFill>
+              <a:latin typeface="Century Gothic" panose="020B0502020202020204" pitchFamily="34" charset="0"/>
+            </a:endParaRPr>
           </a:p>
         </p:txBody>
       </p:sp>
@@ -5508,126 +5685,22 @@
         </p:nvSpPr>
         <p:spPr>
           <a:xfrm>
-            <a:off x="856128" y="849660"/>
-            <a:ext cx="7772400" cy="1362075"/>
+            <a:off x="479503" y="1858111"/>
+            <a:ext cx="8229600" cy="1143000"/>
           </a:xfrm>
         </p:spPr>
         <p:txBody>
           <a:bodyPr/>
           <a:lstStyle/>
           <a:p>
-            <a:pPr marL="0" lvl="0" indent="0" algn="ctr">
+            <a:pPr marL="0" lvl="0" indent="0">
               <a:buNone/>
             </a:pPr>
             <a:r>
               <a:rPr lang="en-GB" dirty="0"/>
-              <a:t>WHY ARE WE RUNNING A COURSE LIKE THIS?</a:t>
+              <a:t>MOTIVATION FOR DDC</a:t>
             </a:r>
             <a:endParaRPr dirty="0"/>
-          </a:p>
-        </p:txBody>
-      </p:sp>
-      <p:sp>
-        <p:nvSpPr>
-          <p:cNvPr id="3" name="TextBox 2">
-            <a:extLst>
-              <a:ext uri="{FF2B5EF4-FFF2-40B4-BE49-F238E27FC236}">
-                <a16:creationId xmlns:a16="http://schemas.microsoft.com/office/drawing/2014/main" id="{E9E7D6A9-4767-694D-B7E9-FD53433EB0E6}"/>
-              </a:ext>
-            </a:extLst>
-          </p:cNvPr>
-          <p:cNvSpPr txBox="1"/>
-          <p:nvPr/>
-        </p:nvSpPr>
-        <p:spPr>
-          <a:xfrm>
-            <a:off x="2040674" y="3044282"/>
-            <a:ext cx="5174165" cy="2092881"/>
-          </a:xfrm>
-          <a:prstGeom prst="rect">
-            <a:avLst/>
-          </a:prstGeom>
-          <a:noFill/>
-        </p:spPr>
-        <p:txBody>
-          <a:bodyPr wrap="square" rtlCol="0">
-            <a:spAutoFit/>
-          </a:bodyPr>
-          <a:lstStyle/>
-          <a:p>
-            <a:pPr marL="342900" indent="-342900">
-              <a:buFont typeface="Arial" panose="020B0604020202020204" pitchFamily="34" charset="0"/>
-              <a:buChar char="•"/>
-            </a:pPr>
-            <a:r>
-              <a:rPr lang="en-GB" sz="2600" b="1" dirty="0">
-                <a:solidFill>
-                  <a:schemeClr val="bg1"/>
-                </a:solidFill>
-                <a:latin typeface="Century Gothic" panose="020B0502020202020204" pitchFamily="34" charset="0"/>
-              </a:rPr>
-              <a:t>Learning by Developing</a:t>
-            </a:r>
-          </a:p>
-          <a:p>
-            <a:pPr marL="342900" indent="-342900">
-              <a:buFont typeface="Arial" panose="020B0604020202020204" pitchFamily="34" charset="0"/>
-              <a:buChar char="•"/>
-            </a:pPr>
-            <a:endParaRPr lang="en-GB" sz="2600" b="1" dirty="0">
-              <a:solidFill>
-                <a:schemeClr val="bg1"/>
-              </a:solidFill>
-              <a:latin typeface="Century Gothic" panose="020B0502020202020204" pitchFamily="34" charset="0"/>
-            </a:endParaRPr>
-          </a:p>
-          <a:p>
-            <a:pPr marL="342900" indent="-342900">
-              <a:buFont typeface="Arial" panose="020B0604020202020204" pitchFamily="34" charset="0"/>
-              <a:buChar char="•"/>
-            </a:pPr>
-            <a:r>
-              <a:rPr lang="en-GB" sz="2600" b="1" dirty="0">
-                <a:solidFill>
-                  <a:schemeClr val="bg1"/>
-                </a:solidFill>
-                <a:latin typeface="Century Gothic" panose="020B0502020202020204" pitchFamily="34" charset="0"/>
-              </a:rPr>
-              <a:t>Edinburgh Living Lab vision</a:t>
-            </a:r>
-          </a:p>
-          <a:p>
-            <a:pPr marL="342900" indent="-342900">
-              <a:buFont typeface="Arial" panose="020B0604020202020204" pitchFamily="34" charset="0"/>
-              <a:buChar char="•"/>
-            </a:pPr>
-            <a:endParaRPr lang="en-GB" sz="2600" b="1" dirty="0">
-              <a:solidFill>
-                <a:schemeClr val="bg1"/>
-              </a:solidFill>
-              <a:latin typeface="Century Gothic" panose="020B0502020202020204" pitchFamily="34" charset="0"/>
-            </a:endParaRPr>
-          </a:p>
-          <a:p>
-            <a:pPr marL="342900" indent="-342900">
-              <a:buFont typeface="Arial" panose="020B0604020202020204" pitchFamily="34" charset="0"/>
-              <a:buChar char="•"/>
-            </a:pPr>
-            <a:r>
-              <a:rPr lang="en-GB" sz="2600" b="1" dirty="0">
-                <a:solidFill>
-                  <a:schemeClr val="bg1"/>
-                </a:solidFill>
-                <a:latin typeface="Century Gothic" panose="020B0502020202020204" pitchFamily="34" charset="0"/>
-              </a:rPr>
-              <a:t>Employability</a:t>
-            </a:r>
-            <a:endParaRPr lang="en-US" sz="2600" b="1" dirty="0">
-              <a:solidFill>
-                <a:schemeClr val="bg1"/>
-              </a:solidFill>
-              <a:latin typeface="Century Gothic" panose="020B0502020202020204" pitchFamily="34" charset="0"/>
-            </a:endParaRPr>
           </a:p>
         </p:txBody>
       </p:sp>
@@ -5668,34 +5741,126 @@
         </p:nvSpPr>
         <p:spPr>
           <a:xfrm>
-            <a:off x="367990" y="2203799"/>
-            <a:ext cx="8229600" cy="1143000"/>
-          </a:xfrm>
-        </p:spPr>
-        <p:txBody>
-          <a:bodyPr>
-            <a:normAutofit fontScale="90000"/>
+            <a:off x="856128" y="849660"/>
+            <a:ext cx="7772400" cy="1362075"/>
+          </a:xfrm>
+        </p:spPr>
+        <p:txBody>
+          <a:bodyPr/>
+          <a:lstStyle/>
+          <a:p>
+            <a:pPr marL="0" lvl="0" indent="0" algn="ctr">
+              <a:buNone/>
+            </a:pPr>
+            <a:r>
+              <a:rPr lang="en-GB" dirty="0"/>
+              <a:t>WHY ARE WE RUNNING A COURSE LIKE THIS?</a:t>
+            </a:r>
+            <a:endParaRPr dirty="0"/>
+          </a:p>
+        </p:txBody>
+      </p:sp>
+      <p:sp>
+        <p:nvSpPr>
+          <p:cNvPr id="3" name="TextBox 2">
+            <a:extLst>
+              <a:ext uri="{FF2B5EF4-FFF2-40B4-BE49-F238E27FC236}">
+                <a16:creationId xmlns:a16="http://schemas.microsoft.com/office/drawing/2014/main" id="{E9E7D6A9-4767-694D-B7E9-FD53433EB0E6}"/>
+              </a:ext>
+            </a:extLst>
+          </p:cNvPr>
+          <p:cNvSpPr txBox="1"/>
+          <p:nvPr/>
+        </p:nvSpPr>
+        <p:spPr>
+          <a:xfrm>
+            <a:off x="2040674" y="3044282"/>
+            <a:ext cx="5174165" cy="2092881"/>
+          </a:xfrm>
+          <a:prstGeom prst="rect">
+            <a:avLst/>
+          </a:prstGeom>
+          <a:noFill/>
+        </p:spPr>
+        <p:txBody>
+          <a:bodyPr wrap="square" rtlCol="0">
+            <a:spAutoFit/>
           </a:bodyPr>
           <a:lstStyle/>
           <a:p>
-            <a:pPr marL="0" lvl="0" indent="0">
-              <a:buNone/>
-            </a:pPr>
-            <a:r>
-              <a:rPr lang="en-GB" dirty="0"/>
-              <a:t>BREAK</a:t>
-            </a:r>
-            <a:br>
-              <a:rPr lang="en-GB" dirty="0"/>
-            </a:br>
-            <a:br>
-              <a:rPr lang="en-GB" dirty="0"/>
-            </a:br>
-            <a:r>
-              <a:rPr lang="en-GB" dirty="0"/>
-              <a:t>[5 MIN]</a:t>
-            </a:r>
-            <a:endParaRPr dirty="0"/>
+            <a:pPr marL="342900" indent="-342900">
+              <a:buFont typeface="Arial" panose="020B0604020202020204" pitchFamily="34" charset="0"/>
+              <a:buChar char="•"/>
+            </a:pPr>
+            <a:r>
+              <a:rPr lang="en-GB" sz="2600" b="1" dirty="0">
+                <a:solidFill>
+                  <a:schemeClr val="bg1"/>
+                </a:solidFill>
+                <a:latin typeface="Century Gothic" panose="020B0502020202020204" pitchFamily="34" charset="0"/>
+              </a:rPr>
+              <a:t>Learning by Developing</a:t>
+            </a:r>
+          </a:p>
+          <a:p>
+            <a:pPr marL="342900" indent="-342900">
+              <a:buFont typeface="Arial" panose="020B0604020202020204" pitchFamily="34" charset="0"/>
+              <a:buChar char="•"/>
+            </a:pPr>
+            <a:endParaRPr lang="en-GB" sz="2600" b="1" dirty="0">
+              <a:solidFill>
+                <a:schemeClr val="bg1"/>
+              </a:solidFill>
+              <a:latin typeface="Century Gothic" panose="020B0502020202020204" pitchFamily="34" charset="0"/>
+            </a:endParaRPr>
+          </a:p>
+          <a:p>
+            <a:pPr marL="342900" indent="-342900">
+              <a:buFont typeface="Arial" panose="020B0604020202020204" pitchFamily="34" charset="0"/>
+              <a:buChar char="•"/>
+            </a:pPr>
+            <a:r>
+              <a:rPr lang="en-GB" sz="2600" b="1" dirty="0">
+                <a:solidFill>
+                  <a:schemeClr val="bg1"/>
+                </a:solidFill>
+                <a:latin typeface="Century Gothic" panose="020B0502020202020204" pitchFamily="34" charset="0"/>
+              </a:rPr>
+              <a:t>Edinburgh Living Lab vision</a:t>
+            </a:r>
+          </a:p>
+          <a:p>
+            <a:pPr marL="342900" indent="-342900">
+              <a:buFont typeface="Arial" panose="020B0604020202020204" pitchFamily="34" charset="0"/>
+              <a:buChar char="•"/>
+            </a:pPr>
+            <a:endParaRPr lang="en-GB" sz="2600" b="1" dirty="0">
+              <a:solidFill>
+                <a:schemeClr val="bg1"/>
+              </a:solidFill>
+              <a:latin typeface="Century Gothic" panose="020B0502020202020204" pitchFamily="34" charset="0"/>
+            </a:endParaRPr>
+          </a:p>
+          <a:p>
+            <a:pPr marL="342900" indent="-342900">
+              <a:buFont typeface="Arial" panose="020B0604020202020204" pitchFamily="34" charset="0"/>
+              <a:buChar char="•"/>
+            </a:pPr>
+            <a:r>
+              <a:rPr lang="en-GB" sz="2600" b="1" dirty="0">
+                <a:solidFill>
+                  <a:schemeClr val="bg1"/>
+                </a:solidFill>
+                <a:latin typeface="Century Gothic" panose="020B0502020202020204" pitchFamily="34" charset="0"/>
+              </a:rPr>
+              <a:t>Employability</a:t>
+            </a:r>
+            <a:endParaRPr lang="en-US" sz="2600" b="1" dirty="0">
+              <a:solidFill>
+                <a:schemeClr val="bg1"/>
+              </a:solidFill>
+              <a:latin typeface="Century Gothic" panose="020B0502020202020204" pitchFamily="34" charset="0"/>
+            </a:endParaRPr>
           </a:p>
         </p:txBody>
       </p:sp>
@@ -5736,20 +5901,32 @@
         </p:nvSpPr>
         <p:spPr>
           <a:xfrm>
-            <a:off x="811522" y="2310471"/>
-            <a:ext cx="7772400" cy="1362075"/>
-          </a:xfrm>
-        </p:spPr>
-        <p:txBody>
-          <a:bodyPr/>
-          <a:lstStyle/>
-          <a:p>
-            <a:pPr marL="0" lvl="0" indent="0" algn="ctr">
+            <a:off x="367990" y="2203799"/>
+            <a:ext cx="8229600" cy="1143000"/>
+          </a:xfrm>
+        </p:spPr>
+        <p:txBody>
+          <a:bodyPr>
+            <a:normAutofit fontScale="90000"/>
+          </a:bodyPr>
+          <a:lstStyle/>
+          <a:p>
+            <a:pPr marL="0" lvl="0" indent="0">
               <a:buNone/>
             </a:pPr>
             <a:r>
               <a:rPr lang="en-GB" dirty="0"/>
-              <a:t>PROJECT WEBSITE</a:t>
+              <a:t>BREAK</a:t>
+            </a:r>
+            <a:br>
+              <a:rPr lang="en-GB" dirty="0"/>
+            </a:br>
+            <a:br>
+              <a:rPr lang="en-GB" dirty="0"/>
+            </a:br>
+            <a:r>
+              <a:rPr lang="en-GB" dirty="0"/>
+              <a:t>[5 MIN]</a:t>
             </a:r>
             <a:endParaRPr dirty="0"/>
           </a:p>
@@ -5848,112 +6025,22 @@
         </p:nvSpPr>
         <p:spPr>
           <a:xfrm>
-            <a:off x="490653" y="2177934"/>
-            <a:ext cx="8229600" cy="1143000"/>
-          </a:xfrm>
-        </p:spPr>
-        <p:txBody>
-          <a:bodyPr>
-            <a:normAutofit fontScale="90000"/>
-          </a:bodyPr>
-          <a:lstStyle/>
-          <a:p>
-            <a:pPr marL="0" lvl="0" indent="0">
+            <a:off x="811522" y="2310471"/>
+            <a:ext cx="7772400" cy="1362075"/>
+          </a:xfrm>
+        </p:spPr>
+        <p:txBody>
+          <a:bodyPr/>
+          <a:lstStyle/>
+          <a:p>
+            <a:pPr marL="0" lvl="0" indent="0" algn="ctr">
               <a:buNone/>
             </a:pPr>
             <a:r>
               <a:rPr lang="en-GB" dirty="0"/>
-              <a:t>KEY COURSE INFORMATION</a:t>
-            </a:r>
-            <a:br>
-              <a:rPr lang="en-GB" dirty="0"/>
-            </a:br>
-            <a:br>
-              <a:rPr lang="en-GB" dirty="0"/>
-            </a:br>
-            <a:r>
-              <a:rPr lang="en-GB" dirty="0"/>
-              <a:t> </a:t>
-            </a:r>
-            <a:br>
-              <a:rPr lang="en-GB" dirty="0"/>
-            </a:br>
-            <a:endParaRPr lang="en-GB" dirty="0"/>
-          </a:p>
-        </p:txBody>
-      </p:sp>
-      <p:sp>
-        <p:nvSpPr>
-          <p:cNvPr id="3" name="TextBox 2">
-            <a:extLst>
-              <a:ext uri="{FF2B5EF4-FFF2-40B4-BE49-F238E27FC236}">
-                <a16:creationId xmlns:a16="http://schemas.microsoft.com/office/drawing/2014/main" id="{8AA255D3-2232-A24F-BCE7-D9849370028D}"/>
-              </a:ext>
-            </a:extLst>
-          </p:cNvPr>
-          <p:cNvSpPr txBox="1"/>
-          <p:nvPr/>
-        </p:nvSpPr>
-        <p:spPr>
-          <a:xfrm>
-            <a:off x="1264362" y="3101473"/>
-            <a:ext cx="7032694" cy="1107996"/>
-          </a:xfrm>
-          <a:prstGeom prst="rect">
-            <a:avLst/>
-          </a:prstGeom>
-          <a:noFill/>
-        </p:spPr>
-        <p:txBody>
-          <a:bodyPr wrap="none" rtlCol="0">
-            <a:spAutoFit/>
-          </a:bodyPr>
-          <a:lstStyle/>
-          <a:p>
-            <a:r>
-              <a:rPr lang="en-US" sz="2200" b="1" dirty="0" err="1">
-                <a:solidFill>
-                  <a:schemeClr val="bg1"/>
-                </a:solidFill>
-                <a:latin typeface="Century Gothic" panose="020B0502020202020204" pitchFamily="34" charset="0"/>
-              </a:rPr>
-              <a:t>Regulary</a:t>
-            </a:r>
-            <a:r>
-              <a:rPr lang="en-US" sz="2200" b="1" dirty="0">
-                <a:solidFill>
-                  <a:schemeClr val="bg1"/>
-                </a:solidFill>
-                <a:latin typeface="Century Gothic" panose="020B0502020202020204" pitchFamily="34" charset="0"/>
-              </a:rPr>
-              <a:t> check schedule at </a:t>
-            </a:r>
-          </a:p>
-          <a:p>
-            <a:r>
-              <a:rPr lang="en-US" sz="2200" b="1" dirty="0">
-                <a:solidFill>
-                  <a:schemeClr val="bg1"/>
-                </a:solidFill>
-                <a:latin typeface="Century Gothic" panose="020B0502020202020204" pitchFamily="34" charset="0"/>
-                <a:hlinkClick r:id="rId2"/>
-              </a:rPr>
-              <a:t>https://edinburghlivinglab.github.io/ddc/syllabus/</a:t>
-            </a:r>
-            <a:endParaRPr lang="en-US" sz="2200" b="1" dirty="0">
-              <a:solidFill>
-                <a:schemeClr val="bg1"/>
-              </a:solidFill>
-              <a:latin typeface="Century Gothic" panose="020B0502020202020204" pitchFamily="34" charset="0"/>
-            </a:endParaRPr>
-          </a:p>
-          <a:p>
-            <a:endParaRPr lang="en-US" sz="2200" b="1" dirty="0">
-              <a:solidFill>
-                <a:schemeClr val="bg1"/>
-              </a:solidFill>
-              <a:latin typeface="Century Gothic" panose="020B0502020202020204" pitchFamily="34" charset="0"/>
-            </a:endParaRPr>
+              <a:t>PROJECT WEBSITE</a:t>
+            </a:r>
+            <a:endParaRPr dirty="0"/>
           </a:p>
         </p:txBody>
       </p:sp>
@@ -5994,22 +6081,112 @@
         </p:nvSpPr>
         <p:spPr>
           <a:xfrm>
-            <a:off x="510440" y="2421983"/>
-            <a:ext cx="7772400" cy="1362075"/>
-          </a:xfrm>
-        </p:spPr>
-        <p:txBody>
-          <a:bodyPr/>
-          <a:lstStyle/>
-          <a:p>
-            <a:pPr marL="0" lvl="0" indent="0" algn="ctr">
+            <a:off x="490653" y="2177934"/>
+            <a:ext cx="8229600" cy="1143000"/>
+          </a:xfrm>
+        </p:spPr>
+        <p:txBody>
+          <a:bodyPr>
+            <a:normAutofit fontScale="90000"/>
+          </a:bodyPr>
+          <a:lstStyle/>
+          <a:p>
+            <a:pPr marL="0" lvl="0" indent="0">
               <a:buNone/>
             </a:pPr>
             <a:r>
               <a:rPr lang="en-GB" dirty="0"/>
-              <a:t>HOW</a:t>
-            </a:r>
-            <a:endParaRPr dirty="0"/>
+              <a:t>KEY COURSE INFORMATION</a:t>
+            </a:r>
+            <a:br>
+              <a:rPr lang="en-GB" dirty="0"/>
+            </a:br>
+            <a:br>
+              <a:rPr lang="en-GB" dirty="0"/>
+            </a:br>
+            <a:r>
+              <a:rPr lang="en-GB" dirty="0"/>
+              <a:t> </a:t>
+            </a:r>
+            <a:br>
+              <a:rPr lang="en-GB" dirty="0"/>
+            </a:br>
+            <a:endParaRPr lang="en-GB" dirty="0"/>
+          </a:p>
+        </p:txBody>
+      </p:sp>
+      <p:sp>
+        <p:nvSpPr>
+          <p:cNvPr id="3" name="TextBox 2">
+            <a:extLst>
+              <a:ext uri="{FF2B5EF4-FFF2-40B4-BE49-F238E27FC236}">
+                <a16:creationId xmlns:a16="http://schemas.microsoft.com/office/drawing/2014/main" id="{8AA255D3-2232-A24F-BCE7-D9849370028D}"/>
+              </a:ext>
+            </a:extLst>
+          </p:cNvPr>
+          <p:cNvSpPr txBox="1"/>
+          <p:nvPr/>
+        </p:nvSpPr>
+        <p:spPr>
+          <a:xfrm>
+            <a:off x="1264362" y="3101473"/>
+            <a:ext cx="7032694" cy="1107996"/>
+          </a:xfrm>
+          <a:prstGeom prst="rect">
+            <a:avLst/>
+          </a:prstGeom>
+          <a:noFill/>
+        </p:spPr>
+        <p:txBody>
+          <a:bodyPr wrap="none" rtlCol="0">
+            <a:spAutoFit/>
+          </a:bodyPr>
+          <a:lstStyle/>
+          <a:p>
+            <a:r>
+              <a:rPr lang="en-US" sz="2200" b="1" dirty="0" err="1">
+                <a:solidFill>
+                  <a:schemeClr val="bg1"/>
+                </a:solidFill>
+                <a:latin typeface="Century Gothic" panose="020B0502020202020204" pitchFamily="34" charset="0"/>
+              </a:rPr>
+              <a:t>Regulary</a:t>
+            </a:r>
+            <a:r>
+              <a:rPr lang="en-US" sz="2200" b="1" dirty="0">
+                <a:solidFill>
+                  <a:schemeClr val="bg1"/>
+                </a:solidFill>
+                <a:latin typeface="Century Gothic" panose="020B0502020202020204" pitchFamily="34" charset="0"/>
+              </a:rPr>
+              <a:t> check schedule at </a:t>
+            </a:r>
+          </a:p>
+          <a:p>
+            <a:r>
+              <a:rPr lang="en-US" sz="2200" b="1" dirty="0">
+                <a:solidFill>
+                  <a:schemeClr val="bg1"/>
+                </a:solidFill>
+                <a:latin typeface="Century Gothic" panose="020B0502020202020204" pitchFamily="34" charset="0"/>
+                <a:hlinkClick r:id="rId2"/>
+              </a:rPr>
+              <a:t>https://edinburghlivinglab.github.io/ddc/syllabus/</a:t>
+            </a:r>
+            <a:endParaRPr lang="en-US" sz="2200" b="1" dirty="0">
+              <a:solidFill>
+                <a:schemeClr val="bg1"/>
+              </a:solidFill>
+              <a:latin typeface="Century Gothic" panose="020B0502020202020204" pitchFamily="34" charset="0"/>
+            </a:endParaRPr>
+          </a:p>
+          <a:p>
+            <a:endParaRPr lang="en-US" sz="2200" b="1" dirty="0">
+              <a:solidFill>
+                <a:schemeClr val="bg1"/>
+              </a:solidFill>
+              <a:latin typeface="Century Gothic" panose="020B0502020202020204" pitchFamily="34" charset="0"/>
+            </a:endParaRPr>
           </a:p>
         </p:txBody>
       </p:sp>
@@ -6050,7 +6227,7 @@
         </p:nvSpPr>
         <p:spPr>
           <a:xfrm>
-            <a:off x="856127" y="455573"/>
+            <a:off x="510440" y="2421983"/>
             <a:ext cx="7772400" cy="1362075"/>
           </a:xfrm>
         </p:spPr>
@@ -6063,256 +6240,13 @@
             </a:pPr>
             <a:r>
               <a:rPr lang="en-GB" dirty="0"/>
-              <a:t>ACTIVITIES</a:t>
+              <a:t>HOW</a:t>
             </a:r>
             <a:endParaRPr dirty="0"/>
           </a:p>
         </p:txBody>
       </p:sp>
-      <p:sp>
-        <p:nvSpPr>
-          <p:cNvPr id="3" name="TextBox 2">
-            <a:extLst>
-              <a:ext uri="{FF2B5EF4-FFF2-40B4-BE49-F238E27FC236}">
-                <a16:creationId xmlns:a16="http://schemas.microsoft.com/office/drawing/2014/main" id="{E9E7D6A9-4767-694D-B7E9-FD53433EB0E6}"/>
-              </a:ext>
-            </a:extLst>
-          </p:cNvPr>
-          <p:cNvSpPr txBox="1"/>
-          <p:nvPr/>
-        </p:nvSpPr>
-        <p:spPr>
-          <a:xfrm>
-            <a:off x="704328" y="1817648"/>
-            <a:ext cx="8075999" cy="4985980"/>
-          </a:xfrm>
-          <a:prstGeom prst="rect">
-            <a:avLst/>
-          </a:prstGeom>
-          <a:noFill/>
-        </p:spPr>
-        <p:txBody>
-          <a:bodyPr wrap="square" rtlCol="0">
-            <a:spAutoFit/>
-          </a:bodyPr>
-          <a:lstStyle/>
-          <a:p>
-            <a:pPr marL="285750" indent="-285750" fontAlgn="base">
-              <a:buFont typeface="Arial" panose="020B0604020202020204" pitchFamily="34" charset="0"/>
-              <a:buChar char="•"/>
-            </a:pPr>
-            <a:r>
-              <a:rPr lang="en-GB" sz="2200" b="1" dirty="0">
-                <a:solidFill>
-                  <a:schemeClr val="bg1"/>
-                </a:solidFill>
-                <a:latin typeface="Century Gothic" panose="020B0502020202020204" pitchFamily="34" charset="0"/>
-              </a:rPr>
-              <a:t>‘lecture’ type stuff</a:t>
-            </a:r>
-          </a:p>
-          <a:p>
-            <a:pPr marL="285750" indent="-285750" fontAlgn="base">
-              <a:buFont typeface="Arial" panose="020B0604020202020204" pitchFamily="34" charset="0"/>
-              <a:buChar char="•"/>
-            </a:pPr>
-            <a:r>
-              <a:rPr lang="en-GB" sz="2200" b="1" dirty="0">
-                <a:solidFill>
-                  <a:schemeClr val="bg1"/>
-                </a:solidFill>
-                <a:latin typeface="Century Gothic" panose="020B0502020202020204" pitchFamily="34" charset="0"/>
-              </a:rPr>
-              <a:t>lab-sessions, plus working with datasets</a:t>
-            </a:r>
-          </a:p>
-          <a:p>
-            <a:pPr marL="285750" indent="-285750" fontAlgn="base">
-              <a:buFont typeface="Arial" panose="020B0604020202020204" pitchFamily="34" charset="0"/>
-              <a:buChar char="•"/>
-            </a:pPr>
-            <a:r>
-              <a:rPr lang="en-GB" sz="2200" b="1" dirty="0">
-                <a:solidFill>
-                  <a:schemeClr val="bg1"/>
-                </a:solidFill>
-                <a:latin typeface="Century Gothic" panose="020B0502020202020204" pitchFamily="34" charset="0"/>
-              </a:rPr>
-              <a:t>field work, including data-collection</a:t>
-            </a:r>
-          </a:p>
-          <a:p>
-            <a:pPr marL="285750" indent="-285750" fontAlgn="base">
-              <a:buFont typeface="Arial" panose="020B0604020202020204" pitchFamily="34" charset="0"/>
-              <a:buChar char="•"/>
-            </a:pPr>
-            <a:r>
-              <a:rPr lang="en-GB" sz="2200" b="1" dirty="0">
-                <a:solidFill>
-                  <a:schemeClr val="bg1"/>
-                </a:solidFill>
-                <a:latin typeface="Century Gothic" panose="020B0502020202020204" pitchFamily="34" charset="0"/>
-              </a:rPr>
-              <a:t>design sessions with stakeholders</a:t>
-            </a:r>
-          </a:p>
-          <a:p>
-            <a:pPr marL="285750" indent="-285750" fontAlgn="base">
-              <a:buFont typeface="Arial" panose="020B0604020202020204" pitchFamily="34" charset="0"/>
-              <a:buChar char="•"/>
-            </a:pPr>
-            <a:r>
-              <a:rPr lang="en-GB" sz="2200" b="1" dirty="0">
-                <a:solidFill>
-                  <a:schemeClr val="bg1"/>
-                </a:solidFill>
-                <a:latin typeface="Century Gothic" panose="020B0502020202020204" pitchFamily="34" charset="0"/>
-              </a:rPr>
-              <a:t>project work in teams, with and without tutors</a:t>
-            </a:r>
-          </a:p>
-          <a:p>
-            <a:pPr marL="285750" indent="-285750" fontAlgn="base">
-              <a:buFont typeface="Arial" panose="020B0604020202020204" pitchFamily="34" charset="0"/>
-              <a:buChar char="•"/>
-            </a:pPr>
-            <a:r>
-              <a:rPr lang="en-GB" sz="2200" b="1" dirty="0">
-                <a:solidFill>
-                  <a:schemeClr val="bg1"/>
-                </a:solidFill>
-                <a:latin typeface="Century Gothic" panose="020B0502020202020204" pitchFamily="34" charset="0"/>
-              </a:rPr>
-              <a:t>independent study, reading</a:t>
-            </a:r>
-          </a:p>
-          <a:p>
-            <a:pPr marL="285750" indent="-285750" fontAlgn="base">
-              <a:buFont typeface="Arial" panose="020B0604020202020204" pitchFamily="34" charset="0"/>
-              <a:buChar char="•"/>
-            </a:pPr>
-            <a:r>
-              <a:rPr lang="en-GB" sz="2200" b="1" dirty="0">
-                <a:solidFill>
-                  <a:schemeClr val="bg1"/>
-                </a:solidFill>
-                <a:latin typeface="Century Gothic" panose="020B0502020202020204" pitchFamily="34" charset="0"/>
-              </a:rPr>
-              <a:t>in-class discussions</a:t>
-            </a:r>
-          </a:p>
-          <a:p>
-            <a:pPr marL="285750" indent="-285750" fontAlgn="base">
-              <a:buFont typeface="Arial" panose="020B0604020202020204" pitchFamily="34" charset="0"/>
-              <a:buChar char="•"/>
-            </a:pPr>
-            <a:r>
-              <a:rPr lang="en-GB" sz="2200" b="1" dirty="0">
-                <a:solidFill>
-                  <a:schemeClr val="bg1"/>
-                </a:solidFill>
-                <a:latin typeface="Century Gothic" panose="020B0502020202020204" pitchFamily="34" charset="0"/>
-              </a:rPr>
-              <a:t>in-class and out-of-class writing</a:t>
-            </a:r>
-          </a:p>
-          <a:p>
-            <a:pPr marL="285750" indent="-285750" fontAlgn="base">
-              <a:buFont typeface="Arial" panose="020B0604020202020204" pitchFamily="34" charset="0"/>
-              <a:buChar char="•"/>
-            </a:pPr>
-            <a:r>
-              <a:rPr lang="en-GB" sz="2200" b="1" dirty="0">
-                <a:solidFill>
-                  <a:schemeClr val="bg1"/>
-                </a:solidFill>
-                <a:latin typeface="Century Gothic" panose="020B0502020202020204" pitchFamily="34" charset="0"/>
-              </a:rPr>
-              <a:t>in-class presentations</a:t>
-            </a:r>
-          </a:p>
-          <a:p>
-            <a:pPr marL="285750" indent="-285750" fontAlgn="base">
-              <a:buFont typeface="Arial" panose="020B0604020202020204" pitchFamily="34" charset="0"/>
-              <a:buChar char="•"/>
-            </a:pPr>
-            <a:r>
-              <a:rPr lang="en-GB" sz="2200" b="1" dirty="0">
-                <a:solidFill>
-                  <a:schemeClr val="bg1"/>
-                </a:solidFill>
-                <a:latin typeface="Century Gothic" panose="020B0502020202020204" pitchFamily="34" charset="0"/>
-              </a:rPr>
-              <a:t>team bonding exercises</a:t>
-            </a:r>
-          </a:p>
-          <a:p>
-            <a:pPr marL="285750" indent="-285750" fontAlgn="base">
-              <a:buFont typeface="Arial" panose="020B0604020202020204" pitchFamily="34" charset="0"/>
-              <a:buChar char="•"/>
-            </a:pPr>
-            <a:r>
-              <a:rPr lang="en-GB" sz="2200" b="1" dirty="0">
-                <a:solidFill>
-                  <a:schemeClr val="bg1"/>
-                </a:solidFill>
-                <a:latin typeface="Century Gothic" panose="020B0502020202020204" pitchFamily="34" charset="0"/>
-              </a:rPr>
-              <a:t>in-class making stuff</a:t>
-            </a:r>
-          </a:p>
-          <a:p>
-            <a:pPr marL="285750" indent="-285750" fontAlgn="base">
-              <a:buFont typeface="Arial" panose="020B0604020202020204" pitchFamily="34" charset="0"/>
-              <a:buChar char="•"/>
-            </a:pPr>
-            <a:r>
-              <a:rPr lang="en-GB" sz="2200" b="1" dirty="0">
-                <a:solidFill>
-                  <a:schemeClr val="bg1"/>
-                </a:solidFill>
-                <a:latin typeface="Century Gothic" panose="020B0502020202020204" pitchFamily="34" charset="0"/>
-              </a:rPr>
-              <a:t>reflective writing</a:t>
-            </a:r>
-          </a:p>
-          <a:p>
-            <a:pPr fontAlgn="base"/>
-            <a:r>
-              <a:rPr lang="en-GB" b="1" cap="all" dirty="0">
-                <a:solidFill>
-                  <a:schemeClr val="bg1"/>
-                </a:solidFill>
-                <a:latin typeface="Century Gothic" panose="020B0502020202020204" pitchFamily="34" charset="0"/>
-              </a:rPr>
-              <a:t> </a:t>
-            </a:r>
-          </a:p>
-          <a:p>
-            <a:pPr fontAlgn="base"/>
-            <a:br>
-              <a:rPr lang="en-GB" b="1" dirty="0">
-                <a:solidFill>
-                  <a:schemeClr val="bg1"/>
-                </a:solidFill>
-                <a:latin typeface="Century Gothic" panose="020B0502020202020204" pitchFamily="34" charset="0"/>
-              </a:rPr>
-            </a:br>
-            <a:endParaRPr lang="en-GB" b="1" dirty="0">
-              <a:solidFill>
-                <a:schemeClr val="bg1"/>
-              </a:solidFill>
-              <a:latin typeface="Century Gothic" panose="020B0502020202020204" pitchFamily="34" charset="0"/>
-            </a:endParaRPr>
-          </a:p>
-        </p:txBody>
-      </p:sp>
     </p:spTree>
-    <p:extLst>
-      <p:ext uri="{BB962C8B-B14F-4D97-AF65-F5344CB8AC3E}">
-        <p14:creationId xmlns:p14="http://schemas.microsoft.com/office/powerpoint/2010/main" val="1669401384"/>
-      </p:ext>
-    </p:extLst>
   </p:cSld>
   <p:clrMapOvr>
     <a:masterClrMapping/>
@@ -6349,26 +6283,269 @@
         </p:nvSpPr>
         <p:spPr>
           <a:xfrm>
-            <a:off x="479502" y="2092287"/>
-            <a:ext cx="8229600" cy="1143000"/>
+            <a:off x="856127" y="455573"/>
+            <a:ext cx="7772400" cy="1362075"/>
           </a:xfrm>
         </p:spPr>
         <p:txBody>
           <a:bodyPr/>
           <a:lstStyle/>
           <a:p>
-            <a:pPr marL="0" lvl="0" indent="0">
+            <a:pPr marL="0" lvl="0" indent="0" algn="ctr">
               <a:buNone/>
             </a:pPr>
             <a:r>
               <a:rPr lang="en-GB" dirty="0"/>
-              <a:t>PROJECT PHASES </a:t>
+              <a:t>ACTIVITIES</a:t>
             </a:r>
             <a:endParaRPr dirty="0"/>
           </a:p>
         </p:txBody>
       </p:sp>
+      <p:sp>
+        <p:nvSpPr>
+          <p:cNvPr id="3" name="TextBox 2">
+            <a:extLst>
+              <a:ext uri="{FF2B5EF4-FFF2-40B4-BE49-F238E27FC236}">
+                <a16:creationId xmlns:a16="http://schemas.microsoft.com/office/drawing/2014/main" id="{E9E7D6A9-4767-694D-B7E9-FD53433EB0E6}"/>
+              </a:ext>
+            </a:extLst>
+          </p:cNvPr>
+          <p:cNvSpPr txBox="1"/>
+          <p:nvPr/>
+        </p:nvSpPr>
+        <p:spPr>
+          <a:xfrm>
+            <a:off x="704328" y="1817648"/>
+            <a:ext cx="8075999" cy="4985980"/>
+          </a:xfrm>
+          <a:prstGeom prst="rect">
+            <a:avLst/>
+          </a:prstGeom>
+          <a:noFill/>
+        </p:spPr>
+        <p:txBody>
+          <a:bodyPr wrap="square" rtlCol="0">
+            <a:spAutoFit/>
+          </a:bodyPr>
+          <a:lstStyle/>
+          <a:p>
+            <a:pPr marL="285750" indent="-285750" fontAlgn="base">
+              <a:buFont typeface="Arial" panose="020B0604020202020204" pitchFamily="34" charset="0"/>
+              <a:buChar char="•"/>
+            </a:pPr>
+            <a:r>
+              <a:rPr lang="en-GB" sz="2200" b="1" dirty="0">
+                <a:solidFill>
+                  <a:schemeClr val="bg1"/>
+                </a:solidFill>
+                <a:latin typeface="Century Gothic" panose="020B0502020202020204" pitchFamily="34" charset="0"/>
+              </a:rPr>
+              <a:t>‘lecture’ type stuff</a:t>
+            </a:r>
+          </a:p>
+          <a:p>
+            <a:pPr marL="285750" indent="-285750" fontAlgn="base">
+              <a:buFont typeface="Arial" panose="020B0604020202020204" pitchFamily="34" charset="0"/>
+              <a:buChar char="•"/>
+            </a:pPr>
+            <a:r>
+              <a:rPr lang="en-GB" sz="2200" b="1" dirty="0">
+                <a:solidFill>
+                  <a:schemeClr val="bg1"/>
+                </a:solidFill>
+                <a:latin typeface="Century Gothic" panose="020B0502020202020204" pitchFamily="34" charset="0"/>
+              </a:rPr>
+              <a:t>lab-sessions, plus working with datasets</a:t>
+            </a:r>
+          </a:p>
+          <a:p>
+            <a:pPr marL="285750" indent="-285750" fontAlgn="base">
+              <a:buFont typeface="Arial" panose="020B0604020202020204" pitchFamily="34" charset="0"/>
+              <a:buChar char="•"/>
+            </a:pPr>
+            <a:r>
+              <a:rPr lang="en-GB" sz="2200" b="1" dirty="0">
+                <a:solidFill>
+                  <a:schemeClr val="bg1"/>
+                </a:solidFill>
+                <a:latin typeface="Century Gothic" panose="020B0502020202020204" pitchFamily="34" charset="0"/>
+              </a:rPr>
+              <a:t>field work, including data-collection</a:t>
+            </a:r>
+          </a:p>
+          <a:p>
+            <a:pPr marL="285750" indent="-285750" fontAlgn="base">
+              <a:buFont typeface="Arial" panose="020B0604020202020204" pitchFamily="34" charset="0"/>
+              <a:buChar char="•"/>
+            </a:pPr>
+            <a:r>
+              <a:rPr lang="en-GB" sz="2200" b="1" dirty="0">
+                <a:solidFill>
+                  <a:schemeClr val="bg1"/>
+                </a:solidFill>
+                <a:latin typeface="Century Gothic" panose="020B0502020202020204" pitchFamily="34" charset="0"/>
+              </a:rPr>
+              <a:t>design sessions with stakeholders</a:t>
+            </a:r>
+          </a:p>
+          <a:p>
+            <a:pPr marL="285750" indent="-285750" fontAlgn="base">
+              <a:buFont typeface="Arial" panose="020B0604020202020204" pitchFamily="34" charset="0"/>
+              <a:buChar char="•"/>
+            </a:pPr>
+            <a:r>
+              <a:rPr lang="en-GB" sz="2200" b="1" dirty="0">
+                <a:solidFill>
+                  <a:schemeClr val="bg1"/>
+                </a:solidFill>
+                <a:latin typeface="Century Gothic" panose="020B0502020202020204" pitchFamily="34" charset="0"/>
+              </a:rPr>
+              <a:t>project work in teams, with and without tutors</a:t>
+            </a:r>
+          </a:p>
+          <a:p>
+            <a:pPr marL="285750" indent="-285750" fontAlgn="base">
+              <a:buFont typeface="Arial" panose="020B0604020202020204" pitchFamily="34" charset="0"/>
+              <a:buChar char="•"/>
+            </a:pPr>
+            <a:r>
+              <a:rPr lang="en-GB" sz="2200" b="1" dirty="0">
+                <a:solidFill>
+                  <a:schemeClr val="bg1"/>
+                </a:solidFill>
+                <a:latin typeface="Century Gothic" panose="020B0502020202020204" pitchFamily="34" charset="0"/>
+              </a:rPr>
+              <a:t>independent study, reading</a:t>
+            </a:r>
+          </a:p>
+          <a:p>
+            <a:pPr marL="285750" indent="-285750" fontAlgn="base">
+              <a:buFont typeface="Arial" panose="020B0604020202020204" pitchFamily="34" charset="0"/>
+              <a:buChar char="•"/>
+            </a:pPr>
+            <a:r>
+              <a:rPr lang="en-GB" sz="2200" b="1" dirty="0">
+                <a:solidFill>
+                  <a:schemeClr val="bg1"/>
+                </a:solidFill>
+                <a:latin typeface="Century Gothic" panose="020B0502020202020204" pitchFamily="34" charset="0"/>
+              </a:rPr>
+              <a:t>in-class discussions</a:t>
+            </a:r>
+          </a:p>
+          <a:p>
+            <a:pPr marL="285750" indent="-285750" fontAlgn="base">
+              <a:buFont typeface="Arial" panose="020B0604020202020204" pitchFamily="34" charset="0"/>
+              <a:buChar char="•"/>
+            </a:pPr>
+            <a:r>
+              <a:rPr lang="en-GB" sz="2200" b="1" dirty="0">
+                <a:solidFill>
+                  <a:schemeClr val="bg1"/>
+                </a:solidFill>
+                <a:latin typeface="Century Gothic" panose="020B0502020202020204" pitchFamily="34" charset="0"/>
+              </a:rPr>
+              <a:t>in-class and out-of-class writing</a:t>
+            </a:r>
+          </a:p>
+          <a:p>
+            <a:pPr marL="285750" indent="-285750" fontAlgn="base">
+              <a:buFont typeface="Arial" panose="020B0604020202020204" pitchFamily="34" charset="0"/>
+              <a:buChar char="•"/>
+            </a:pPr>
+            <a:r>
+              <a:rPr lang="en-GB" sz="2200" b="1" dirty="0">
+                <a:solidFill>
+                  <a:schemeClr val="bg1"/>
+                </a:solidFill>
+                <a:latin typeface="Century Gothic" panose="020B0502020202020204" pitchFamily="34" charset="0"/>
+              </a:rPr>
+              <a:t>in-class presentations</a:t>
+            </a:r>
+          </a:p>
+          <a:p>
+            <a:pPr marL="285750" indent="-285750" fontAlgn="base">
+              <a:buFont typeface="Arial" panose="020B0604020202020204" pitchFamily="34" charset="0"/>
+              <a:buChar char="•"/>
+            </a:pPr>
+            <a:r>
+              <a:rPr lang="en-GB" sz="2200" b="1" dirty="0">
+                <a:solidFill>
+                  <a:schemeClr val="bg1"/>
+                </a:solidFill>
+                <a:latin typeface="Century Gothic" panose="020B0502020202020204" pitchFamily="34" charset="0"/>
+              </a:rPr>
+              <a:t>team bonding exercises</a:t>
+            </a:r>
+          </a:p>
+          <a:p>
+            <a:pPr marL="285750" indent="-285750" fontAlgn="base">
+              <a:buFont typeface="Arial" panose="020B0604020202020204" pitchFamily="34" charset="0"/>
+              <a:buChar char="•"/>
+            </a:pPr>
+            <a:r>
+              <a:rPr lang="en-GB" sz="2200" b="1" dirty="0">
+                <a:solidFill>
+                  <a:schemeClr val="bg1"/>
+                </a:solidFill>
+                <a:latin typeface="Century Gothic" panose="020B0502020202020204" pitchFamily="34" charset="0"/>
+              </a:rPr>
+              <a:t>in-class making stuff</a:t>
+            </a:r>
+          </a:p>
+          <a:p>
+            <a:pPr marL="285750" indent="-285750" fontAlgn="base">
+              <a:buFont typeface="Arial" panose="020B0604020202020204" pitchFamily="34" charset="0"/>
+              <a:buChar char="•"/>
+            </a:pPr>
+            <a:r>
+              <a:rPr lang="en-GB" sz="2200" b="1" dirty="0">
+                <a:solidFill>
+                  <a:schemeClr val="bg1"/>
+                </a:solidFill>
+                <a:latin typeface="Century Gothic" panose="020B0502020202020204" pitchFamily="34" charset="0"/>
+              </a:rPr>
+              <a:t>reflective writing</a:t>
+            </a:r>
+          </a:p>
+          <a:p>
+            <a:pPr fontAlgn="base"/>
+            <a:r>
+              <a:rPr lang="en-GB" b="1" cap="all" dirty="0">
+                <a:solidFill>
+                  <a:schemeClr val="bg1"/>
+                </a:solidFill>
+                <a:latin typeface="Century Gothic" panose="020B0502020202020204" pitchFamily="34" charset="0"/>
+              </a:rPr>
+              <a:t> </a:t>
+            </a:r>
+          </a:p>
+          <a:p>
+            <a:pPr fontAlgn="base"/>
+            <a:br>
+              <a:rPr lang="en-GB" b="1" dirty="0">
+                <a:solidFill>
+                  <a:schemeClr val="bg1"/>
+                </a:solidFill>
+                <a:latin typeface="Century Gothic" panose="020B0502020202020204" pitchFamily="34" charset="0"/>
+              </a:rPr>
+            </a:br>
+            <a:endParaRPr lang="en-GB" b="1" dirty="0">
+              <a:solidFill>
+                <a:schemeClr val="bg1"/>
+              </a:solidFill>
+              <a:latin typeface="Century Gothic" panose="020B0502020202020204" pitchFamily="34" charset="0"/>
+            </a:endParaRPr>
+          </a:p>
+        </p:txBody>
+      </p:sp>
     </p:spTree>
+    <p:extLst>
+      <p:ext uri="{BB962C8B-B14F-4D97-AF65-F5344CB8AC3E}">
+        <p14:creationId xmlns:p14="http://schemas.microsoft.com/office/powerpoint/2010/main" val="1669401384"/>
+      </p:ext>
+    </p:extLst>
   </p:cSld>
   <p:clrMapOvr>
     <a:masterClrMapping/>
@@ -6405,201 +6582,26 @@
         </p:nvSpPr>
         <p:spPr>
           <a:xfrm>
-            <a:off x="844977" y="548577"/>
-            <a:ext cx="7772400" cy="1362075"/>
+            <a:off x="479502" y="2092287"/>
+            <a:ext cx="8229600" cy="1143000"/>
           </a:xfrm>
         </p:spPr>
         <p:txBody>
           <a:bodyPr/>
           <a:lstStyle/>
           <a:p>
-            <a:pPr marL="0" lvl="0" indent="0" algn="ctr">
+            <a:pPr marL="0" lvl="0" indent="0">
               <a:buNone/>
             </a:pPr>
             <a:r>
               <a:rPr lang="en-GB" dirty="0"/>
-              <a:t>PREPARATION</a:t>
+              <a:t>PROJECT PHASES </a:t>
             </a:r>
             <a:endParaRPr dirty="0"/>
           </a:p>
         </p:txBody>
       </p:sp>
-      <p:sp>
-        <p:nvSpPr>
-          <p:cNvPr id="3" name="TextBox 2">
-            <a:extLst>
-              <a:ext uri="{FF2B5EF4-FFF2-40B4-BE49-F238E27FC236}">
-                <a16:creationId xmlns:a16="http://schemas.microsoft.com/office/drawing/2014/main" id="{E9E7D6A9-4767-694D-B7E9-FD53433EB0E6}"/>
-              </a:ext>
-            </a:extLst>
-          </p:cNvPr>
-          <p:cNvSpPr txBox="1"/>
-          <p:nvPr/>
-        </p:nvSpPr>
-        <p:spPr>
-          <a:xfrm>
-            <a:off x="1034548" y="1468079"/>
-            <a:ext cx="7393258" cy="5139869"/>
-          </a:xfrm>
-          <a:prstGeom prst="rect">
-            <a:avLst/>
-          </a:prstGeom>
-          <a:noFill/>
-        </p:spPr>
-        <p:txBody>
-          <a:bodyPr wrap="square" rtlCol="0">
-            <a:spAutoFit/>
-          </a:bodyPr>
-          <a:lstStyle/>
-          <a:p>
-            <a:pPr algn="ctr"/>
-            <a:r>
-              <a:rPr lang="en-US" sz="2600" b="1" dirty="0">
-                <a:solidFill>
-                  <a:schemeClr val="bg1"/>
-                </a:solidFill>
-                <a:latin typeface="Century Gothic" panose="020B0502020202020204" pitchFamily="34" charset="0"/>
-              </a:rPr>
-              <a:t>Weeks 1-3</a:t>
-            </a:r>
-          </a:p>
-          <a:p>
-            <a:endParaRPr lang="en-US" sz="2600" b="1" dirty="0">
-              <a:solidFill>
-                <a:schemeClr val="bg1"/>
-              </a:solidFill>
-              <a:latin typeface="Century Gothic" panose="020B0502020202020204" pitchFamily="34" charset="0"/>
-            </a:endParaRPr>
-          </a:p>
-          <a:p>
-            <a:r>
-              <a:rPr lang="en-US" sz="2600" b="1" dirty="0">
-                <a:solidFill>
-                  <a:schemeClr val="bg1"/>
-                </a:solidFill>
-                <a:latin typeface="Century Gothic" panose="020B0502020202020204" pitchFamily="34" charset="0"/>
-              </a:rPr>
-              <a:t>Initial orientation and skills:</a:t>
-            </a:r>
-          </a:p>
-          <a:p>
-            <a:endParaRPr lang="en-US" sz="2600" b="1" dirty="0">
-              <a:solidFill>
-                <a:schemeClr val="bg1"/>
-              </a:solidFill>
-              <a:latin typeface="Century Gothic" panose="020B0502020202020204" pitchFamily="34" charset="0"/>
-            </a:endParaRPr>
-          </a:p>
-          <a:p>
-            <a:pPr marL="457200" indent="-457200">
-              <a:buFont typeface="Arial" panose="020B0604020202020204" pitchFamily="34" charset="0"/>
-              <a:buChar char="•"/>
-            </a:pPr>
-            <a:r>
-              <a:rPr lang="en-GB" sz="2800" b="1" dirty="0">
-                <a:solidFill>
-                  <a:schemeClr val="bg1"/>
-                </a:solidFill>
-                <a:latin typeface="Century Gothic" panose="020B0502020202020204" pitchFamily="34" charset="0"/>
-              </a:rPr>
-              <a:t>Circular economy issues</a:t>
-            </a:r>
-          </a:p>
-          <a:p>
-            <a:pPr marL="457200" indent="-457200">
-              <a:buFont typeface="Arial" panose="020B0604020202020204" pitchFamily="34" charset="0"/>
-              <a:buChar char="•"/>
-            </a:pPr>
-            <a:endParaRPr lang="en-GB" sz="2800" b="1" dirty="0">
-              <a:solidFill>
-                <a:schemeClr val="bg1"/>
-              </a:solidFill>
-              <a:latin typeface="Century Gothic" panose="020B0502020202020204" pitchFamily="34" charset="0"/>
-            </a:endParaRPr>
-          </a:p>
-          <a:p>
-            <a:pPr marL="457200" indent="-457200">
-              <a:buFont typeface="Arial" panose="020B0604020202020204" pitchFamily="34" charset="0"/>
-              <a:buChar char="•"/>
-            </a:pPr>
-            <a:r>
-              <a:rPr lang="en-GB" sz="2800" b="1" dirty="0">
-                <a:solidFill>
-                  <a:schemeClr val="bg1"/>
-                </a:solidFill>
-                <a:latin typeface="Century Gothic" panose="020B0502020202020204" pitchFamily="34" charset="0"/>
-              </a:rPr>
-              <a:t>Introduction to design thinking</a:t>
-            </a:r>
-          </a:p>
-          <a:p>
-            <a:pPr marL="457200" indent="-457200">
-              <a:buFont typeface="Arial" panose="020B0604020202020204" pitchFamily="34" charset="0"/>
-              <a:buChar char="•"/>
-            </a:pPr>
-            <a:endParaRPr lang="en-GB" sz="2800" b="1" dirty="0">
-              <a:solidFill>
-                <a:schemeClr val="bg1"/>
-              </a:solidFill>
-              <a:latin typeface="Century Gothic" panose="020B0502020202020204" pitchFamily="34" charset="0"/>
-            </a:endParaRPr>
-          </a:p>
-          <a:p>
-            <a:pPr marL="457200" indent="-457200">
-              <a:buFont typeface="Arial" panose="020B0604020202020204" pitchFamily="34" charset="0"/>
-              <a:buChar char="•"/>
-            </a:pPr>
-            <a:r>
-              <a:rPr lang="en-GB" sz="2800" b="1" dirty="0">
-                <a:solidFill>
-                  <a:schemeClr val="bg1"/>
-                </a:solidFill>
-                <a:latin typeface="Century Gothic" panose="020B0502020202020204" pitchFamily="34" charset="0"/>
-              </a:rPr>
-              <a:t>Introduction to data and information</a:t>
-            </a:r>
-          </a:p>
-          <a:p>
-            <a:pPr marL="457200" indent="-457200">
-              <a:buFont typeface="Arial" panose="020B0604020202020204" pitchFamily="34" charset="0"/>
-              <a:buChar char="•"/>
-            </a:pPr>
-            <a:endParaRPr lang="en-GB" sz="2800" b="1" dirty="0">
-              <a:solidFill>
-                <a:schemeClr val="bg1"/>
-              </a:solidFill>
-              <a:latin typeface="Century Gothic" panose="020B0502020202020204" pitchFamily="34" charset="0"/>
-            </a:endParaRPr>
-          </a:p>
-          <a:p>
-            <a:pPr marL="457200" indent="-457200">
-              <a:buFont typeface="Arial" panose="020B0604020202020204" pitchFamily="34" charset="0"/>
-              <a:buChar char="•"/>
-            </a:pPr>
-            <a:r>
-              <a:rPr lang="en-GB" sz="2800" b="1" dirty="0">
-                <a:solidFill>
-                  <a:schemeClr val="bg1"/>
-                </a:solidFill>
-                <a:latin typeface="Century Gothic" panose="020B0502020202020204" pitchFamily="34" charset="0"/>
-              </a:rPr>
-              <a:t>Introduction to observation, ethnography, and research ethics</a:t>
-            </a:r>
-            <a:endParaRPr lang="en-US" sz="2600" b="1" dirty="0">
-              <a:solidFill>
-                <a:schemeClr val="bg1"/>
-              </a:solidFill>
-              <a:latin typeface="Century Gothic" panose="020B0502020202020204" pitchFamily="34" charset="0"/>
-            </a:endParaRPr>
-          </a:p>
-        </p:txBody>
-      </p:sp>
     </p:spTree>
-    <p:extLst>
-      <p:ext uri="{BB962C8B-B14F-4D97-AF65-F5344CB8AC3E}">
-        <p14:creationId xmlns:p14="http://schemas.microsoft.com/office/powerpoint/2010/main" val="1615650170"/>
-      </p:ext>
-    </p:extLst>
   </p:cSld>
   <p:clrMapOvr>
     <a:masterClrMapping/>
@@ -6649,7 +6651,7 @@
             </a:pPr>
             <a:r>
               <a:rPr lang="en-GB" dirty="0"/>
-              <a:t>Design sprint</a:t>
+              <a:t>PREPARATION</a:t>
             </a:r>
             <a:endParaRPr dirty="0"/>
           </a:p>
@@ -6669,8 +6671,8 @@
         </p:nvSpPr>
         <p:spPr>
           <a:xfrm>
-            <a:off x="624468" y="1743382"/>
-            <a:ext cx="7814489" cy="4339650"/>
+            <a:off x="1034548" y="1468079"/>
+            <a:ext cx="7393258" cy="5139869"/>
           </a:xfrm>
           <a:prstGeom prst="rect">
             <a:avLst/>
@@ -6685,17 +6687,17 @@
           <a:p>
             <a:pPr algn="ctr"/>
             <a:r>
-              <a:rPr lang="en-US" sz="2300" b="1" dirty="0">
-                <a:solidFill>
-                  <a:schemeClr val="bg1"/>
-                </a:solidFill>
-                <a:latin typeface="Century Gothic" panose="020B0502020202020204" pitchFamily="34" charset="0"/>
-              </a:rPr>
-              <a:t>Weeks 4-5</a:t>
-            </a:r>
-          </a:p>
-          <a:p>
-            <a:endParaRPr lang="en-US" sz="2300" b="1" dirty="0">
+              <a:rPr lang="en-US" sz="2600" b="1" dirty="0">
+                <a:solidFill>
+                  <a:schemeClr val="bg1"/>
+                </a:solidFill>
+                <a:latin typeface="Century Gothic" panose="020B0502020202020204" pitchFamily="34" charset="0"/>
+              </a:rPr>
+              <a:t>Weeks 1-3</a:t>
+            </a:r>
+          </a:p>
+          <a:p>
+            <a:endParaRPr lang="en-US" sz="2600" b="1" dirty="0">
               <a:solidFill>
                 <a:schemeClr val="bg1"/>
               </a:solidFill>
@@ -6703,92 +6705,132 @@
             </a:endParaRPr>
           </a:p>
           <a:p>
-            <a:pPr marL="457200" indent="-457200">
-              <a:buFont typeface="Arial" panose="020B0604020202020204" pitchFamily="34" charset="0"/>
-              <a:buChar char="•"/>
-            </a:pPr>
-            <a:r>
-              <a:rPr lang="en-GB" sz="2300" b="1" dirty="0">
-                <a:solidFill>
-                  <a:schemeClr val="bg1"/>
-                </a:solidFill>
-                <a:latin typeface="Century Gothic" panose="020B0502020202020204" pitchFamily="34" charset="0"/>
-              </a:rPr>
-              <a:t>Gather data and information about your chosen sub-theme and its current state  </a:t>
-            </a:r>
-          </a:p>
-          <a:p>
-            <a:pPr marL="457200" indent="-457200">
-              <a:buFont typeface="Arial" panose="020B0604020202020204" pitchFamily="34" charset="0"/>
-              <a:buChar char="•"/>
-            </a:pPr>
-            <a:r>
-              <a:rPr lang="en-GB" sz="2300" b="1" dirty="0">
-                <a:solidFill>
-                  <a:schemeClr val="bg1"/>
-                </a:solidFill>
-                <a:latin typeface="Century Gothic" panose="020B0502020202020204" pitchFamily="34" charset="0"/>
-              </a:rPr>
-              <a:t>Do this “in the wild”</a:t>
-            </a:r>
-          </a:p>
-          <a:p>
-            <a:pPr marL="457200" indent="-457200">
-              <a:buFont typeface="Arial" panose="020B0604020202020204" pitchFamily="34" charset="0"/>
-              <a:buChar char="•"/>
-            </a:pPr>
-            <a:r>
-              <a:rPr lang="en-GB" sz="2300" b="1" dirty="0">
-                <a:solidFill>
-                  <a:schemeClr val="bg1"/>
-                </a:solidFill>
-                <a:latin typeface="Century Gothic" panose="020B0502020202020204" pitchFamily="34" charset="0"/>
-              </a:rPr>
-              <a:t>You’ll need to put aside the best part of at least 1 day to do this, as a team</a:t>
-            </a:r>
-          </a:p>
-          <a:p>
-            <a:pPr marL="457200" indent="-457200">
-              <a:buFont typeface="Arial" panose="020B0604020202020204" pitchFamily="34" charset="0"/>
-              <a:buChar char="•"/>
-            </a:pPr>
-            <a:r>
-              <a:rPr lang="en-GB" sz="2300" b="1" dirty="0">
-                <a:solidFill>
-                  <a:schemeClr val="bg1"/>
-                </a:solidFill>
-                <a:latin typeface="Century Gothic" panose="020B0502020202020204" pitchFamily="34" charset="0"/>
-              </a:rPr>
-              <a:t>Identify specific problems/questions within your sub-theme, and generate ideas for how to address them</a:t>
-            </a:r>
-          </a:p>
-          <a:p>
-            <a:pPr marL="457200" indent="-457200">
-              <a:buFont typeface="Arial" panose="020B0604020202020204" pitchFamily="34" charset="0"/>
-              <a:buChar char="•"/>
-            </a:pPr>
-            <a:r>
-              <a:rPr lang="en-GB" sz="2300" b="1" dirty="0">
-                <a:solidFill>
-                  <a:schemeClr val="bg1"/>
-                </a:solidFill>
-                <a:latin typeface="Century Gothic" panose="020B0502020202020204" pitchFamily="34" charset="0"/>
-              </a:rPr>
-              <a:t>Your team will give a group presentation and you will write an individual report</a:t>
-            </a:r>
-            <a:endParaRPr lang="en-US" sz="2300" b="1" dirty="0">
+            <a:r>
+              <a:rPr lang="en-US" sz="2600" b="1" dirty="0">
+                <a:solidFill>
+                  <a:schemeClr val="bg1"/>
+                </a:solidFill>
+                <a:latin typeface="Century Gothic" panose="020B0502020202020204" pitchFamily="34" charset="0"/>
+              </a:rPr>
+              <a:t>Initial orientation and skills:</a:t>
+            </a:r>
+          </a:p>
+          <a:p>
+            <a:endParaRPr lang="en-US" sz="2600" b="1" dirty="0">
               <a:solidFill>
                 <a:schemeClr val="bg1"/>
               </a:solidFill>
               <a:latin typeface="Century Gothic" panose="020B0502020202020204" pitchFamily="34" charset="0"/>
             </a:endParaRPr>
           </a:p>
+          <a:p>
+            <a:pPr marL="457200" indent="-457200">
+              <a:buFont typeface="Arial" panose="020B0604020202020204" pitchFamily="34" charset="0"/>
+              <a:buChar char="•"/>
+            </a:pPr>
+            <a:r>
+              <a:rPr lang="en-GB" sz="2800" b="1" dirty="0">
+                <a:solidFill>
+                  <a:schemeClr val="bg1"/>
+                </a:solidFill>
+                <a:latin typeface="Century Gothic" panose="020B0502020202020204" pitchFamily="34" charset="0"/>
+              </a:rPr>
+              <a:t>Circular economy issues</a:t>
+            </a:r>
+          </a:p>
+          <a:p>
+            <a:pPr marL="457200" indent="-457200">
+              <a:buFont typeface="Arial" panose="020B0604020202020204" pitchFamily="34" charset="0"/>
+              <a:buChar char="•"/>
+            </a:pPr>
+            <a:endParaRPr lang="en-GB" sz="2800" b="1" dirty="0">
+              <a:solidFill>
+                <a:schemeClr val="bg1"/>
+              </a:solidFill>
+              <a:latin typeface="Century Gothic" panose="020B0502020202020204" pitchFamily="34" charset="0"/>
+            </a:endParaRPr>
+          </a:p>
+          <a:p>
+            <a:pPr marL="457200" indent="-457200">
+              <a:buFont typeface="Arial" panose="020B0604020202020204" pitchFamily="34" charset="0"/>
+              <a:buChar char="•"/>
+            </a:pPr>
+            <a:r>
+              <a:rPr lang="en-GB" sz="2800" b="1" dirty="0">
+                <a:solidFill>
+                  <a:schemeClr val="bg1"/>
+                </a:solidFill>
+                <a:latin typeface="Century Gothic" panose="020B0502020202020204" pitchFamily="34" charset="0"/>
+              </a:rPr>
+              <a:t>Introduction to design thinking</a:t>
+            </a:r>
+          </a:p>
+          <a:p>
+            <a:pPr marL="457200" indent="-457200">
+              <a:buFont typeface="Arial" panose="020B0604020202020204" pitchFamily="34" charset="0"/>
+              <a:buChar char="•"/>
+            </a:pPr>
+            <a:endParaRPr lang="en-GB" sz="2800" b="1" dirty="0">
+              <a:solidFill>
+                <a:schemeClr val="bg1"/>
+              </a:solidFill>
+              <a:latin typeface="Century Gothic" panose="020B0502020202020204" pitchFamily="34" charset="0"/>
+            </a:endParaRPr>
+          </a:p>
+          <a:p>
+            <a:pPr marL="457200" indent="-457200">
+              <a:buFont typeface="Arial" panose="020B0604020202020204" pitchFamily="34" charset="0"/>
+              <a:buChar char="•"/>
+            </a:pPr>
+            <a:r>
+              <a:rPr lang="en-GB" sz="2800" b="1" dirty="0">
+                <a:solidFill>
+                  <a:schemeClr val="bg1"/>
+                </a:solidFill>
+                <a:latin typeface="Century Gothic" panose="020B0502020202020204" pitchFamily="34" charset="0"/>
+              </a:rPr>
+              <a:t>Introduction to data and information</a:t>
+            </a:r>
+          </a:p>
+          <a:p>
+            <a:pPr marL="457200" indent="-457200">
+              <a:buFont typeface="Arial" panose="020B0604020202020204" pitchFamily="34" charset="0"/>
+              <a:buChar char="•"/>
+            </a:pPr>
+            <a:endParaRPr lang="en-GB" sz="2800" b="1" dirty="0">
+              <a:solidFill>
+                <a:schemeClr val="bg1"/>
+              </a:solidFill>
+              <a:latin typeface="Century Gothic" panose="020B0502020202020204" pitchFamily="34" charset="0"/>
+            </a:endParaRPr>
+          </a:p>
+          <a:p>
+            <a:pPr marL="457200" indent="-457200">
+              <a:buFont typeface="Arial" panose="020B0604020202020204" pitchFamily="34" charset="0"/>
+              <a:buChar char="•"/>
+            </a:pPr>
+            <a:r>
+              <a:rPr lang="en-GB" sz="2800" b="1" dirty="0">
+                <a:solidFill>
+                  <a:schemeClr val="bg1"/>
+                </a:solidFill>
+                <a:latin typeface="Century Gothic" panose="020B0502020202020204" pitchFamily="34" charset="0"/>
+              </a:rPr>
+              <a:t>Introduction to observation, ethnography, and research ethics</a:t>
+            </a:r>
+            <a:endParaRPr lang="en-US" sz="2600" b="1" dirty="0">
+              <a:solidFill>
+                <a:schemeClr val="bg1"/>
+              </a:solidFill>
+              <a:latin typeface="Century Gothic" panose="020B0502020202020204" pitchFamily="34" charset="0"/>
+            </a:endParaRPr>
+          </a:p>
         </p:txBody>
       </p:sp>
     </p:spTree>
     <p:extLst>
       <p:ext uri="{BB962C8B-B14F-4D97-AF65-F5344CB8AC3E}">
-        <p14:creationId xmlns:p14="http://schemas.microsoft.com/office/powerpoint/2010/main" val="3872536505"/>
+        <p14:creationId xmlns:p14="http://schemas.microsoft.com/office/powerpoint/2010/main" val="1615650170"/>
       </p:ext>
     </p:extLst>
   </p:cSld>
@@ -6827,7 +6869,7 @@
         </p:nvSpPr>
         <p:spPr>
           <a:xfrm>
-            <a:off x="789221" y="359007"/>
+            <a:off x="844977" y="548577"/>
             <a:ext cx="7772400" cy="1362075"/>
           </a:xfrm>
         </p:spPr>
@@ -6840,7 +6882,7 @@
             </a:pPr>
             <a:r>
               <a:rPr lang="en-GB" dirty="0"/>
-              <a:t>DIGGING DEEPER</a:t>
+              <a:t>Design sprint</a:t>
             </a:r>
             <a:endParaRPr dirty="0"/>
           </a:p>
@@ -6860,8 +6902,8 @@
         </p:nvSpPr>
         <p:spPr>
           <a:xfrm>
-            <a:off x="549470" y="1297335"/>
-            <a:ext cx="8251902" cy="5863144"/>
+            <a:off x="624468" y="1743382"/>
+            <a:ext cx="7814489" cy="4339650"/>
           </a:xfrm>
           <a:prstGeom prst="rect">
             <a:avLst/>
@@ -6876,17 +6918,17 @@
           <a:p>
             <a:pPr algn="ctr"/>
             <a:r>
-              <a:rPr lang="en-US" sz="2500" b="1" dirty="0">
-                <a:solidFill>
-                  <a:schemeClr val="bg1"/>
-                </a:solidFill>
-                <a:latin typeface="Century Gothic" panose="020B0502020202020204" pitchFamily="34" charset="0"/>
-              </a:rPr>
-              <a:t>Week 5</a:t>
-            </a:r>
-          </a:p>
-          <a:p>
-            <a:endParaRPr lang="en-GB" sz="2500" b="1" dirty="0">
+              <a:rPr lang="en-US" sz="2300" b="1" dirty="0">
+                <a:solidFill>
+                  <a:schemeClr val="bg1"/>
+                </a:solidFill>
+                <a:latin typeface="Century Gothic" panose="020B0502020202020204" pitchFamily="34" charset="0"/>
+              </a:rPr>
+              <a:t>Weeks 4-5</a:t>
+            </a:r>
+          </a:p>
+          <a:p>
+            <a:endParaRPr lang="en-US" sz="2300" b="1" dirty="0">
               <a:solidFill>
                 <a:schemeClr val="bg1"/>
               </a:solidFill>
@@ -6899,13 +6941,13 @@
               <a:buChar char="•"/>
             </a:pPr>
             <a:r>
-              <a:rPr lang="en-GB" sz="2500" b="1" dirty="0">
-                <a:solidFill>
-                  <a:schemeClr val="bg1"/>
-                </a:solidFill>
-                <a:latin typeface="Century Gothic" panose="020B0502020202020204" pitchFamily="34" charset="0"/>
-              </a:rPr>
-              <a:t>Consolidating what you’ve found out in Design Sprint</a:t>
+              <a:rPr lang="en-GB" sz="2300" b="1" dirty="0">
+                <a:solidFill>
+                  <a:schemeClr val="bg1"/>
+                </a:solidFill>
+                <a:latin typeface="Century Gothic" panose="020B0502020202020204" pitchFamily="34" charset="0"/>
+              </a:rPr>
+              <a:t>Gather data and information about your chosen sub-theme and its current state  </a:t>
             </a:r>
           </a:p>
           <a:p>
@@ -6913,127 +6955,73 @@
               <a:buFont typeface="Arial" panose="020B0604020202020204" pitchFamily="34" charset="0"/>
               <a:buChar char="•"/>
             </a:pPr>
-            <a:endParaRPr lang="en-GB" sz="2500" b="1" dirty="0">
+            <a:r>
+              <a:rPr lang="en-GB" sz="2300" b="1" dirty="0">
+                <a:solidFill>
+                  <a:schemeClr val="bg1"/>
+                </a:solidFill>
+                <a:latin typeface="Century Gothic" panose="020B0502020202020204" pitchFamily="34" charset="0"/>
+              </a:rPr>
+              <a:t>Do this “in the wild”</a:t>
+            </a:r>
+          </a:p>
+          <a:p>
+            <a:pPr marL="457200" indent="-457200">
+              <a:buFont typeface="Arial" panose="020B0604020202020204" pitchFamily="34" charset="0"/>
+              <a:buChar char="•"/>
+            </a:pPr>
+            <a:r>
+              <a:rPr lang="en-GB" sz="2300" b="1" dirty="0">
+                <a:solidFill>
+                  <a:schemeClr val="bg1"/>
+                </a:solidFill>
+                <a:latin typeface="Century Gothic" panose="020B0502020202020204" pitchFamily="34" charset="0"/>
+              </a:rPr>
+              <a:t>You’ll need to put aside the best part of at least 1 day to do this, as a team</a:t>
+            </a:r>
+          </a:p>
+          <a:p>
+            <a:pPr marL="457200" indent="-457200">
+              <a:buFont typeface="Arial" panose="020B0604020202020204" pitchFamily="34" charset="0"/>
+              <a:buChar char="•"/>
+            </a:pPr>
+            <a:r>
+              <a:rPr lang="en-GB" sz="2300" b="1" dirty="0">
+                <a:solidFill>
+                  <a:schemeClr val="bg1"/>
+                </a:solidFill>
+                <a:latin typeface="Century Gothic" panose="020B0502020202020204" pitchFamily="34" charset="0"/>
+              </a:rPr>
+              <a:t>Identify specific problems/questions within your sub-theme, and generate ideas for how to address them</a:t>
+            </a:r>
+          </a:p>
+          <a:p>
+            <a:pPr marL="457200" indent="-457200">
+              <a:buFont typeface="Arial" panose="020B0604020202020204" pitchFamily="34" charset="0"/>
+              <a:buChar char="•"/>
+            </a:pPr>
+            <a:r>
+              <a:rPr lang="en-GB" sz="2300" b="1" dirty="0">
+                <a:solidFill>
+                  <a:schemeClr val="bg1"/>
+                </a:solidFill>
+                <a:latin typeface="Century Gothic" panose="020B0502020202020204" pitchFamily="34" charset="0"/>
+              </a:rPr>
+              <a:t>Your team will give a group presentation and you will write an individual report</a:t>
+            </a:r>
+            <a:endParaRPr lang="en-US" sz="2300" b="1" dirty="0">
               <a:solidFill>
                 <a:schemeClr val="bg1"/>
               </a:solidFill>
               <a:latin typeface="Century Gothic" panose="020B0502020202020204" pitchFamily="34" charset="0"/>
             </a:endParaRPr>
           </a:p>
-          <a:p>
-            <a:pPr marL="457200" indent="-457200">
-              <a:buFont typeface="Arial" panose="020B0604020202020204" pitchFamily="34" charset="0"/>
-              <a:buChar char="•"/>
-            </a:pPr>
-            <a:r>
-              <a:rPr lang="en-GB" sz="2500" b="1" dirty="0">
-                <a:solidFill>
-                  <a:schemeClr val="bg1"/>
-                </a:solidFill>
-                <a:latin typeface="Century Gothic" panose="020B0502020202020204" pitchFamily="34" charset="0"/>
-              </a:rPr>
-              <a:t>Hold a focus group with your stakeholders</a:t>
-            </a:r>
-          </a:p>
-          <a:p>
-            <a:pPr marL="457200" indent="-457200">
-              <a:buFont typeface="Arial" panose="020B0604020202020204" pitchFamily="34" charset="0"/>
-              <a:buChar char="•"/>
-            </a:pPr>
-            <a:endParaRPr lang="en-GB" sz="2500" b="1" dirty="0">
-              <a:solidFill>
-                <a:schemeClr val="bg1"/>
-              </a:solidFill>
-              <a:latin typeface="Century Gothic" panose="020B0502020202020204" pitchFamily="34" charset="0"/>
-            </a:endParaRPr>
-          </a:p>
-          <a:p>
-            <a:pPr marL="457200" indent="-457200">
-              <a:buFont typeface="Arial" panose="020B0604020202020204" pitchFamily="34" charset="0"/>
-              <a:buChar char="•"/>
-            </a:pPr>
-            <a:r>
-              <a:rPr lang="en-GB" sz="2500" b="1" dirty="0">
-                <a:solidFill>
-                  <a:schemeClr val="bg1"/>
-                </a:solidFill>
-                <a:latin typeface="Century Gothic" panose="020B0502020202020204" pitchFamily="34" charset="0"/>
-              </a:rPr>
-              <a:t>Identifying gaps, questions, topics to investigate</a:t>
-            </a:r>
-          </a:p>
-          <a:p>
-            <a:pPr marL="457200" indent="-457200">
-              <a:buFont typeface="Arial" panose="020B0604020202020204" pitchFamily="34" charset="0"/>
-              <a:buChar char="•"/>
-            </a:pPr>
-            <a:endParaRPr lang="en-GB" sz="2500" b="1" dirty="0">
-              <a:solidFill>
-                <a:schemeClr val="bg1"/>
-              </a:solidFill>
-              <a:latin typeface="Century Gothic" panose="020B0502020202020204" pitchFamily="34" charset="0"/>
-            </a:endParaRPr>
-          </a:p>
-          <a:p>
-            <a:pPr marL="457200" indent="-457200">
-              <a:buFont typeface="Arial" panose="020B0604020202020204" pitchFamily="34" charset="0"/>
-              <a:buChar char="•"/>
-            </a:pPr>
-            <a:r>
-              <a:rPr lang="en-GB" sz="2500" b="1" dirty="0">
-                <a:solidFill>
-                  <a:schemeClr val="bg1"/>
-                </a:solidFill>
-                <a:latin typeface="Century Gothic" panose="020B0502020202020204" pitchFamily="34" charset="0"/>
-              </a:rPr>
-              <a:t>Build up more skills in data collection and data analysis</a:t>
-            </a:r>
-          </a:p>
-          <a:p>
-            <a:pPr marL="457200" indent="-457200">
-              <a:buFont typeface="Arial" panose="020B0604020202020204" pitchFamily="34" charset="0"/>
-              <a:buChar char="•"/>
-            </a:pPr>
-            <a:endParaRPr lang="en-GB" sz="2500" b="1" dirty="0">
-              <a:solidFill>
-                <a:schemeClr val="bg1"/>
-              </a:solidFill>
-              <a:latin typeface="Century Gothic" panose="020B0502020202020204" pitchFamily="34" charset="0"/>
-            </a:endParaRPr>
-          </a:p>
-          <a:p>
-            <a:pPr marL="457200" indent="-457200">
-              <a:buFont typeface="Arial" panose="020B0604020202020204" pitchFamily="34" charset="0"/>
-              <a:buChar char="•"/>
-            </a:pPr>
-            <a:r>
-              <a:rPr lang="en-GB" sz="2500" b="1" dirty="0">
-                <a:solidFill>
-                  <a:schemeClr val="bg1"/>
-                </a:solidFill>
-                <a:latin typeface="Century Gothic" panose="020B0502020202020204" pitchFamily="34" charset="0"/>
-              </a:rPr>
-              <a:t>Start critiquing and refining the design ideas generated during Design Sprint</a:t>
-            </a:r>
-          </a:p>
-          <a:p>
-            <a:pPr marL="457200" indent="-457200">
-              <a:buFont typeface="Arial" panose="020B0604020202020204" pitchFamily="34" charset="0"/>
-              <a:buChar char="•"/>
-            </a:pPr>
-            <a:endParaRPr lang="en-GB" sz="2500" b="1" dirty="0">
-              <a:solidFill>
-                <a:schemeClr val="bg1"/>
-              </a:solidFill>
-              <a:latin typeface="Century Gothic" panose="020B0502020202020204" pitchFamily="34" charset="0"/>
-            </a:endParaRPr>
-          </a:p>
         </p:txBody>
       </p:sp>
     </p:spTree>
     <p:extLst>
       <p:ext uri="{BB962C8B-B14F-4D97-AF65-F5344CB8AC3E}">
-        <p14:creationId xmlns:p14="http://schemas.microsoft.com/office/powerpoint/2010/main" val="3502843604"/>
+        <p14:creationId xmlns:p14="http://schemas.microsoft.com/office/powerpoint/2010/main" val="3872536505"/>
       </p:ext>
     </p:extLst>
   </p:cSld>
@@ -7072,7 +7060,7 @@
         </p:nvSpPr>
         <p:spPr>
           <a:xfrm>
-            <a:off x="722313" y="1708304"/>
+            <a:off x="789221" y="359007"/>
             <a:ext cx="7772400" cy="1362075"/>
           </a:xfrm>
         </p:spPr>
@@ -7085,7 +7073,7 @@
             </a:pPr>
             <a:r>
               <a:rPr lang="en-GB" dirty="0"/>
-              <a:t>Festival of learning</a:t>
+              <a:t>DIGGING DEEPER</a:t>
             </a:r>
             <a:endParaRPr dirty="0"/>
           </a:p>
@@ -7096,7 +7084,7 @@
           <p:cNvPr id="3" name="TextBox 2">
             <a:extLst>
               <a:ext uri="{FF2B5EF4-FFF2-40B4-BE49-F238E27FC236}">
-                <a16:creationId xmlns:a16="http://schemas.microsoft.com/office/drawing/2014/main" id="{239A01EE-09C8-A345-84CA-E032FDAEE5D8}"/>
+                <a16:creationId xmlns:a16="http://schemas.microsoft.com/office/drawing/2014/main" id="{E9E7D6A9-4767-694D-B7E9-FD53433EB0E6}"/>
               </a:ext>
             </a:extLst>
           </p:cNvPr>
@@ -7105,8 +7093,8 @@
         </p:nvSpPr>
         <p:spPr>
           <a:xfrm>
-            <a:off x="2810107" y="3070379"/>
-            <a:ext cx="2949846" cy="1384995"/>
+            <a:off x="549470" y="1297335"/>
+            <a:ext cx="8251902" cy="5863144"/>
           </a:xfrm>
           <a:prstGeom prst="rect">
             <a:avLst/>
@@ -7114,25 +7102,24 @@
           <a:noFill/>
         </p:spPr>
         <p:txBody>
-          <a:bodyPr wrap="none" rtlCol="0">
+          <a:bodyPr wrap="square" rtlCol="0">
             <a:spAutoFit/>
           </a:bodyPr>
           <a:lstStyle/>
           <a:p>
             <a:pPr algn="ctr"/>
             <a:r>
-              <a:rPr lang="en-US" sz="2800" b="1" dirty="0">
-                <a:solidFill>
-                  <a:schemeClr val="bg1"/>
-                </a:solidFill>
-                <a:latin typeface="Century Gothic" panose="020B0502020202020204" pitchFamily="34" charset="0"/>
-              </a:rPr>
-              <a:t>Week of Feb. 18</a:t>
-            </a:r>
-          </a:p>
-          <a:p>
-            <a:pPr algn="ctr"/>
-            <a:endParaRPr lang="en-US" sz="2800" b="1" dirty="0">
+              <a:rPr lang="en-US" sz="2500" b="1" dirty="0">
+                <a:solidFill>
+                  <a:schemeClr val="bg1"/>
+                </a:solidFill>
+                <a:latin typeface="Century Gothic" panose="020B0502020202020204" pitchFamily="34" charset="0"/>
+              </a:rPr>
+              <a:t>Week 5</a:t>
+            </a:r>
+          </a:p>
+          <a:p>
+            <a:endParaRPr lang="en-GB" sz="2500" b="1" dirty="0">
               <a:solidFill>
                 <a:schemeClr val="bg1"/>
               </a:solidFill>
@@ -7140,20 +7127,148 @@
             </a:endParaRPr>
           </a:p>
           <a:p>
-            <a:pPr algn="ctr"/>
-            <a:r>
-              <a:rPr lang="en-US" sz="2800" b="1" dirty="0">
-                <a:solidFill>
-                  <a:schemeClr val="bg1"/>
-                </a:solidFill>
-                <a:latin typeface="Century Gothic" panose="020B0502020202020204" pitchFamily="34" charset="0"/>
-              </a:rPr>
-              <a:t>Go Wild!</a:t>
-            </a:r>
+            <a:pPr marL="457200" indent="-457200">
+              <a:buFont typeface="Arial" panose="020B0604020202020204" pitchFamily="34" charset="0"/>
+              <a:buChar char="•"/>
+            </a:pPr>
+            <a:r>
+              <a:rPr lang="en-GB" sz="2500" b="1" dirty="0">
+                <a:solidFill>
+                  <a:schemeClr val="bg1"/>
+                </a:solidFill>
+                <a:latin typeface="Century Gothic" panose="020B0502020202020204" pitchFamily="34" charset="0"/>
+              </a:rPr>
+              <a:t>Consolidating what you’ve found out in Design Sprint</a:t>
+            </a:r>
+          </a:p>
+          <a:p>
+            <a:pPr marL="457200" indent="-457200">
+              <a:buFont typeface="Arial" panose="020B0604020202020204" pitchFamily="34" charset="0"/>
+              <a:buChar char="•"/>
+            </a:pPr>
+            <a:endParaRPr lang="en-GB" sz="2500" b="1" dirty="0">
+              <a:solidFill>
+                <a:schemeClr val="bg1"/>
+              </a:solidFill>
+              <a:latin typeface="Century Gothic" panose="020B0502020202020204" pitchFamily="34" charset="0"/>
+            </a:endParaRPr>
+          </a:p>
+          <a:p>
+            <a:pPr marL="457200" indent="-457200">
+              <a:buFont typeface="Arial" panose="020B0604020202020204" pitchFamily="34" charset="0"/>
+              <a:buChar char="•"/>
+            </a:pPr>
+            <a:r>
+              <a:rPr lang="en-GB" sz="2500" b="1" dirty="0">
+                <a:solidFill>
+                  <a:schemeClr val="bg1"/>
+                </a:solidFill>
+                <a:latin typeface="Century Gothic" panose="020B0502020202020204" pitchFamily="34" charset="0"/>
+              </a:rPr>
+              <a:t>Hold a focus group with your stakeholders</a:t>
+            </a:r>
+          </a:p>
+          <a:p>
+            <a:pPr marL="457200" indent="-457200">
+              <a:buFont typeface="Arial" panose="020B0604020202020204" pitchFamily="34" charset="0"/>
+              <a:buChar char="•"/>
+            </a:pPr>
+            <a:endParaRPr lang="en-GB" sz="2500" b="1" dirty="0">
+              <a:solidFill>
+                <a:schemeClr val="bg1"/>
+              </a:solidFill>
+              <a:latin typeface="Century Gothic" panose="020B0502020202020204" pitchFamily="34" charset="0"/>
+            </a:endParaRPr>
+          </a:p>
+          <a:p>
+            <a:pPr marL="457200" indent="-457200">
+              <a:buFont typeface="Arial" panose="020B0604020202020204" pitchFamily="34" charset="0"/>
+              <a:buChar char="•"/>
+            </a:pPr>
+            <a:r>
+              <a:rPr lang="en-GB" sz="2500" b="1" dirty="0">
+                <a:solidFill>
+                  <a:schemeClr val="bg1"/>
+                </a:solidFill>
+                <a:latin typeface="Century Gothic" panose="020B0502020202020204" pitchFamily="34" charset="0"/>
+              </a:rPr>
+              <a:t>Identifying gaps, questions, topics to investigate</a:t>
+            </a:r>
+          </a:p>
+          <a:p>
+            <a:pPr marL="457200" indent="-457200">
+              <a:buFont typeface="Arial" panose="020B0604020202020204" pitchFamily="34" charset="0"/>
+              <a:buChar char="•"/>
+            </a:pPr>
+            <a:endParaRPr lang="en-GB" sz="2500" b="1" dirty="0">
+              <a:solidFill>
+                <a:schemeClr val="bg1"/>
+              </a:solidFill>
+              <a:latin typeface="Century Gothic" panose="020B0502020202020204" pitchFamily="34" charset="0"/>
+            </a:endParaRPr>
+          </a:p>
+          <a:p>
+            <a:pPr marL="457200" indent="-457200">
+              <a:buFont typeface="Arial" panose="020B0604020202020204" pitchFamily="34" charset="0"/>
+              <a:buChar char="•"/>
+            </a:pPr>
+            <a:r>
+              <a:rPr lang="en-GB" sz="2500" b="1" dirty="0">
+                <a:solidFill>
+                  <a:schemeClr val="bg1"/>
+                </a:solidFill>
+                <a:latin typeface="Century Gothic" panose="020B0502020202020204" pitchFamily="34" charset="0"/>
+              </a:rPr>
+              <a:t>Build up more skills in data collection and data analysis</a:t>
+            </a:r>
+          </a:p>
+          <a:p>
+            <a:pPr marL="457200" indent="-457200">
+              <a:buFont typeface="Arial" panose="020B0604020202020204" pitchFamily="34" charset="0"/>
+              <a:buChar char="•"/>
+            </a:pPr>
+            <a:endParaRPr lang="en-GB" sz="2500" b="1" dirty="0">
+              <a:solidFill>
+                <a:schemeClr val="bg1"/>
+              </a:solidFill>
+              <a:latin typeface="Century Gothic" panose="020B0502020202020204" pitchFamily="34" charset="0"/>
+            </a:endParaRPr>
+          </a:p>
+          <a:p>
+            <a:pPr marL="457200" indent="-457200">
+              <a:buFont typeface="Arial" panose="020B0604020202020204" pitchFamily="34" charset="0"/>
+              <a:buChar char="•"/>
+            </a:pPr>
+            <a:r>
+              <a:rPr lang="en-GB" sz="2500" b="1" dirty="0">
+                <a:solidFill>
+                  <a:schemeClr val="bg1"/>
+                </a:solidFill>
+                <a:latin typeface="Century Gothic" panose="020B0502020202020204" pitchFamily="34" charset="0"/>
+              </a:rPr>
+              <a:t>Start critiquing and refining the design ideas generated during Design Sprint</a:t>
+            </a:r>
+          </a:p>
+          <a:p>
+            <a:pPr marL="457200" indent="-457200">
+              <a:buFont typeface="Arial" panose="020B0604020202020204" pitchFamily="34" charset="0"/>
+              <a:buChar char="•"/>
+            </a:pPr>
+            <a:endParaRPr lang="en-GB" sz="2500" b="1" dirty="0">
+              <a:solidFill>
+                <a:schemeClr val="bg1"/>
+              </a:solidFill>
+              <a:latin typeface="Century Gothic" panose="020B0502020202020204" pitchFamily="34" charset="0"/>
+            </a:endParaRPr>
           </a:p>
         </p:txBody>
       </p:sp>
     </p:spTree>
+    <p:extLst>
+      <p:ext uri="{BB962C8B-B14F-4D97-AF65-F5344CB8AC3E}">
+        <p14:creationId xmlns:p14="http://schemas.microsoft.com/office/powerpoint/2010/main" val="3502843604"/>
+      </p:ext>
+    </p:extLst>
   </p:cSld>
   <p:clrMapOvr>
     <a:masterClrMapping/>
@@ -7190,7 +7305,7 @@
         </p:nvSpPr>
         <p:spPr>
           <a:xfrm>
-            <a:off x="789221" y="359007"/>
+            <a:off x="722313" y="1708304"/>
             <a:ext cx="7772400" cy="1362075"/>
           </a:xfrm>
         </p:spPr>
@@ -7203,7 +7318,7 @@
             </a:pPr>
             <a:r>
               <a:rPr lang="en-GB" dirty="0"/>
-              <a:t>Design development</a:t>
+              <a:t>Festival of learning</a:t>
             </a:r>
             <a:endParaRPr dirty="0"/>
           </a:p>
@@ -7214,7 +7329,7 @@
           <p:cNvPr id="3" name="TextBox 2">
             <a:extLst>
               <a:ext uri="{FF2B5EF4-FFF2-40B4-BE49-F238E27FC236}">
-                <a16:creationId xmlns:a16="http://schemas.microsoft.com/office/drawing/2014/main" id="{E9E7D6A9-4767-694D-B7E9-FD53433EB0E6}"/>
+                <a16:creationId xmlns:a16="http://schemas.microsoft.com/office/drawing/2014/main" id="{239A01EE-09C8-A345-84CA-E032FDAEE5D8}"/>
               </a:ext>
             </a:extLst>
           </p:cNvPr>
@@ -7223,8 +7338,8 @@
         </p:nvSpPr>
         <p:spPr>
           <a:xfrm>
-            <a:off x="463238" y="1159285"/>
-            <a:ext cx="8471867" cy="6032421"/>
+            <a:off x="2810107" y="3070379"/>
+            <a:ext cx="2949846" cy="1384995"/>
           </a:xfrm>
           <a:prstGeom prst="rect">
             <a:avLst/>
@@ -7232,25 +7347,25 @@
           <a:noFill/>
         </p:spPr>
         <p:txBody>
-          <a:bodyPr wrap="square" rtlCol="0">
+          <a:bodyPr wrap="none" rtlCol="0">
             <a:spAutoFit/>
           </a:bodyPr>
           <a:lstStyle/>
           <a:p>
             <a:pPr algn="ctr"/>
             <a:r>
-              <a:rPr lang="en-US" sz="2500" b="1" dirty="0">
-                <a:solidFill>
-                  <a:schemeClr val="bg1"/>
-                </a:solidFill>
-                <a:latin typeface="Century Gothic" panose="020B0502020202020204" pitchFamily="34" charset="0"/>
-              </a:rPr>
-              <a:t>Weeks 6-9</a:t>
+              <a:rPr lang="en-US" sz="2800" b="1" dirty="0">
+                <a:solidFill>
+                  <a:schemeClr val="bg1"/>
+                </a:solidFill>
+                <a:latin typeface="Century Gothic" panose="020B0502020202020204" pitchFamily="34" charset="0"/>
+              </a:rPr>
+              <a:t>Week of Feb. 18</a:t>
             </a:r>
           </a:p>
           <a:p>
             <a:pPr algn="ctr"/>
-            <a:endParaRPr lang="en-US" sz="2500" b="1" dirty="0">
+            <a:endParaRPr lang="en-US" sz="2800" b="1" dirty="0">
               <a:solidFill>
                 <a:schemeClr val="bg1"/>
               </a:solidFill>
@@ -7258,141 +7373,20 @@
             </a:endParaRPr>
           </a:p>
           <a:p>
-            <a:pPr marL="457200" indent="-457200">
-              <a:buFont typeface="Arial" panose="020B0604020202020204" pitchFamily="34" charset="0"/>
-              <a:buChar char="•"/>
-            </a:pPr>
-            <a:r>
-              <a:rPr lang="en-GB" sz="2400" b="1" dirty="0">
-                <a:solidFill>
-                  <a:schemeClr val="bg1"/>
-                </a:solidFill>
-                <a:latin typeface="Century Gothic" panose="020B0502020202020204" pitchFamily="34" charset="0"/>
-              </a:rPr>
-              <a:t>Narrow down to </a:t>
-            </a:r>
-            <a:r>
-              <a:rPr lang="en-GB" sz="2400" b="1" i="1" dirty="0">
-                <a:solidFill>
-                  <a:schemeClr val="bg1"/>
-                </a:solidFill>
-                <a:latin typeface="Century Gothic" panose="020B0502020202020204" pitchFamily="34" charset="0"/>
-              </a:rPr>
-              <a:t>one</a:t>
-            </a:r>
-            <a:r>
-              <a:rPr lang="en-GB" sz="2400" b="1" dirty="0">
-                <a:solidFill>
-                  <a:schemeClr val="bg1"/>
-                </a:solidFill>
-                <a:latin typeface="Century Gothic" panose="020B0502020202020204" pitchFamily="34" charset="0"/>
-              </a:rPr>
-              <a:t> potential solution — a proof-of-concept design idea that has the potential to solve the problem(s) you’ve identified</a:t>
-            </a:r>
-          </a:p>
-          <a:p>
-            <a:pPr marL="457200" indent="-457200">
-              <a:buFont typeface="Arial" panose="020B0604020202020204" pitchFamily="34" charset="0"/>
-              <a:buChar char="•"/>
-            </a:pPr>
-            <a:endParaRPr lang="en-GB" sz="2400" b="1" dirty="0">
-              <a:solidFill>
-                <a:schemeClr val="bg1"/>
-              </a:solidFill>
-              <a:latin typeface="Century Gothic" panose="020B0502020202020204" pitchFamily="34" charset="0"/>
-            </a:endParaRPr>
-          </a:p>
-          <a:p>
-            <a:pPr marL="457200" indent="-457200">
-              <a:buFont typeface="Arial" panose="020B0604020202020204" pitchFamily="34" charset="0"/>
-              <a:buChar char="•"/>
-            </a:pPr>
-            <a:r>
-              <a:rPr lang="en-GB" sz="2400" b="1" dirty="0">
-                <a:solidFill>
-                  <a:schemeClr val="bg1"/>
-                </a:solidFill>
-                <a:latin typeface="Century Gothic" panose="020B0502020202020204" pitchFamily="34" charset="0"/>
-              </a:rPr>
-              <a:t>Hold a participatory design workshop with stakeholders</a:t>
-            </a:r>
-            <a:endParaRPr lang="en-US" sz="2400" b="1" dirty="0">
-              <a:solidFill>
-                <a:schemeClr val="bg1"/>
-              </a:solidFill>
-              <a:latin typeface="Century Gothic" panose="020B0502020202020204" pitchFamily="34" charset="0"/>
-            </a:endParaRPr>
-          </a:p>
-          <a:p>
-            <a:endParaRPr lang="en-GB" sz="2400" b="1" dirty="0">
-              <a:solidFill>
-                <a:schemeClr val="bg1"/>
-              </a:solidFill>
-              <a:latin typeface="Century Gothic" panose="020B0502020202020204" pitchFamily="34" charset="0"/>
-            </a:endParaRPr>
-          </a:p>
-          <a:p>
-            <a:pPr marL="457200" indent="-457200">
-              <a:buFont typeface="Arial" panose="020B0604020202020204" pitchFamily="34" charset="0"/>
-              <a:buChar char="•"/>
-            </a:pPr>
-            <a:r>
-              <a:rPr lang="en-GB" sz="2400" b="1" dirty="0">
-                <a:solidFill>
-                  <a:schemeClr val="bg1"/>
-                </a:solidFill>
-                <a:latin typeface="Century Gothic" panose="020B0502020202020204" pitchFamily="34" charset="0"/>
-              </a:rPr>
-              <a:t>Do more data collection, building up more evidence for your design idea</a:t>
-            </a:r>
-          </a:p>
-          <a:p>
-            <a:pPr marL="457200" indent="-457200">
-              <a:buFont typeface="Arial" panose="020B0604020202020204" pitchFamily="34" charset="0"/>
-              <a:buChar char="•"/>
-            </a:pPr>
-            <a:endParaRPr lang="en-GB" sz="2400" b="1" dirty="0">
-              <a:solidFill>
-                <a:schemeClr val="bg1"/>
-              </a:solidFill>
-              <a:latin typeface="Century Gothic" panose="020B0502020202020204" pitchFamily="34" charset="0"/>
-            </a:endParaRPr>
-          </a:p>
-          <a:p>
-            <a:pPr marL="457200" indent="-457200">
-              <a:buFont typeface="Arial" panose="020B0604020202020204" pitchFamily="34" charset="0"/>
-              <a:buChar char="•"/>
-            </a:pPr>
-            <a:r>
-              <a:rPr lang="en-GB" sz="2400" b="1" dirty="0">
-                <a:solidFill>
-                  <a:schemeClr val="bg1"/>
-                </a:solidFill>
-                <a:latin typeface="Century Gothic" panose="020B0502020202020204" pitchFamily="34" charset="0"/>
-              </a:rPr>
-              <a:t>Do some prototyping that allows you to test your idea and measure its effectiveness — ideally you’ll do this a number of times</a:t>
-            </a:r>
-          </a:p>
-          <a:p>
-            <a:pPr marL="457200" indent="-457200">
-              <a:buFont typeface="Arial" panose="020B0604020202020204" pitchFamily="34" charset="0"/>
-              <a:buChar char="•"/>
-            </a:pPr>
-            <a:endParaRPr lang="en-GB" sz="2400" b="1" dirty="0">
-              <a:solidFill>
-                <a:schemeClr val="bg1"/>
-              </a:solidFill>
-              <a:latin typeface="Century Gothic" panose="020B0502020202020204" pitchFamily="34" charset="0"/>
-            </a:endParaRPr>
+            <a:pPr algn="ctr"/>
+            <a:r>
+              <a:rPr lang="en-US" sz="2800" b="1" dirty="0">
+                <a:solidFill>
+                  <a:schemeClr val="bg1"/>
+                </a:solidFill>
+                <a:latin typeface="Century Gothic" panose="020B0502020202020204" pitchFamily="34" charset="0"/>
+              </a:rPr>
+              <a:t>Go Wild!</a:t>
+            </a:r>
           </a:p>
         </p:txBody>
       </p:sp>
     </p:spTree>
-    <p:extLst>
-      <p:ext uri="{BB962C8B-B14F-4D97-AF65-F5344CB8AC3E}">
-        <p14:creationId xmlns:p14="http://schemas.microsoft.com/office/powerpoint/2010/main" val="3150779339"/>
-      </p:ext>
-    </p:extLst>
   </p:cSld>
   <p:clrMapOvr>
     <a:masterClrMapping/>
@@ -7429,14 +7423,12 @@
         </p:nvSpPr>
         <p:spPr>
           <a:xfrm>
-            <a:off x="766918" y="1106137"/>
+            <a:off x="789221" y="359007"/>
             <a:ext cx="7772400" cy="1362075"/>
           </a:xfrm>
         </p:spPr>
         <p:txBody>
-          <a:bodyPr>
-            <a:normAutofit fontScale="90000"/>
-          </a:bodyPr>
+          <a:bodyPr/>
           <a:lstStyle/>
           <a:p>
             <a:pPr marL="0" lvl="0" indent="0" algn="ctr">
@@ -7444,28 +7436,18 @@
             </a:pPr>
             <a:r>
               <a:rPr lang="en-GB" dirty="0"/>
-              <a:t>Idea generation: </a:t>
-            </a:r>
-            <a:br>
-              <a:rPr lang="en-GB" dirty="0"/>
-            </a:br>
-            <a:r>
-              <a:rPr lang="en-GB" dirty="0"/>
-              <a:t>100 uses for a pencil</a:t>
-            </a:r>
-            <a:br>
-              <a:rPr lang="en-GB" dirty="0"/>
-            </a:br>
+              <a:t>Design development</a:t>
+            </a:r>
             <a:endParaRPr dirty="0"/>
           </a:p>
         </p:txBody>
       </p:sp>
       <p:sp>
         <p:nvSpPr>
-          <p:cNvPr id="4" name="TextBox 3">
+          <p:cNvPr id="3" name="TextBox 2">
             <a:extLst>
               <a:ext uri="{FF2B5EF4-FFF2-40B4-BE49-F238E27FC236}">
-                <a16:creationId xmlns:a16="http://schemas.microsoft.com/office/drawing/2014/main" id="{D5039C95-68A0-E140-A90B-3A4AC57CD2FC}"/>
+                <a16:creationId xmlns:a16="http://schemas.microsoft.com/office/drawing/2014/main" id="{E9E7D6A9-4767-694D-B7E9-FD53433EB0E6}"/>
               </a:ext>
             </a:extLst>
           </p:cNvPr>
@@ -7474,8 +7456,8 @@
         </p:nvSpPr>
         <p:spPr>
           <a:xfrm>
-            <a:off x="655406" y="3024960"/>
-            <a:ext cx="8471867" cy="4154984"/>
+            <a:off x="463238" y="1159285"/>
+            <a:ext cx="8471867" cy="6032421"/>
           </a:xfrm>
           <a:prstGeom prst="rect">
             <a:avLst/>
@@ -7488,9 +7470,30 @@
           </a:bodyPr>
           <a:lstStyle/>
           <a:p>
+            <a:pPr algn="ctr"/>
+            <a:r>
+              <a:rPr lang="en-US" sz="2500" b="1" dirty="0">
+                <a:solidFill>
+                  <a:schemeClr val="bg1"/>
+                </a:solidFill>
+                <a:latin typeface="Century Gothic" panose="020B0502020202020204" pitchFamily="34" charset="0"/>
+              </a:rPr>
+              <a:t>Weeks 6-9</a:t>
+            </a:r>
+          </a:p>
+          <a:p>
+            <a:pPr algn="ctr"/>
+            <a:endParaRPr lang="en-US" sz="2500" b="1" dirty="0">
+              <a:solidFill>
+                <a:schemeClr val="bg1"/>
+              </a:solidFill>
+              <a:latin typeface="Century Gothic" panose="020B0502020202020204" pitchFamily="34" charset="0"/>
+            </a:endParaRPr>
+          </a:p>
+          <a:p>
             <a:pPr marL="457200" indent="-457200">
-              <a:buFont typeface="+mj-lt"/>
-              <a:buAutoNum type="arabicPeriod"/>
+              <a:buFont typeface="Arial" panose="020B0604020202020204" pitchFamily="34" charset="0"/>
+              <a:buChar char="•"/>
             </a:pPr>
             <a:r>
               <a:rPr lang="en-GB" sz="2400" b="1" dirty="0">
@@ -7499,13 +7502,31 @@
                 </a:solidFill>
                 <a:latin typeface="Century Gothic" panose="020B0502020202020204" pitchFamily="34" charset="0"/>
               </a:rPr>
-              <a:t>With a pencil/pen and post-it notes, you have 30 seconds to draw a “use for a pencil” (without text).</a:t>
+              <a:t>Narrow down to </a:t>
+            </a:r>
+            <a:r>
+              <a:rPr lang="en-GB" sz="2400" b="1" i="1" dirty="0">
+                <a:solidFill>
+                  <a:schemeClr val="bg1"/>
+                </a:solidFill>
+                <a:latin typeface="Century Gothic" panose="020B0502020202020204" pitchFamily="34" charset="0"/>
+              </a:rPr>
+              <a:t>one</a:t>
+            </a:r>
+            <a:r>
+              <a:rPr lang="en-GB" sz="2400" b="1" dirty="0">
+                <a:solidFill>
+                  <a:schemeClr val="bg1"/>
+                </a:solidFill>
+                <a:latin typeface="Century Gothic" panose="020B0502020202020204" pitchFamily="34" charset="0"/>
+              </a:rPr>
+              <a:t> potential solution — a proof-of-concept design idea that has the potential to solve the problem(s) you’ve identified</a:t>
             </a:r>
           </a:p>
           <a:p>
             <a:pPr marL="457200" indent="-457200">
-              <a:buFont typeface="+mj-lt"/>
-              <a:buAutoNum type="arabicPeriod"/>
+              <a:buFont typeface="Arial" panose="020B0604020202020204" pitchFamily="34" charset="0"/>
+              <a:buChar char="•"/>
             </a:pPr>
             <a:endParaRPr lang="en-GB" sz="2400" b="1" dirty="0">
               <a:solidFill>
@@ -7516,8 +7537,8 @@
           </a:p>
           <a:p>
             <a:pPr marL="457200" indent="-457200">
-              <a:buFont typeface="+mj-lt"/>
-              <a:buAutoNum type="arabicPeriod"/>
+              <a:buFont typeface="Arial" panose="020B0604020202020204" pitchFamily="34" charset="0"/>
+              <a:buChar char="•"/>
             </a:pPr>
             <a:r>
               <a:rPr lang="en-GB" sz="2400" b="1" dirty="0">
@@ -7526,14 +7547,16 @@
                 </a:solidFill>
                 <a:latin typeface="Century Gothic" panose="020B0502020202020204" pitchFamily="34" charset="0"/>
               </a:rPr>
-              <a:t> Hand your drawing to your neighbour. </a:t>
-            </a:r>
-          </a:p>
-          <a:p>
-            <a:pPr marL="457200" indent="-457200">
-              <a:buFont typeface="+mj-lt"/>
-              <a:buAutoNum type="arabicPeriod"/>
-            </a:pPr>
+              <a:t>Hold a participatory design workshop with stakeholders</a:t>
+            </a:r>
+            <a:endParaRPr lang="en-US" sz="2400" b="1" dirty="0">
+              <a:solidFill>
+                <a:schemeClr val="bg1"/>
+              </a:solidFill>
+              <a:latin typeface="Century Gothic" panose="020B0502020202020204" pitchFamily="34" charset="0"/>
+            </a:endParaRPr>
+          </a:p>
+          <a:p>
             <a:endParaRPr lang="en-GB" sz="2400" b="1" dirty="0">
               <a:solidFill>
                 <a:schemeClr val="bg1"/>
@@ -7543,8 +7566,8 @@
           </a:p>
           <a:p>
             <a:pPr marL="457200" indent="-457200">
-              <a:buFont typeface="+mj-lt"/>
-              <a:buAutoNum type="arabicPeriod"/>
+              <a:buFont typeface="Arial" panose="020B0604020202020204" pitchFamily="34" charset="0"/>
+              <a:buChar char="•"/>
             </a:pPr>
             <a:r>
               <a:rPr lang="en-GB" sz="2400" b="1" dirty="0">
@@ -7553,13 +7576,13 @@
                 </a:solidFill>
                 <a:latin typeface="Century Gothic" panose="020B0502020202020204" pitchFamily="34" charset="0"/>
               </a:rPr>
-              <a:t> Repeat from 1, drawing another (different) use for a pencil that is inspired by what your neighbour drew.</a:t>
+              <a:t>Do more data collection, building up more evidence for your design idea</a:t>
             </a:r>
           </a:p>
           <a:p>
             <a:pPr marL="457200" indent="-457200">
-              <a:buFont typeface="+mj-lt"/>
-              <a:buAutoNum type="arabicPeriod"/>
+              <a:buFont typeface="Arial" panose="020B0604020202020204" pitchFamily="34" charset="0"/>
+              <a:buChar char="•"/>
             </a:pPr>
             <a:endParaRPr lang="en-GB" sz="2400" b="1" dirty="0">
               <a:solidFill>
@@ -7570,8 +7593,23 @@
           </a:p>
           <a:p>
             <a:pPr marL="457200" indent="-457200">
-              <a:buFont typeface="+mj-lt"/>
-              <a:buAutoNum type="arabicPeriod"/>
+              <a:buFont typeface="Arial" panose="020B0604020202020204" pitchFamily="34" charset="0"/>
+              <a:buChar char="•"/>
+            </a:pPr>
+            <a:r>
+              <a:rPr lang="en-GB" sz="2400" b="1" dirty="0">
+                <a:solidFill>
+                  <a:schemeClr val="bg1"/>
+                </a:solidFill>
+                <a:latin typeface="Century Gothic" panose="020B0502020202020204" pitchFamily="34" charset="0"/>
+              </a:rPr>
+              <a:t>Do some prototyping that allows you to test your idea and measure its effectiveness — ideally you’ll do this a number of times</a:t>
+            </a:r>
+          </a:p>
+          <a:p>
+            <a:pPr marL="457200" indent="-457200">
+              <a:buFont typeface="Arial" panose="020B0604020202020204" pitchFamily="34" charset="0"/>
+              <a:buChar char="•"/>
             </a:pPr>
             <a:endParaRPr lang="en-GB" sz="2400" b="1" dirty="0">
               <a:solidFill>
@@ -7580,36 +7618,12 @@
               <a:latin typeface="Century Gothic" panose="020B0502020202020204" pitchFamily="34" charset="0"/>
             </a:endParaRPr>
           </a:p>
-          <a:p>
-            <a:pPr marL="457200" indent="-457200">
-              <a:buFont typeface="+mj-lt"/>
-              <a:buAutoNum type="arabicPeriod"/>
-            </a:pPr>
-            <a:endParaRPr lang="en-US" sz="2400" b="1" dirty="0">
-              <a:solidFill>
-                <a:schemeClr val="bg1"/>
-              </a:solidFill>
-              <a:latin typeface="Century Gothic" panose="020B0502020202020204" pitchFamily="34" charset="0"/>
-            </a:endParaRPr>
-          </a:p>
-          <a:p>
-            <a:pPr marL="342900" indent="-342900">
-              <a:buFont typeface="Arial" panose="020B0604020202020204" pitchFamily="34" charset="0"/>
-              <a:buChar char="•"/>
-            </a:pPr>
-            <a:endParaRPr lang="en-US" sz="2400" b="1" dirty="0">
-              <a:solidFill>
-                <a:schemeClr val="bg1"/>
-              </a:solidFill>
-              <a:latin typeface="Century Gothic" panose="020B0502020202020204" pitchFamily="34" charset="0"/>
-            </a:endParaRPr>
-          </a:p>
         </p:txBody>
       </p:sp>
     </p:spTree>
     <p:extLst>
       <p:ext uri="{BB962C8B-B14F-4D97-AF65-F5344CB8AC3E}">
-        <p14:creationId xmlns:p14="http://schemas.microsoft.com/office/powerpoint/2010/main" val="539086944"/>
+        <p14:creationId xmlns:p14="http://schemas.microsoft.com/office/powerpoint/2010/main" val="3150779339"/>
       </p:ext>
     </p:extLst>
   </p:cSld>
@@ -7787,12 +7801,14 @@
         </p:nvSpPr>
         <p:spPr>
           <a:xfrm>
-            <a:off x="655406" y="2343923"/>
+            <a:off x="766918" y="1106137"/>
             <a:ext cx="7772400" cy="1362075"/>
           </a:xfrm>
         </p:spPr>
         <p:txBody>
-          <a:bodyPr/>
+          <a:bodyPr>
+            <a:normAutofit fontScale="90000"/>
+          </a:bodyPr>
           <a:lstStyle/>
           <a:p>
             <a:pPr marL="0" lvl="0" indent="0" algn="ctr">
@@ -7800,16 +7816,172 @@
             </a:pPr>
             <a:r>
               <a:rPr lang="en-GB" dirty="0"/>
-              <a:t>REPORTING</a:t>
-            </a:r>
+              <a:t>Idea generation: </a:t>
+            </a:r>
+            <a:br>
+              <a:rPr lang="en-GB" dirty="0"/>
+            </a:br>
+            <a:r>
+              <a:rPr lang="en-GB" dirty="0"/>
+              <a:t>100 uses for a pencil</a:t>
+            </a:r>
+            <a:br>
+              <a:rPr lang="en-GB" dirty="0"/>
+            </a:br>
             <a:endParaRPr dirty="0"/>
+          </a:p>
+        </p:txBody>
+      </p:sp>
+      <p:sp>
+        <p:nvSpPr>
+          <p:cNvPr id="4" name="TextBox 3">
+            <a:extLst>
+              <a:ext uri="{FF2B5EF4-FFF2-40B4-BE49-F238E27FC236}">
+                <a16:creationId xmlns:a16="http://schemas.microsoft.com/office/drawing/2014/main" id="{D5039C95-68A0-E140-A90B-3A4AC57CD2FC}"/>
+              </a:ext>
+            </a:extLst>
+          </p:cNvPr>
+          <p:cNvSpPr txBox="1"/>
+          <p:nvPr/>
+        </p:nvSpPr>
+        <p:spPr>
+          <a:xfrm>
+            <a:off x="655406" y="3024960"/>
+            <a:ext cx="8471867" cy="4154984"/>
+          </a:xfrm>
+          <a:prstGeom prst="rect">
+            <a:avLst/>
+          </a:prstGeom>
+          <a:noFill/>
+        </p:spPr>
+        <p:txBody>
+          <a:bodyPr wrap="square" rtlCol="0">
+            <a:spAutoFit/>
+          </a:bodyPr>
+          <a:lstStyle/>
+          <a:p>
+            <a:pPr marL="457200" indent="-457200">
+              <a:buFont typeface="+mj-lt"/>
+              <a:buAutoNum type="arabicPeriod"/>
+            </a:pPr>
+            <a:r>
+              <a:rPr lang="en-GB" sz="2400" b="1" dirty="0">
+                <a:solidFill>
+                  <a:schemeClr val="bg1"/>
+                </a:solidFill>
+                <a:latin typeface="Century Gothic" panose="020B0502020202020204" pitchFamily="34" charset="0"/>
+              </a:rPr>
+              <a:t>With a pencil/pen and post-it notes, you have 30 seconds to draw a “use for a pencil” (without text).</a:t>
+            </a:r>
+          </a:p>
+          <a:p>
+            <a:pPr marL="457200" indent="-457200">
+              <a:buFont typeface="+mj-lt"/>
+              <a:buAutoNum type="arabicPeriod"/>
+            </a:pPr>
+            <a:endParaRPr lang="en-GB" sz="2400" b="1" dirty="0">
+              <a:solidFill>
+                <a:schemeClr val="bg1"/>
+              </a:solidFill>
+              <a:latin typeface="Century Gothic" panose="020B0502020202020204" pitchFamily="34" charset="0"/>
+            </a:endParaRPr>
+          </a:p>
+          <a:p>
+            <a:pPr marL="457200" indent="-457200">
+              <a:buFont typeface="+mj-lt"/>
+              <a:buAutoNum type="arabicPeriod"/>
+            </a:pPr>
+            <a:r>
+              <a:rPr lang="en-GB" sz="2400" b="1" dirty="0">
+                <a:solidFill>
+                  <a:schemeClr val="bg1"/>
+                </a:solidFill>
+                <a:latin typeface="Century Gothic" panose="020B0502020202020204" pitchFamily="34" charset="0"/>
+              </a:rPr>
+              <a:t> Hand your drawing to your neighbour. </a:t>
+            </a:r>
+          </a:p>
+          <a:p>
+            <a:pPr marL="457200" indent="-457200">
+              <a:buFont typeface="+mj-lt"/>
+              <a:buAutoNum type="arabicPeriod"/>
+            </a:pPr>
+            <a:endParaRPr lang="en-GB" sz="2400" b="1" dirty="0">
+              <a:solidFill>
+                <a:schemeClr val="bg1"/>
+              </a:solidFill>
+              <a:latin typeface="Century Gothic" panose="020B0502020202020204" pitchFamily="34" charset="0"/>
+            </a:endParaRPr>
+          </a:p>
+          <a:p>
+            <a:pPr marL="457200" indent="-457200">
+              <a:buFont typeface="+mj-lt"/>
+              <a:buAutoNum type="arabicPeriod"/>
+            </a:pPr>
+            <a:r>
+              <a:rPr lang="en-GB" sz="2400" b="1" dirty="0">
+                <a:solidFill>
+                  <a:schemeClr val="bg1"/>
+                </a:solidFill>
+                <a:latin typeface="Century Gothic" panose="020B0502020202020204" pitchFamily="34" charset="0"/>
+              </a:rPr>
+              <a:t> Repeat from 1, drawing another (different) use for a pencil that is inspired by what your neighbour drew.</a:t>
+            </a:r>
+          </a:p>
+          <a:p>
+            <a:pPr marL="457200" indent="-457200">
+              <a:buFont typeface="+mj-lt"/>
+              <a:buAutoNum type="arabicPeriod"/>
+            </a:pPr>
+            <a:endParaRPr lang="en-GB" sz="2400" b="1" dirty="0">
+              <a:solidFill>
+                <a:schemeClr val="bg1"/>
+              </a:solidFill>
+              <a:latin typeface="Century Gothic" panose="020B0502020202020204" pitchFamily="34" charset="0"/>
+            </a:endParaRPr>
+          </a:p>
+          <a:p>
+            <a:pPr marL="457200" indent="-457200">
+              <a:buFont typeface="+mj-lt"/>
+              <a:buAutoNum type="arabicPeriod"/>
+            </a:pPr>
+            <a:endParaRPr lang="en-GB" sz="2400" b="1" dirty="0">
+              <a:solidFill>
+                <a:schemeClr val="bg1"/>
+              </a:solidFill>
+              <a:latin typeface="Century Gothic" panose="020B0502020202020204" pitchFamily="34" charset="0"/>
+            </a:endParaRPr>
+          </a:p>
+          <a:p>
+            <a:pPr marL="457200" indent="-457200">
+              <a:buFont typeface="+mj-lt"/>
+              <a:buAutoNum type="arabicPeriod"/>
+            </a:pPr>
+            <a:endParaRPr lang="en-US" sz="2400" b="1" dirty="0">
+              <a:solidFill>
+                <a:schemeClr val="bg1"/>
+              </a:solidFill>
+              <a:latin typeface="Century Gothic" panose="020B0502020202020204" pitchFamily="34" charset="0"/>
+            </a:endParaRPr>
+          </a:p>
+          <a:p>
+            <a:pPr marL="342900" indent="-342900">
+              <a:buFont typeface="Arial" panose="020B0604020202020204" pitchFamily="34" charset="0"/>
+              <a:buChar char="•"/>
+            </a:pPr>
+            <a:endParaRPr lang="en-US" sz="2400" b="1" dirty="0">
+              <a:solidFill>
+                <a:schemeClr val="bg1"/>
+              </a:solidFill>
+              <a:latin typeface="Century Gothic" panose="020B0502020202020204" pitchFamily="34" charset="0"/>
+            </a:endParaRPr>
           </a:p>
         </p:txBody>
       </p:sp>
     </p:spTree>
     <p:extLst>
       <p:ext uri="{BB962C8B-B14F-4D97-AF65-F5344CB8AC3E}">
-        <p14:creationId xmlns:p14="http://schemas.microsoft.com/office/powerpoint/2010/main" val="3975762606"/>
+        <p14:creationId xmlns:p14="http://schemas.microsoft.com/office/powerpoint/2010/main" val="539086944"/>
       </p:ext>
     </p:extLst>
   </p:cSld>
@@ -7848,7 +8020,7 @@
         </p:nvSpPr>
         <p:spPr>
           <a:xfrm>
-            <a:off x="789221" y="359007"/>
+            <a:off x="655406" y="2343923"/>
             <a:ext cx="7772400" cy="1362075"/>
           </a:xfrm>
         </p:spPr>
@@ -7864,192 +8036,13 @@
               <a:t>REPORTING</a:t>
             </a:r>
             <a:endParaRPr dirty="0"/>
-          </a:p>
-        </p:txBody>
-      </p:sp>
-      <p:sp>
-        <p:nvSpPr>
-          <p:cNvPr id="3" name="TextBox 2">
-            <a:extLst>
-              <a:ext uri="{FF2B5EF4-FFF2-40B4-BE49-F238E27FC236}">
-                <a16:creationId xmlns:a16="http://schemas.microsoft.com/office/drawing/2014/main" id="{E9E7D6A9-4767-694D-B7E9-FD53433EB0E6}"/>
-              </a:ext>
-            </a:extLst>
-          </p:cNvPr>
-          <p:cNvSpPr txBox="1"/>
-          <p:nvPr/>
-        </p:nvSpPr>
-        <p:spPr>
-          <a:xfrm>
-            <a:off x="439487" y="1194911"/>
-            <a:ext cx="8471867" cy="5093702"/>
-          </a:xfrm>
-          <a:prstGeom prst="rect">
-            <a:avLst/>
-          </a:prstGeom>
-          <a:noFill/>
-        </p:spPr>
-        <p:txBody>
-          <a:bodyPr wrap="square" rtlCol="0">
-            <a:spAutoFit/>
-          </a:bodyPr>
-          <a:lstStyle/>
-          <a:p>
-            <a:pPr algn="ctr"/>
-            <a:r>
-              <a:rPr lang="en-US" sz="2500" b="1" dirty="0">
-                <a:solidFill>
-                  <a:schemeClr val="bg1"/>
-                </a:solidFill>
-                <a:latin typeface="Century Gothic" panose="020B0502020202020204" pitchFamily="34" charset="0"/>
-              </a:rPr>
-              <a:t>Weeks 9-11</a:t>
-            </a:r>
-          </a:p>
-          <a:p>
-            <a:pPr algn="ctr"/>
-            <a:endParaRPr lang="en-US" sz="2500" b="1" dirty="0">
-              <a:solidFill>
-                <a:schemeClr val="bg1"/>
-              </a:solidFill>
-              <a:latin typeface="Century Gothic" panose="020B0502020202020204" pitchFamily="34" charset="0"/>
-            </a:endParaRPr>
-          </a:p>
-          <a:p>
-            <a:pPr marL="342900" indent="-342900">
-              <a:buFont typeface="Arial" panose="020B0604020202020204" pitchFamily="34" charset="0"/>
-              <a:buChar char="•"/>
-            </a:pPr>
-            <a:r>
-              <a:rPr lang="en-GB" sz="2500" b="1" dirty="0">
-                <a:solidFill>
-                  <a:schemeClr val="bg1"/>
-                </a:solidFill>
-                <a:latin typeface="Century Gothic" panose="020B0502020202020204" pitchFamily="34" charset="0"/>
-              </a:rPr>
-              <a:t>Bring it all together into a persuasive and easy-to-understand story</a:t>
-            </a:r>
-          </a:p>
-          <a:p>
-            <a:pPr marL="342900" indent="-342900">
-              <a:buFont typeface="Arial" panose="020B0604020202020204" pitchFamily="34" charset="0"/>
-              <a:buChar char="•"/>
-            </a:pPr>
-            <a:endParaRPr lang="en-GB" sz="2500" b="1" dirty="0">
-              <a:solidFill>
-                <a:schemeClr val="bg1"/>
-              </a:solidFill>
-              <a:latin typeface="Century Gothic" panose="020B0502020202020204" pitchFamily="34" charset="0"/>
-            </a:endParaRPr>
-          </a:p>
-          <a:p>
-            <a:pPr marL="342900" indent="-342900">
-              <a:buFont typeface="Arial" panose="020B0604020202020204" pitchFamily="34" charset="0"/>
-              <a:buChar char="•"/>
-            </a:pPr>
-            <a:r>
-              <a:rPr lang="en-GB" sz="2500" b="1" dirty="0">
-                <a:solidFill>
-                  <a:schemeClr val="bg1"/>
-                </a:solidFill>
-                <a:latin typeface="Century Gothic" panose="020B0502020202020204" pitchFamily="34" charset="0"/>
-              </a:rPr>
-              <a:t>What is the problem you are addressing?</a:t>
-            </a:r>
-          </a:p>
-          <a:p>
-            <a:pPr marL="342900" indent="-342900">
-              <a:buFont typeface="Arial" panose="020B0604020202020204" pitchFamily="34" charset="0"/>
-              <a:buChar char="•"/>
-            </a:pPr>
-            <a:endParaRPr lang="en-GB" sz="2500" b="1" dirty="0">
-              <a:solidFill>
-                <a:schemeClr val="bg1"/>
-              </a:solidFill>
-              <a:latin typeface="Century Gothic" panose="020B0502020202020204" pitchFamily="34" charset="0"/>
-            </a:endParaRPr>
-          </a:p>
-          <a:p>
-            <a:pPr marL="342900" indent="-342900">
-              <a:buFont typeface="Arial" panose="020B0604020202020204" pitchFamily="34" charset="0"/>
-              <a:buChar char="•"/>
-            </a:pPr>
-            <a:r>
-              <a:rPr lang="en-GB" sz="2500" b="1" dirty="0">
-                <a:solidFill>
-                  <a:schemeClr val="bg1"/>
-                </a:solidFill>
-                <a:latin typeface="Century Gothic" panose="020B0502020202020204" pitchFamily="34" charset="0"/>
-              </a:rPr>
-              <a:t>How does your design idea have the potential to solve this problem?</a:t>
-            </a:r>
-          </a:p>
-          <a:p>
-            <a:pPr marL="342900" indent="-342900">
-              <a:buFont typeface="Arial" panose="020B0604020202020204" pitchFamily="34" charset="0"/>
-              <a:buChar char="•"/>
-            </a:pPr>
-            <a:endParaRPr lang="en-GB" sz="2500" b="1" dirty="0">
-              <a:solidFill>
-                <a:schemeClr val="bg1"/>
-              </a:solidFill>
-              <a:latin typeface="Century Gothic" panose="020B0502020202020204" pitchFamily="34" charset="0"/>
-            </a:endParaRPr>
-          </a:p>
-          <a:p>
-            <a:pPr marL="342900" indent="-342900">
-              <a:buFont typeface="Arial" panose="020B0604020202020204" pitchFamily="34" charset="0"/>
-              <a:buChar char="•"/>
-            </a:pPr>
-            <a:r>
-              <a:rPr lang="en-GB" sz="2500" b="1" dirty="0">
-                <a:solidFill>
-                  <a:schemeClr val="bg1"/>
-                </a:solidFill>
-                <a:latin typeface="Century Gothic" panose="020B0502020202020204" pitchFamily="34" charset="0"/>
-              </a:rPr>
-              <a:t>What are your reasons for adopting this design?</a:t>
-            </a:r>
-          </a:p>
-          <a:p>
-            <a:pPr marL="342900" indent="-342900">
-              <a:buFont typeface="Arial" panose="020B0604020202020204" pitchFamily="34" charset="0"/>
-              <a:buChar char="•"/>
-            </a:pPr>
-            <a:endParaRPr lang="en-GB" sz="2500" b="1" dirty="0">
-              <a:solidFill>
-                <a:schemeClr val="bg1"/>
-              </a:solidFill>
-              <a:latin typeface="Century Gothic" panose="020B0502020202020204" pitchFamily="34" charset="0"/>
-            </a:endParaRPr>
-          </a:p>
-          <a:p>
-            <a:pPr marL="342900" indent="-342900">
-              <a:buFont typeface="Arial" panose="020B0604020202020204" pitchFamily="34" charset="0"/>
-              <a:buChar char="•"/>
-            </a:pPr>
-            <a:r>
-              <a:rPr lang="en-GB" sz="2500" b="1" dirty="0">
-                <a:solidFill>
-                  <a:schemeClr val="bg1"/>
-                </a:solidFill>
-                <a:latin typeface="Century Gothic" panose="020B0502020202020204" pitchFamily="34" charset="0"/>
-              </a:rPr>
-              <a:t>How have you evaluated it?</a:t>
-            </a:r>
-            <a:endParaRPr lang="en-US" sz="2500" b="1" dirty="0">
-              <a:solidFill>
-                <a:schemeClr val="bg1"/>
-              </a:solidFill>
-              <a:latin typeface="Century Gothic" panose="020B0502020202020204" pitchFamily="34" charset="0"/>
-            </a:endParaRPr>
           </a:p>
         </p:txBody>
       </p:sp>
     </p:spTree>
     <p:extLst>
       <p:ext uri="{BB962C8B-B14F-4D97-AF65-F5344CB8AC3E}">
-        <p14:creationId xmlns:p14="http://schemas.microsoft.com/office/powerpoint/2010/main" val="3999604622"/>
+        <p14:creationId xmlns:p14="http://schemas.microsoft.com/office/powerpoint/2010/main" val="3975762606"/>
       </p:ext>
     </p:extLst>
   </p:cSld>
@@ -8088,7 +8081,7 @@
         </p:nvSpPr>
         <p:spPr>
           <a:xfrm>
-            <a:off x="672133" y="403612"/>
+            <a:off x="789221" y="359007"/>
             <a:ext cx="7772400" cy="1362075"/>
           </a:xfrm>
         </p:spPr>
@@ -8099,9 +8092,6 @@
             <a:pPr marL="0" lvl="0" indent="0" algn="ctr">
               <a:buNone/>
             </a:pPr>
-            <a:br>
-              <a:rPr lang="en-GB" dirty="0"/>
-            </a:br>
             <a:r>
               <a:rPr lang="en-GB" dirty="0"/>
               <a:t>REPORTING</a:t>
@@ -8124,8 +8114,8 @@
         </p:nvSpPr>
         <p:spPr>
           <a:xfrm>
-            <a:off x="672133" y="2198521"/>
-            <a:ext cx="8471867" cy="3046988"/>
+            <a:off x="439487" y="1194911"/>
+            <a:ext cx="8471867" cy="5093702"/>
           </a:xfrm>
           <a:prstGeom prst="rect">
             <a:avLst/>
@@ -8138,26 +8128,20 @@
           </a:bodyPr>
           <a:lstStyle/>
           <a:p>
-            <a:pPr marL="457200" indent="-457200">
-              <a:buFont typeface="+mj-lt"/>
-              <a:buAutoNum type="arabicPeriod"/>
-            </a:pPr>
-            <a:r>
-              <a:rPr lang="en-GB" sz="2400" b="1" dirty="0">
-                <a:solidFill>
-                  <a:schemeClr val="bg1"/>
-                </a:solidFill>
-                <a:latin typeface="Century Gothic" panose="020B0502020202020204" pitchFamily="34" charset="0"/>
-              </a:rPr>
-              <a:t>In-class design critique and feedback session</a:t>
-            </a:r>
-          </a:p>
-          <a:p>
-            <a:pPr marL="457200" indent="-457200">
-              <a:buFont typeface="+mj-lt"/>
-              <a:buAutoNum type="arabicPeriod"/>
-            </a:pPr>
-            <a:endParaRPr lang="en-GB" sz="2400" b="1" dirty="0">
+            <a:pPr algn="ctr"/>
+            <a:r>
+              <a:rPr lang="en-US" sz="2500" b="1" dirty="0">
+                <a:solidFill>
+                  <a:schemeClr val="bg1"/>
+                </a:solidFill>
+                <a:latin typeface="Century Gothic" panose="020B0502020202020204" pitchFamily="34" charset="0"/>
+              </a:rPr>
+              <a:t>Weeks 9-11</a:t>
+            </a:r>
+          </a:p>
+          <a:p>
+            <a:pPr algn="ctr"/>
+            <a:endParaRPr lang="en-US" sz="2500" b="1" dirty="0">
               <a:solidFill>
                 <a:schemeClr val="bg1"/>
               </a:solidFill>
@@ -8165,26 +8149,26 @@
             </a:endParaRPr>
           </a:p>
           <a:p>
-            <a:pPr marL="457200" indent="-457200">
-              <a:buFont typeface="+mj-lt"/>
-              <a:buAutoNum type="arabicPeriod"/>
-            </a:pPr>
-            <a:r>
-              <a:rPr lang="en-GB" sz="2400" b="1" dirty="0">
-                <a:solidFill>
-                  <a:schemeClr val="bg1"/>
-                </a:solidFill>
-                <a:latin typeface="Century Gothic" panose="020B0502020202020204" pitchFamily="34" charset="0"/>
-              </a:rPr>
-              <a:t>End of semester group presentation — be prepared for an audience!</a:t>
-            </a:r>
-          </a:p>
-          <a:p>
-            <a:pPr marL="457200" indent="-457200">
-              <a:buFont typeface="+mj-lt"/>
-              <a:buAutoNum type="arabicPeriod"/>
-            </a:pPr>
-            <a:endParaRPr lang="en-GB" sz="2400" b="1" dirty="0">
+            <a:pPr marL="342900" indent="-342900">
+              <a:buFont typeface="Arial" panose="020B0604020202020204" pitchFamily="34" charset="0"/>
+              <a:buChar char="•"/>
+            </a:pPr>
+            <a:r>
+              <a:rPr lang="en-GB" sz="2500" b="1" dirty="0">
+                <a:solidFill>
+                  <a:schemeClr val="bg1"/>
+                </a:solidFill>
+                <a:latin typeface="Century Gothic" panose="020B0502020202020204" pitchFamily="34" charset="0"/>
+              </a:rPr>
+              <a:t>Bring it all together into a persuasive and easy-to-understand story</a:t>
+            </a:r>
+          </a:p>
+          <a:p>
+            <a:pPr marL="342900" indent="-342900">
+              <a:buFont typeface="Arial" panose="020B0604020202020204" pitchFamily="34" charset="0"/>
+              <a:buChar char="•"/>
+            </a:pPr>
+            <a:endParaRPr lang="en-GB" sz="2500" b="1" dirty="0">
               <a:solidFill>
                 <a:schemeClr val="bg1"/>
               </a:solidFill>
@@ -8192,20 +8176,26 @@
             </a:endParaRPr>
           </a:p>
           <a:p>
-            <a:pPr marL="457200" indent="-457200">
-              <a:buFont typeface="+mj-lt"/>
-              <a:buAutoNum type="arabicPeriod"/>
-            </a:pPr>
-            <a:r>
-              <a:rPr lang="en-GB" sz="2400" b="1" dirty="0">
-                <a:solidFill>
-                  <a:schemeClr val="bg1"/>
-                </a:solidFill>
-                <a:latin typeface="Century Gothic" panose="020B0502020202020204" pitchFamily="34" charset="0"/>
-              </a:rPr>
-              <a:t>Write your final report — we’ll give you more information on what’s required</a:t>
-            </a:r>
-            <a:endParaRPr lang="en-US" sz="2400" b="1" dirty="0">
+            <a:pPr marL="342900" indent="-342900">
+              <a:buFont typeface="Arial" panose="020B0604020202020204" pitchFamily="34" charset="0"/>
+              <a:buChar char="•"/>
+            </a:pPr>
+            <a:r>
+              <a:rPr lang="en-GB" sz="2500" b="1" dirty="0">
+                <a:solidFill>
+                  <a:schemeClr val="bg1"/>
+                </a:solidFill>
+                <a:latin typeface="Century Gothic" panose="020B0502020202020204" pitchFamily="34" charset="0"/>
+              </a:rPr>
+              <a:t>What is the problem you are addressing?</a:t>
+            </a:r>
+          </a:p>
+          <a:p>
+            <a:pPr marL="342900" indent="-342900">
+              <a:buFont typeface="Arial" panose="020B0604020202020204" pitchFamily="34" charset="0"/>
+              <a:buChar char="•"/>
+            </a:pPr>
+            <a:endParaRPr lang="en-GB" sz="2500" b="1" dirty="0">
               <a:solidFill>
                 <a:schemeClr val="bg1"/>
               </a:solidFill>
@@ -8217,19 +8207,82 @@
               <a:buFont typeface="Arial" panose="020B0604020202020204" pitchFamily="34" charset="0"/>
               <a:buChar char="•"/>
             </a:pPr>
-            <a:endParaRPr lang="en-US" sz="2400" b="1" dirty="0">
+            <a:r>
+              <a:rPr lang="en-GB" sz="2500" b="1" dirty="0">
+                <a:solidFill>
+                  <a:schemeClr val="bg1"/>
+                </a:solidFill>
+                <a:latin typeface="Century Gothic" panose="020B0502020202020204" pitchFamily="34" charset="0"/>
+              </a:rPr>
+              <a:t>How does your design idea have the potential to solve this problem?</a:t>
+            </a:r>
+          </a:p>
+          <a:p>
+            <a:pPr marL="342900" indent="-342900">
+              <a:buFont typeface="Arial" panose="020B0604020202020204" pitchFamily="34" charset="0"/>
+              <a:buChar char="•"/>
+            </a:pPr>
+            <a:endParaRPr lang="en-GB" sz="2500" b="1" dirty="0">
               <a:solidFill>
                 <a:schemeClr val="bg1"/>
               </a:solidFill>
               <a:latin typeface="Century Gothic" panose="020B0502020202020204" pitchFamily="34" charset="0"/>
             </a:endParaRPr>
           </a:p>
+          <a:p>
+            <a:pPr marL="342900" indent="-342900">
+              <a:buFont typeface="Arial" panose="020B0604020202020204" pitchFamily="34" charset="0"/>
+              <a:buChar char="•"/>
+            </a:pPr>
+            <a:r>
+              <a:rPr lang="en-GB" sz="2500" b="1" dirty="0">
+                <a:solidFill>
+                  <a:schemeClr val="bg1"/>
+                </a:solidFill>
+                <a:latin typeface="Century Gothic" panose="020B0502020202020204" pitchFamily="34" charset="0"/>
+              </a:rPr>
+              <a:t>What are your reasons for adopting this design?</a:t>
+            </a:r>
+          </a:p>
+          <a:p>
+            <a:pPr marL="342900" indent="-342900">
+              <a:buFont typeface="Arial" panose="020B0604020202020204" pitchFamily="34" charset="0"/>
+              <a:buChar char="•"/>
+            </a:pPr>
+            <a:endParaRPr lang="en-GB" sz="2500" b="1" dirty="0">
+              <a:solidFill>
+                <a:schemeClr val="bg1"/>
+              </a:solidFill>
+              <a:latin typeface="Century Gothic" panose="020B0502020202020204" pitchFamily="34" charset="0"/>
+            </a:endParaRPr>
+          </a:p>
+          <a:p>
+            <a:pPr marL="342900" indent="-342900">
+              <a:buFont typeface="Arial" panose="020B0604020202020204" pitchFamily="34" charset="0"/>
+              <a:buChar char="•"/>
+            </a:pPr>
+            <a:r>
+              <a:rPr lang="en-GB" sz="2500" b="1" dirty="0">
+                <a:solidFill>
+                  <a:schemeClr val="bg1"/>
+                </a:solidFill>
+                <a:latin typeface="Century Gothic" panose="020B0502020202020204" pitchFamily="34" charset="0"/>
+              </a:rPr>
+              <a:t>How have you evaluated it?</a:t>
+            </a:r>
+            <a:endParaRPr lang="en-US" sz="2500" b="1" dirty="0">
+              <a:solidFill>
+                <a:schemeClr val="bg1"/>
+              </a:solidFill>
+              <a:latin typeface="Century Gothic" panose="020B0502020202020204" pitchFamily="34" charset="0"/>
+            </a:endParaRPr>
+          </a:p>
         </p:txBody>
       </p:sp>
     </p:spTree>
     <p:extLst>
       <p:ext uri="{BB962C8B-B14F-4D97-AF65-F5344CB8AC3E}">
-        <p14:creationId xmlns:p14="http://schemas.microsoft.com/office/powerpoint/2010/main" val="2704710219"/>
+        <p14:creationId xmlns:p14="http://schemas.microsoft.com/office/powerpoint/2010/main" val="3999604622"/>
       </p:ext>
     </p:extLst>
   </p:cSld>
@@ -8268,7 +8321,7 @@
         </p:nvSpPr>
         <p:spPr>
           <a:xfrm>
-            <a:off x="627528" y="860812"/>
+            <a:off x="672133" y="403612"/>
             <a:ext cx="7772400" cy="1362075"/>
           </a:xfrm>
         </p:spPr>
@@ -8284,46 +8337,132 @@
             </a:br>
             <a:r>
               <a:rPr lang="en-GB" dirty="0"/>
-              <a:t>assessment</a:t>
+              <a:t>REPORTING</a:t>
             </a:r>
             <a:endParaRPr dirty="0"/>
           </a:p>
         </p:txBody>
       </p:sp>
-      <p:pic>
-        <p:nvPicPr>
-          <p:cNvPr id="7" name="Picture 6">
+      <p:sp>
+        <p:nvSpPr>
+          <p:cNvPr id="3" name="TextBox 2">
             <a:extLst>
               <a:ext uri="{FF2B5EF4-FFF2-40B4-BE49-F238E27FC236}">
-                <a16:creationId xmlns:a16="http://schemas.microsoft.com/office/drawing/2014/main" id="{5C73770C-9036-2D47-91B6-4022B50D0DB7}"/>
+                <a16:creationId xmlns:a16="http://schemas.microsoft.com/office/drawing/2014/main" id="{E9E7D6A9-4767-694D-B7E9-FD53433EB0E6}"/>
               </a:ext>
             </a:extLst>
           </p:cNvPr>
-          <p:cNvPicPr>
-            <a:picLocks noChangeAspect="1"/>
-          </p:cNvPicPr>
+          <p:cNvSpPr txBox="1"/>
           <p:nvPr/>
-        </p:nvPicPr>
-        <p:blipFill>
-          <a:blip r:embed="rId3"/>
-          <a:stretch>
-            <a:fillRect/>
-          </a:stretch>
-        </p:blipFill>
-        <p:spPr>
-          <a:xfrm>
-            <a:off x="254783" y="2917283"/>
-            <a:ext cx="8517890" cy="2413000"/>
+        </p:nvSpPr>
+        <p:spPr>
+          <a:xfrm>
+            <a:off x="672133" y="2198521"/>
+            <a:ext cx="8471867" cy="3046988"/>
           </a:xfrm>
           <a:prstGeom prst="rect">
             <a:avLst/>
           </a:prstGeom>
-        </p:spPr>
-      </p:pic>
+          <a:noFill/>
+        </p:spPr>
+        <p:txBody>
+          <a:bodyPr wrap="square" rtlCol="0">
+            <a:spAutoFit/>
+          </a:bodyPr>
+          <a:lstStyle/>
+          <a:p>
+            <a:pPr marL="457200" indent="-457200">
+              <a:buFont typeface="+mj-lt"/>
+              <a:buAutoNum type="arabicPeriod"/>
+            </a:pPr>
+            <a:r>
+              <a:rPr lang="en-GB" sz="2400" b="1" dirty="0">
+                <a:solidFill>
+                  <a:schemeClr val="bg1"/>
+                </a:solidFill>
+                <a:latin typeface="Century Gothic" panose="020B0502020202020204" pitchFamily="34" charset="0"/>
+              </a:rPr>
+              <a:t>In-class design critique and feedback session</a:t>
+            </a:r>
+          </a:p>
+          <a:p>
+            <a:pPr marL="457200" indent="-457200">
+              <a:buFont typeface="+mj-lt"/>
+              <a:buAutoNum type="arabicPeriod"/>
+            </a:pPr>
+            <a:endParaRPr lang="en-GB" sz="2400" b="1" dirty="0">
+              <a:solidFill>
+                <a:schemeClr val="bg1"/>
+              </a:solidFill>
+              <a:latin typeface="Century Gothic" panose="020B0502020202020204" pitchFamily="34" charset="0"/>
+            </a:endParaRPr>
+          </a:p>
+          <a:p>
+            <a:pPr marL="457200" indent="-457200">
+              <a:buFont typeface="+mj-lt"/>
+              <a:buAutoNum type="arabicPeriod"/>
+            </a:pPr>
+            <a:r>
+              <a:rPr lang="en-GB" sz="2400" b="1" dirty="0">
+                <a:solidFill>
+                  <a:schemeClr val="bg1"/>
+                </a:solidFill>
+                <a:latin typeface="Century Gothic" panose="020B0502020202020204" pitchFamily="34" charset="0"/>
+              </a:rPr>
+              <a:t>End of semester group presentation — be prepared for an audience!</a:t>
+            </a:r>
+          </a:p>
+          <a:p>
+            <a:pPr marL="457200" indent="-457200">
+              <a:buFont typeface="+mj-lt"/>
+              <a:buAutoNum type="arabicPeriod"/>
+            </a:pPr>
+            <a:endParaRPr lang="en-GB" sz="2400" b="1" dirty="0">
+              <a:solidFill>
+                <a:schemeClr val="bg1"/>
+              </a:solidFill>
+              <a:latin typeface="Century Gothic" panose="020B0502020202020204" pitchFamily="34" charset="0"/>
+            </a:endParaRPr>
+          </a:p>
+          <a:p>
+            <a:pPr marL="457200" indent="-457200">
+              <a:buFont typeface="+mj-lt"/>
+              <a:buAutoNum type="arabicPeriod"/>
+            </a:pPr>
+            <a:r>
+              <a:rPr lang="en-GB" sz="2400" b="1" dirty="0">
+                <a:solidFill>
+                  <a:schemeClr val="bg1"/>
+                </a:solidFill>
+                <a:latin typeface="Century Gothic" panose="020B0502020202020204" pitchFamily="34" charset="0"/>
+              </a:rPr>
+              <a:t>Write your final report — we’ll give you more information on what’s required</a:t>
+            </a:r>
+            <a:endParaRPr lang="en-US" sz="2400" b="1" dirty="0">
+              <a:solidFill>
+                <a:schemeClr val="bg1"/>
+              </a:solidFill>
+              <a:latin typeface="Century Gothic" panose="020B0502020202020204" pitchFamily="34" charset="0"/>
+            </a:endParaRPr>
+          </a:p>
+          <a:p>
+            <a:pPr marL="342900" indent="-342900">
+              <a:buFont typeface="Arial" panose="020B0604020202020204" pitchFamily="34" charset="0"/>
+              <a:buChar char="•"/>
+            </a:pPr>
+            <a:endParaRPr lang="en-US" sz="2400" b="1" dirty="0">
+              <a:solidFill>
+                <a:schemeClr val="bg1"/>
+              </a:solidFill>
+              <a:latin typeface="Century Gothic" panose="020B0502020202020204" pitchFamily="34" charset="0"/>
+            </a:endParaRPr>
+          </a:p>
+        </p:txBody>
+      </p:sp>
     </p:spTree>
     <p:extLst>
       <p:ext uri="{BB962C8B-B14F-4D97-AF65-F5344CB8AC3E}">
-        <p14:creationId xmlns:p14="http://schemas.microsoft.com/office/powerpoint/2010/main" val="3804104323"/>
+        <p14:creationId xmlns:p14="http://schemas.microsoft.com/office/powerpoint/2010/main" val="2704710219"/>
       </p:ext>
     </p:extLst>
   </p:cSld>
@@ -8362,7 +8501,7 @@
         </p:nvSpPr>
         <p:spPr>
           <a:xfrm>
-            <a:off x="638680" y="1416056"/>
+            <a:off x="627528" y="860812"/>
             <a:ext cx="7772400" cy="1362075"/>
           </a:xfrm>
         </p:spPr>
@@ -8373,170 +8512,51 @@
             <a:pPr marL="0" lvl="0" indent="0" algn="ctr">
               <a:buNone/>
             </a:pPr>
-            <a:r>
+            <a:br>
               <a:rPr lang="en-GB" dirty="0"/>
-              <a:t>NEXT CLASS</a:t>
+            </a:br>
+            <a:r>
+              <a:rPr lang="en-GB" dirty="0"/>
+              <a:t>assessment</a:t>
             </a:r>
             <a:endParaRPr dirty="0"/>
           </a:p>
         </p:txBody>
       </p:sp>
-      <p:sp>
-        <p:nvSpPr>
-          <p:cNvPr id="3" name="TextBox 2">
+      <p:pic>
+        <p:nvPicPr>
+          <p:cNvPr id="7" name="Picture 6">
             <a:extLst>
               <a:ext uri="{FF2B5EF4-FFF2-40B4-BE49-F238E27FC236}">
-                <a16:creationId xmlns:a16="http://schemas.microsoft.com/office/drawing/2014/main" id="{7D10510A-F068-7945-BF26-669276BE56F3}"/>
+                <a16:creationId xmlns:a16="http://schemas.microsoft.com/office/drawing/2014/main" id="{5C73770C-9036-2D47-91B6-4022B50D0DB7}"/>
               </a:ext>
             </a:extLst>
           </p:cNvPr>
-          <p:cNvSpPr txBox="1"/>
+          <p:cNvPicPr>
+            <a:picLocks noChangeAspect="1"/>
+          </p:cNvPicPr>
           <p:nvPr/>
-        </p:nvSpPr>
-        <p:spPr>
-          <a:xfrm>
-            <a:off x="638680" y="2963992"/>
-            <a:ext cx="8471867" cy="3046988"/>
+        </p:nvPicPr>
+        <p:blipFill>
+          <a:blip r:embed="rId3"/>
+          <a:stretch>
+            <a:fillRect/>
+          </a:stretch>
+        </p:blipFill>
+        <p:spPr>
+          <a:xfrm>
+            <a:off x="254783" y="2917283"/>
+            <a:ext cx="8517890" cy="2413000"/>
           </a:xfrm>
           <a:prstGeom prst="rect">
             <a:avLst/>
           </a:prstGeom>
-          <a:noFill/>
-        </p:spPr>
-        <p:txBody>
-          <a:bodyPr wrap="square" rtlCol="0">
-            <a:spAutoFit/>
-          </a:bodyPr>
-          <a:lstStyle/>
-          <a:p>
-            <a:pPr marL="457200" indent="-457200">
-              <a:buFont typeface="+mj-lt"/>
-              <a:buAutoNum type="arabicPeriod"/>
-            </a:pPr>
-            <a:r>
-              <a:rPr lang="en-GB" sz="2400" b="1" dirty="0">
-                <a:solidFill>
-                  <a:schemeClr val="bg1"/>
-                </a:solidFill>
-                <a:latin typeface="Century Gothic" panose="020B0502020202020204" pitchFamily="34" charset="0"/>
-              </a:rPr>
-              <a:t>9:00 – 10:50</a:t>
-            </a:r>
-          </a:p>
-          <a:p>
-            <a:pPr marL="457200" indent="-457200">
-              <a:buFont typeface="+mj-lt"/>
-              <a:buAutoNum type="arabicPeriod"/>
-            </a:pPr>
-            <a:endParaRPr lang="en-GB" sz="2400" b="1" dirty="0">
-              <a:solidFill>
-                <a:schemeClr val="bg1"/>
-              </a:solidFill>
-              <a:latin typeface="Century Gothic" panose="020B0502020202020204" pitchFamily="34" charset="0"/>
-            </a:endParaRPr>
-          </a:p>
-          <a:p>
-            <a:pPr marL="457200" indent="-457200">
-              <a:buFont typeface="+mj-lt"/>
-              <a:buAutoNum type="arabicPeriod"/>
-            </a:pPr>
-            <a:r>
-              <a:rPr lang="en-GB" sz="2400" b="1" dirty="0">
-                <a:solidFill>
-                  <a:schemeClr val="bg1"/>
-                </a:solidFill>
-                <a:latin typeface="Century Gothic" panose="020B0502020202020204" pitchFamily="34" charset="0"/>
-              </a:rPr>
-              <a:t>Medical School 01M.469 Room 12, Doorway 3</a:t>
-            </a:r>
-          </a:p>
-          <a:p>
-            <a:pPr marL="457200" indent="-457200">
-              <a:buFont typeface="+mj-lt"/>
-              <a:buAutoNum type="arabicPeriod"/>
-            </a:pPr>
-            <a:endParaRPr lang="en-GB" sz="2400" b="1" dirty="0">
-              <a:solidFill>
-                <a:schemeClr val="bg1"/>
-              </a:solidFill>
-              <a:latin typeface="Century Gothic" panose="020B0502020202020204" pitchFamily="34" charset="0"/>
-            </a:endParaRPr>
-          </a:p>
-          <a:p>
-            <a:pPr marL="457200" indent="-457200">
-              <a:buFont typeface="+mj-lt"/>
-              <a:buAutoNum type="arabicPeriod"/>
-            </a:pPr>
-            <a:r>
-              <a:rPr lang="en-GB" sz="2400" b="1" dirty="0">
-                <a:solidFill>
-                  <a:schemeClr val="bg1"/>
-                </a:solidFill>
-                <a:latin typeface="Century Gothic" panose="020B0502020202020204" pitchFamily="34" charset="0"/>
-              </a:rPr>
-              <a:t>Guest lecturers: Katharine </a:t>
-            </a:r>
-            <a:r>
-              <a:rPr lang="en-GB" sz="2400" b="1" dirty="0" err="1">
-                <a:solidFill>
-                  <a:schemeClr val="bg1"/>
-                </a:solidFill>
-                <a:latin typeface="Century Gothic" panose="020B0502020202020204" pitchFamily="34" charset="0"/>
-              </a:rPr>
-              <a:t>Bouchaar</a:t>
-            </a:r>
-            <a:r>
-              <a:rPr lang="en-GB" sz="2400" b="1" dirty="0">
-                <a:solidFill>
-                  <a:schemeClr val="bg1"/>
-                </a:solidFill>
-                <a:latin typeface="Century Gothic" panose="020B0502020202020204" pitchFamily="34" charset="0"/>
-              </a:rPr>
-              <a:t> and Mike </a:t>
-            </a:r>
-            <a:r>
-              <a:rPr lang="en-GB" sz="2400" b="1" dirty="0" err="1">
-                <a:solidFill>
-                  <a:schemeClr val="bg1"/>
-                </a:solidFill>
-                <a:latin typeface="Century Gothic" panose="020B0502020202020204" pitchFamily="34" charset="0"/>
-              </a:rPr>
-              <a:t>Wignall</a:t>
-            </a:r>
-            <a:r>
-              <a:rPr lang="en-GB" sz="2400" b="1" dirty="0">
-                <a:solidFill>
-                  <a:schemeClr val="bg1"/>
-                </a:solidFill>
-                <a:latin typeface="Century Gothic" panose="020B0502020202020204" pitchFamily="34" charset="0"/>
-              </a:rPr>
-              <a:t> from Transition Edinburgh &amp; Evan Morgan from The Edinburgh Forge</a:t>
-            </a:r>
-            <a:endParaRPr lang="en-US" sz="2400" b="1" dirty="0">
-              <a:solidFill>
-                <a:schemeClr val="bg1"/>
-              </a:solidFill>
-              <a:latin typeface="Century Gothic" panose="020B0502020202020204" pitchFamily="34" charset="0"/>
-            </a:endParaRPr>
-          </a:p>
-          <a:p>
-            <a:pPr marL="342900" indent="-342900">
-              <a:buFont typeface="Arial" panose="020B0604020202020204" pitchFamily="34" charset="0"/>
-              <a:buChar char="•"/>
-            </a:pPr>
-            <a:endParaRPr lang="en-US" sz="2400" b="1" dirty="0">
-              <a:solidFill>
-                <a:schemeClr val="bg1"/>
-              </a:solidFill>
-              <a:latin typeface="Century Gothic" panose="020B0502020202020204" pitchFamily="34" charset="0"/>
-            </a:endParaRPr>
-          </a:p>
-        </p:txBody>
-      </p:sp>
+        </p:spPr>
+      </p:pic>
     </p:spTree>
     <p:extLst>
       <p:ext uri="{BB962C8B-B14F-4D97-AF65-F5344CB8AC3E}">
-        <p14:creationId xmlns:p14="http://schemas.microsoft.com/office/powerpoint/2010/main" val="3548199027"/>
+        <p14:creationId xmlns:p14="http://schemas.microsoft.com/office/powerpoint/2010/main" val="3804104323"/>
       </p:ext>
     </p:extLst>
   </p:cSld>
@@ -8575,6 +8595,219 @@
         </p:nvSpPr>
         <p:spPr>
           <a:xfrm>
+            <a:off x="638680" y="1416056"/>
+            <a:ext cx="7772400" cy="1362075"/>
+          </a:xfrm>
+        </p:spPr>
+        <p:txBody>
+          <a:bodyPr/>
+          <a:lstStyle/>
+          <a:p>
+            <a:pPr marL="0" lvl="0" indent="0" algn="ctr">
+              <a:buNone/>
+            </a:pPr>
+            <a:r>
+              <a:rPr lang="en-GB" dirty="0"/>
+              <a:t>NEXT CLASS</a:t>
+            </a:r>
+            <a:endParaRPr dirty="0"/>
+          </a:p>
+        </p:txBody>
+      </p:sp>
+      <p:sp>
+        <p:nvSpPr>
+          <p:cNvPr id="3" name="TextBox 2">
+            <a:extLst>
+              <a:ext uri="{FF2B5EF4-FFF2-40B4-BE49-F238E27FC236}">
+                <a16:creationId xmlns:a16="http://schemas.microsoft.com/office/drawing/2014/main" id="{7D10510A-F068-7945-BF26-669276BE56F3}"/>
+              </a:ext>
+            </a:extLst>
+          </p:cNvPr>
+          <p:cNvSpPr txBox="1"/>
+          <p:nvPr/>
+        </p:nvSpPr>
+        <p:spPr>
+          <a:xfrm>
+            <a:off x="638680" y="2963992"/>
+            <a:ext cx="8471867" cy="3046988"/>
+          </a:xfrm>
+          <a:prstGeom prst="rect">
+            <a:avLst/>
+          </a:prstGeom>
+          <a:noFill/>
+        </p:spPr>
+        <p:txBody>
+          <a:bodyPr wrap="square" rtlCol="0">
+            <a:spAutoFit/>
+          </a:bodyPr>
+          <a:lstStyle/>
+          <a:p>
+            <a:pPr marL="457200" indent="-457200">
+              <a:buFont typeface="+mj-lt"/>
+              <a:buAutoNum type="arabicPeriod"/>
+            </a:pPr>
+            <a:r>
+              <a:rPr lang="en-GB" sz="2400" b="1" dirty="0">
+                <a:solidFill>
+                  <a:schemeClr val="bg1"/>
+                </a:solidFill>
+                <a:latin typeface="Century Gothic" panose="020B0502020202020204" pitchFamily="34" charset="0"/>
+              </a:rPr>
+              <a:t>9:00 – 10:50</a:t>
+            </a:r>
+          </a:p>
+          <a:p>
+            <a:pPr marL="457200" indent="-457200">
+              <a:buFont typeface="+mj-lt"/>
+              <a:buAutoNum type="arabicPeriod"/>
+            </a:pPr>
+            <a:endParaRPr lang="en-GB" sz="2400" b="1" dirty="0">
+              <a:solidFill>
+                <a:schemeClr val="bg1"/>
+              </a:solidFill>
+              <a:latin typeface="Century Gothic" panose="020B0502020202020204" pitchFamily="34" charset="0"/>
+            </a:endParaRPr>
+          </a:p>
+          <a:p>
+            <a:pPr marL="457200" indent="-457200">
+              <a:buFont typeface="+mj-lt"/>
+              <a:buAutoNum type="arabicPeriod"/>
+            </a:pPr>
+            <a:r>
+              <a:rPr lang="en-GB" sz="2400" b="1" dirty="0">
+                <a:solidFill>
+                  <a:schemeClr val="bg1"/>
+                </a:solidFill>
+                <a:latin typeface="Century Gothic" panose="020B0502020202020204" pitchFamily="34" charset="0"/>
+              </a:rPr>
+              <a:t>Medical School 01M.469 Room 12, Doorway 3</a:t>
+            </a:r>
+          </a:p>
+          <a:p>
+            <a:pPr marL="457200" indent="-457200">
+              <a:buFont typeface="+mj-lt"/>
+              <a:buAutoNum type="arabicPeriod"/>
+            </a:pPr>
+            <a:endParaRPr lang="en-GB" sz="2400" b="1" dirty="0">
+              <a:solidFill>
+                <a:schemeClr val="bg1"/>
+              </a:solidFill>
+              <a:latin typeface="Century Gothic" panose="020B0502020202020204" pitchFamily="34" charset="0"/>
+            </a:endParaRPr>
+          </a:p>
+          <a:p>
+            <a:pPr marL="457200" indent="-457200">
+              <a:buFont typeface="+mj-lt"/>
+              <a:buAutoNum type="arabicPeriod"/>
+            </a:pPr>
+            <a:r>
+              <a:rPr lang="en-GB" sz="2400" b="1" dirty="0">
+                <a:solidFill>
+                  <a:schemeClr val="bg1"/>
+                </a:solidFill>
+                <a:latin typeface="Century Gothic" panose="020B0502020202020204" pitchFamily="34" charset="0"/>
+              </a:rPr>
+              <a:t>Guest lecturers: Katharine </a:t>
+            </a:r>
+            <a:r>
+              <a:rPr lang="en-GB" sz="2400" b="1" dirty="0" err="1">
+                <a:solidFill>
+                  <a:schemeClr val="bg1"/>
+                </a:solidFill>
+                <a:latin typeface="Century Gothic" panose="020B0502020202020204" pitchFamily="34" charset="0"/>
+              </a:rPr>
+              <a:t>Bouchaar</a:t>
+            </a:r>
+            <a:r>
+              <a:rPr lang="en-GB" sz="2400" b="1" dirty="0">
+                <a:solidFill>
+                  <a:schemeClr val="bg1"/>
+                </a:solidFill>
+                <a:latin typeface="Century Gothic" panose="020B0502020202020204" pitchFamily="34" charset="0"/>
+              </a:rPr>
+              <a:t> and Mike </a:t>
+            </a:r>
+            <a:r>
+              <a:rPr lang="en-GB" sz="2400" b="1" dirty="0" err="1">
+                <a:solidFill>
+                  <a:schemeClr val="bg1"/>
+                </a:solidFill>
+                <a:latin typeface="Century Gothic" panose="020B0502020202020204" pitchFamily="34" charset="0"/>
+              </a:rPr>
+              <a:t>Wignall</a:t>
+            </a:r>
+            <a:r>
+              <a:rPr lang="en-GB" sz="2400" b="1" dirty="0">
+                <a:solidFill>
+                  <a:schemeClr val="bg1"/>
+                </a:solidFill>
+                <a:latin typeface="Century Gothic" panose="020B0502020202020204" pitchFamily="34" charset="0"/>
+              </a:rPr>
+              <a:t> from Transition Edinburgh &amp; Evan Morgan from The Edinburgh Forge</a:t>
+            </a:r>
+            <a:endParaRPr lang="en-US" sz="2400" b="1" dirty="0">
+              <a:solidFill>
+                <a:schemeClr val="bg1"/>
+              </a:solidFill>
+              <a:latin typeface="Century Gothic" panose="020B0502020202020204" pitchFamily="34" charset="0"/>
+            </a:endParaRPr>
+          </a:p>
+          <a:p>
+            <a:pPr marL="342900" indent="-342900">
+              <a:buFont typeface="Arial" panose="020B0604020202020204" pitchFamily="34" charset="0"/>
+              <a:buChar char="•"/>
+            </a:pPr>
+            <a:endParaRPr lang="en-US" sz="2400" b="1" dirty="0">
+              <a:solidFill>
+                <a:schemeClr val="bg1"/>
+              </a:solidFill>
+              <a:latin typeface="Century Gothic" panose="020B0502020202020204" pitchFamily="34" charset="0"/>
+            </a:endParaRPr>
+          </a:p>
+        </p:txBody>
+      </p:sp>
+    </p:spTree>
+    <p:extLst>
+      <p:ext uri="{BB962C8B-B14F-4D97-AF65-F5344CB8AC3E}">
+        <p14:creationId xmlns:p14="http://schemas.microsoft.com/office/powerpoint/2010/main" val="3548199027"/>
+      </p:ext>
+    </p:extLst>
+  </p:cSld>
+  <p:clrMapOvr>
+    <a:masterClrMapping/>
+  </p:clrMapOvr>
+</p:sld>
+</file>
+
+<file path=ppt/slides/slide36.xml><?xml version="1.0" encoding="utf-8"?>
+<p:sld xmlns:a="http://schemas.openxmlformats.org/drawingml/2006/main" xmlns:r="http://schemas.openxmlformats.org/officeDocument/2006/relationships" xmlns:p="http://schemas.openxmlformats.org/presentationml/2006/main">
+  <p:cSld>
+    <p:spTree>
+      <p:nvGrpSpPr>
+        <p:cNvPr id="1" name=""/>
+        <p:cNvGrpSpPr/>
+        <p:nvPr/>
+      </p:nvGrpSpPr>
+      <p:grpSpPr>
+        <a:xfrm>
+          <a:off x="0" y="0"/>
+          <a:ext cx="0" cy="0"/>
+          <a:chOff x="0" y="0"/>
+          <a:chExt cx="0" cy="0"/>
+        </a:xfrm>
+      </p:grpSpPr>
+      <p:sp>
+        <p:nvSpPr>
+          <p:cNvPr id="2" name="Title 1"/>
+          <p:cNvSpPr>
+            <a:spLocks noGrp="1"/>
+          </p:cNvSpPr>
+          <p:nvPr>
+            <p:ph type="title"/>
+          </p:nvPr>
+        </p:nvSpPr>
+        <p:spPr>
+          <a:xfrm>
             <a:off x="672133" y="403612"/>
             <a:ext cx="7772400" cy="1362075"/>
           </a:xfrm>
@@ -8780,7 +9013,7 @@
 </p:sld>
 </file>
 
-<file path=ppt/slides/slide36.xml><?xml version="1.0" encoding="utf-8"?>
+<file path=ppt/slides/slide37.xml><?xml version="1.0" encoding="utf-8"?>
 <p:sld xmlns:a="http://schemas.openxmlformats.org/drawingml/2006/main" xmlns:r="http://schemas.openxmlformats.org/officeDocument/2006/relationships" xmlns:p="http://schemas.openxmlformats.org/presentationml/2006/main">
   <p:cSld>
     <p:spTree>
@@ -9788,7 +10021,7 @@
         </p:nvSpPr>
         <p:spPr>
           <a:xfrm>
-            <a:off x="582464" y="1082787"/>
+            <a:off x="596574" y="325141"/>
             <a:ext cx="7772400" cy="1362075"/>
           </a:xfrm>
         </p:spPr>
@@ -9801,7 +10034,7 @@
             <a:pPr algn="ctr" fontAlgn="base"/>
             <a:r>
               <a:rPr lang="en-GB" dirty="0"/>
-              <a:t>teams</a:t>
+              <a:t>Local initiatives</a:t>
             </a:r>
             <a:endParaRPr lang="en-GB" b="0" dirty="0"/>
           </a:p>
@@ -9821,8 +10054,8 @@
         </p:nvSpPr>
         <p:spPr>
           <a:xfrm>
-            <a:off x="969736" y="760057"/>
-            <a:ext cx="7679412" cy="4893647"/>
+            <a:off x="819130" y="464803"/>
+            <a:ext cx="7772400" cy="6294031"/>
           </a:xfrm>
           <a:prstGeom prst="rect">
             <a:avLst/>
@@ -9836,7 +10069,7 @@
           <a:lstStyle/>
           <a:p>
             <a:r>
-              <a:rPr lang="en-GB" sz="2400" b="1" dirty="0">
+              <a:rPr lang="en-GB" sz="2300" dirty="0">
                 <a:solidFill>
                   <a:schemeClr val="bg1"/>
                 </a:solidFill>
@@ -9845,14 +10078,14 @@
               <a:t> </a:t>
             </a:r>
             <a:br>
-              <a:rPr lang="en-GB" sz="2400" b="1" dirty="0">
+              <a:rPr lang="en-GB" sz="2300" b="1" dirty="0">
                 <a:solidFill>
                   <a:schemeClr val="bg1"/>
                 </a:solidFill>
                 <a:latin typeface="Century Gothic" panose="020B0502020202020204" pitchFamily="34" charset="0"/>
               </a:rPr>
             </a:br>
-            <a:endParaRPr lang="en-GB" sz="2400" b="1" dirty="0">
+            <a:endParaRPr lang="en-GB" sz="2300" b="1" dirty="0">
               <a:solidFill>
                 <a:schemeClr val="bg1"/>
               </a:solidFill>
@@ -9862,18 +10095,24 @@
           <a:p>
             <a:pPr fontAlgn="base"/>
             <a:r>
-              <a:rPr lang="en-GB" sz="2400" b="1" dirty="0">
-                <a:solidFill>
-                  <a:schemeClr val="bg1"/>
-                </a:solidFill>
-                <a:latin typeface="Century Gothic" panose="020B0502020202020204" pitchFamily="34" charset="0"/>
-              </a:rPr>
-              <a:t> </a:t>
-            </a:r>
-          </a:p>
-          <a:p>
-            <a:pPr fontAlgn="base"/>
-            <a:endParaRPr lang="en-GB" sz="2400" b="1" dirty="0">
+              <a:rPr lang="en-GB" sz="2300" b="1" dirty="0">
+                <a:solidFill>
+                  <a:schemeClr val="bg1"/>
+                </a:solidFill>
+                <a:latin typeface="Century Gothic" panose="020B0502020202020204" pitchFamily="34" charset="0"/>
+              </a:rPr>
+              <a:t>You could work with several local efforts to research the feasibility of your design. </a:t>
+            </a:r>
+            <a:r>
+              <a:rPr lang="en-GB" sz="2300" b="1">
+                <a:solidFill>
+                  <a:schemeClr val="bg1"/>
+                </a:solidFill>
+                <a:latin typeface="Century Gothic" panose="020B0502020202020204" pitchFamily="34" charset="0"/>
+              </a:rPr>
+              <a:t>Here are a few:</a:t>
+            </a:r>
+            <a:endParaRPr lang="en-GB" sz="2300" b="1" dirty="0">
               <a:solidFill>
                 <a:schemeClr val="bg1"/>
               </a:solidFill>
@@ -9881,26 +10120,8 @@
             </a:endParaRPr>
           </a:p>
           <a:p>
-            <a:pPr marL="285750" lvl="0" indent="-285750">
-              <a:buFont typeface="Arial" panose="020B0604020202020204" pitchFamily="34" charset="0"/>
-              <a:buChar char="•"/>
-            </a:pPr>
-            <a:r>
-              <a:rPr lang="en-GB" sz="2400" b="1" dirty="0">
-                <a:solidFill>
-                  <a:schemeClr val="bg1"/>
-                </a:solidFill>
-                <a:latin typeface="Century Gothic" panose="020B0502020202020204" pitchFamily="34" charset="0"/>
-              </a:rPr>
-              <a:t>We will assign you to teams next week — these will stay the same till the end of the course</a:t>
-            </a:r>
-          </a:p>
-          <a:p>
-            <a:pPr marL="285750" lvl="0" indent="-285750">
-              <a:buFont typeface="Arial" panose="020B0604020202020204" pitchFamily="34" charset="0"/>
-              <a:buChar char="•"/>
-            </a:pPr>
-            <a:endParaRPr lang="en-GB" sz="2400" b="1" dirty="0">
+            <a:pPr fontAlgn="base"/>
+            <a:endParaRPr lang="en-GB" sz="2300" b="1" dirty="0">
               <a:solidFill>
                 <a:schemeClr val="bg1"/>
               </a:solidFill>
@@ -9913,13 +10134,13 @@
               <a:buChar char="•"/>
             </a:pPr>
             <a:r>
-              <a:rPr lang="en-GB" sz="2400" b="1" dirty="0">
-                <a:solidFill>
-                  <a:schemeClr val="bg1"/>
-                </a:solidFill>
-                <a:latin typeface="Century Gothic" panose="020B0502020202020204" pitchFamily="34" charset="0"/>
-              </a:rPr>
-              <a:t>4-5 people to a team</a:t>
+              <a:rPr lang="en-GB" b="1" dirty="0">
+                <a:solidFill>
+                  <a:schemeClr val="bg1"/>
+                </a:solidFill>
+                <a:latin typeface="Century Gothic" panose="020B0502020202020204" pitchFamily="34" charset="0"/>
+              </a:rPr>
+              <a:t>The Edinburgh Forge</a:t>
             </a:r>
           </a:p>
           <a:p>
@@ -9927,7 +10148,7 @@
               <a:buFont typeface="Arial" panose="020B0604020202020204" pitchFamily="34" charset="0"/>
               <a:buChar char="•"/>
             </a:pPr>
-            <a:endParaRPr lang="en-GB" sz="2400" b="1" dirty="0">
+            <a:endParaRPr lang="en-GB" dirty="0">
               <a:solidFill>
                 <a:schemeClr val="bg1"/>
               </a:solidFill>
@@ -9940,13 +10161,13 @@
               <a:buChar char="•"/>
             </a:pPr>
             <a:r>
-              <a:rPr lang="en-GB" sz="2400" b="1" dirty="0">
-                <a:solidFill>
-                  <a:schemeClr val="bg1"/>
-                </a:solidFill>
-                <a:latin typeface="Century Gothic" panose="020B0502020202020204" pitchFamily="34" charset="0"/>
-              </a:rPr>
-              <a:t>Some will probably have an easier time than others</a:t>
+              <a:rPr lang="en-GB" b="1" dirty="0">
+                <a:solidFill>
+                  <a:schemeClr val="bg1"/>
+                </a:solidFill>
+                <a:latin typeface="Century Gothic" panose="020B0502020202020204" pitchFamily="34" charset="0"/>
+              </a:rPr>
+              <a:t>The Shrub</a:t>
             </a:r>
           </a:p>
           <a:p>
@@ -9954,7 +10175,7 @@
               <a:buFont typeface="Arial" panose="020B0604020202020204" pitchFamily="34" charset="0"/>
               <a:buChar char="•"/>
             </a:pPr>
-            <a:endParaRPr lang="en-GB" sz="2400" b="1" dirty="0">
+            <a:endParaRPr lang="en-GB" b="1" dirty="0">
               <a:solidFill>
                 <a:schemeClr val="bg1"/>
               </a:solidFill>
@@ -9967,21 +10188,177 @@
               <a:buChar char="•"/>
             </a:pPr>
             <a:r>
-              <a:rPr lang="en-GB" sz="2400" b="1" dirty="0">
-                <a:solidFill>
-                  <a:schemeClr val="bg1"/>
-                </a:solidFill>
-                <a:latin typeface="Century Gothic" panose="020B0502020202020204" pitchFamily="34" charset="0"/>
-              </a:rPr>
-              <a:t>Each team will get a mentor / facilitator</a:t>
-            </a:r>
+              <a:rPr lang="en-GB" b="1" dirty="0">
+                <a:solidFill>
+                  <a:schemeClr val="bg1"/>
+                </a:solidFill>
+                <a:latin typeface="Century Gothic" panose="020B0502020202020204" pitchFamily="34" charset="0"/>
+              </a:rPr>
+              <a:t>The Tool Library</a:t>
+            </a:r>
+          </a:p>
+          <a:p>
+            <a:pPr marL="285750" lvl="0" indent="-285750">
+              <a:buFont typeface="Arial" panose="020B0604020202020204" pitchFamily="34" charset="0"/>
+              <a:buChar char="•"/>
+            </a:pPr>
+            <a:endParaRPr lang="en-GB" dirty="0">
+              <a:solidFill>
+                <a:schemeClr val="bg1"/>
+              </a:solidFill>
+              <a:latin typeface="Century Gothic" panose="020B0502020202020204" pitchFamily="34" charset="0"/>
+            </a:endParaRPr>
+          </a:p>
+          <a:p>
+            <a:pPr marL="285750" lvl="0" indent="-285750">
+              <a:buFont typeface="Arial" panose="020B0604020202020204" pitchFamily="34" charset="0"/>
+              <a:buChar char="•"/>
+            </a:pPr>
+            <a:r>
+              <a:rPr lang="en-GB" b="1" dirty="0">
+                <a:solidFill>
+                  <a:schemeClr val="bg1"/>
+                </a:solidFill>
+                <a:latin typeface="Century Gothic" panose="020B0502020202020204" pitchFamily="34" charset="0"/>
+              </a:rPr>
+              <a:t>The </a:t>
+            </a:r>
+            <a:r>
+              <a:rPr lang="en-GB" b="1" dirty="0" err="1">
+                <a:solidFill>
+                  <a:schemeClr val="bg1"/>
+                </a:solidFill>
+                <a:latin typeface="Century Gothic" panose="020B0502020202020204" pitchFamily="34" charset="0"/>
+              </a:rPr>
+              <a:t>Remakery</a:t>
+            </a:r>
+            <a:endParaRPr lang="en-GB" b="1" dirty="0">
+              <a:solidFill>
+                <a:schemeClr val="bg1"/>
+              </a:solidFill>
+              <a:latin typeface="Century Gothic" panose="020B0502020202020204" pitchFamily="34" charset="0"/>
+            </a:endParaRPr>
+          </a:p>
+          <a:p>
+            <a:pPr marL="285750" lvl="0" indent="-285750">
+              <a:buFont typeface="Arial" panose="020B0604020202020204" pitchFamily="34" charset="0"/>
+              <a:buChar char="•"/>
+            </a:pPr>
+            <a:endParaRPr lang="en-GB" dirty="0">
+              <a:solidFill>
+                <a:schemeClr val="bg1"/>
+              </a:solidFill>
+              <a:latin typeface="Century Gothic" panose="020B0502020202020204" pitchFamily="34" charset="0"/>
+            </a:endParaRPr>
+          </a:p>
+          <a:p>
+            <a:pPr marL="285750" lvl="0" indent="-285750">
+              <a:buFont typeface="Arial" panose="020B0604020202020204" pitchFamily="34" charset="0"/>
+              <a:buChar char="•"/>
+            </a:pPr>
+            <a:r>
+              <a:rPr lang="en-GB" b="1" dirty="0">
+                <a:solidFill>
+                  <a:schemeClr val="bg1"/>
+                </a:solidFill>
+                <a:latin typeface="Century Gothic" panose="020B0502020202020204" pitchFamily="34" charset="0"/>
+              </a:rPr>
+              <a:t>Transition Edinburgh</a:t>
+            </a:r>
+          </a:p>
+          <a:p>
+            <a:pPr marL="285750" lvl="0" indent="-285750">
+              <a:buFont typeface="Arial" panose="020B0604020202020204" pitchFamily="34" charset="0"/>
+              <a:buChar char="•"/>
+            </a:pPr>
+            <a:endParaRPr lang="en-GB" b="1" dirty="0">
+              <a:solidFill>
+                <a:schemeClr val="bg1"/>
+              </a:solidFill>
+              <a:latin typeface="Century Gothic" panose="020B0502020202020204" pitchFamily="34" charset="0"/>
+            </a:endParaRPr>
+          </a:p>
+          <a:p>
+            <a:pPr marL="285750" lvl="0" indent="-285750">
+              <a:buFont typeface="Arial" panose="020B0604020202020204" pitchFamily="34" charset="0"/>
+              <a:buChar char="•"/>
+            </a:pPr>
+            <a:r>
+              <a:rPr lang="en-GB" b="1" dirty="0">
+                <a:solidFill>
+                  <a:schemeClr val="bg1"/>
+                </a:solidFill>
+                <a:latin typeface="Century Gothic" panose="020B0502020202020204" pitchFamily="34" charset="0"/>
+              </a:rPr>
+              <a:t>The Eco-larder</a:t>
+            </a:r>
+          </a:p>
+          <a:p>
+            <a:pPr marL="285750" lvl="0" indent="-285750">
+              <a:buFont typeface="Arial" panose="020B0604020202020204" pitchFamily="34" charset="0"/>
+              <a:buChar char="•"/>
+            </a:pPr>
+            <a:endParaRPr lang="en-GB" b="1" dirty="0">
+              <a:solidFill>
+                <a:schemeClr val="bg1"/>
+              </a:solidFill>
+              <a:latin typeface="Century Gothic" panose="020B0502020202020204" pitchFamily="34" charset="0"/>
+            </a:endParaRPr>
+          </a:p>
+          <a:p>
+            <a:pPr marL="285750" lvl="0" indent="-285750">
+              <a:buFont typeface="Arial" panose="020B0604020202020204" pitchFamily="34" charset="0"/>
+              <a:buChar char="•"/>
+            </a:pPr>
+            <a:r>
+              <a:rPr lang="en-GB" b="1" dirty="0">
+                <a:solidFill>
+                  <a:schemeClr val="bg1"/>
+                </a:solidFill>
+                <a:latin typeface="Century Gothic" panose="020B0502020202020204" pitchFamily="34" charset="0"/>
+              </a:rPr>
+              <a:t>One Cherry</a:t>
+            </a:r>
+          </a:p>
+          <a:p>
+            <a:pPr marL="285750" lvl="0" indent="-285750">
+              <a:buFont typeface="Arial" panose="020B0604020202020204" pitchFamily="34" charset="0"/>
+              <a:buChar char="•"/>
+            </a:pPr>
+            <a:endParaRPr lang="en-GB" b="1" dirty="0">
+              <a:solidFill>
+                <a:schemeClr val="bg1"/>
+              </a:solidFill>
+              <a:latin typeface="Century Gothic" panose="020B0502020202020204" pitchFamily="34" charset="0"/>
+            </a:endParaRPr>
+          </a:p>
+          <a:p>
+            <a:pPr marL="285750" lvl="0" indent="-285750">
+              <a:buFont typeface="Arial" panose="020B0604020202020204" pitchFamily="34" charset="0"/>
+              <a:buChar char="•"/>
+            </a:pPr>
+            <a:r>
+              <a:rPr lang="en-GB" b="1" dirty="0">
+                <a:solidFill>
+                  <a:schemeClr val="bg1"/>
+                </a:solidFill>
+                <a:latin typeface="Century Gothic" panose="020B0502020202020204" pitchFamily="34" charset="0"/>
+              </a:rPr>
+              <a:t>The University of Edinburgh Department of Social Responsibility and Sustainability</a:t>
+            </a:r>
+            <a:endParaRPr lang="en-GB" dirty="0">
+              <a:solidFill>
+                <a:schemeClr val="bg1"/>
+              </a:solidFill>
+              <a:latin typeface="Century Gothic" panose="020B0502020202020204" pitchFamily="34" charset="0"/>
+            </a:endParaRPr>
           </a:p>
         </p:txBody>
       </p:sp>
     </p:spTree>
     <p:extLst>
       <p:ext uri="{BB962C8B-B14F-4D97-AF65-F5344CB8AC3E}">
-        <p14:creationId xmlns:p14="http://schemas.microsoft.com/office/powerpoint/2010/main" val="3325180432"/>
+        <p14:creationId xmlns:p14="http://schemas.microsoft.com/office/powerpoint/2010/main" val="4289104075"/>
       </p:ext>
     </p:extLst>
   </p:cSld>
